--- a/Office documents/Prezentare Completa.pptx
+++ b/Office documents/Prezentare Completa.pptx
@@ -18,14 +18,13 @@
     <p:sldId id="276" r:id="rId12"/>
     <p:sldId id="275" r:id="rId13"/>
     <p:sldId id="264" r:id="rId14"/>
-    <p:sldId id="268" r:id="rId15"/>
-    <p:sldId id="265" r:id="rId16"/>
-    <p:sldId id="271" r:id="rId17"/>
-    <p:sldId id="266" r:id="rId18"/>
-    <p:sldId id="270" r:id="rId19"/>
-    <p:sldId id="267" r:id="rId20"/>
-    <p:sldId id="272" r:id="rId21"/>
-    <p:sldId id="269" r:id="rId22"/>
+    <p:sldId id="283" r:id="rId15"/>
+    <p:sldId id="279" r:id="rId16"/>
+    <p:sldId id="280" r:id="rId17"/>
+    <p:sldId id="281" r:id="rId18"/>
+    <p:sldId id="282" r:id="rId19"/>
+    <p:sldId id="284" r:id="rId20"/>
+    <p:sldId id="285" r:id="rId21"/>
   </p:sldIdLst>
   <p:sldSz cx="9144000" cy="6858000" type="screen4x3"/>
   <p:notesSz cx="6858000" cy="9144000"/>
@@ -378,7 +377,7 @@
             <a:fld id="{DC32BC8C-447D-48B7-85E7-C44104B6F7C5}" type="datetimeFigureOut">
               <a:rPr lang="en-US" smtClean="0"/>
               <a:pPr/>
-              <a:t>6/25/2010</a:t>
+              <a:t>6/27/2010</a:t>
             </a:fld>
             <a:endParaRPr lang="en-US"/>
           </a:p>
@@ -555,7 +554,7 @@
             <a:fld id="{DC32BC8C-447D-48B7-85E7-C44104B6F7C5}" type="datetimeFigureOut">
               <a:rPr lang="en-US" smtClean="0"/>
               <a:pPr/>
-              <a:t>6/25/2010</a:t>
+              <a:t>6/27/2010</a:t>
             </a:fld>
             <a:endParaRPr lang="en-US"/>
           </a:p>
@@ -681,7 +680,7 @@
             <a:fld id="{DC32BC8C-447D-48B7-85E7-C44104B6F7C5}" type="datetimeFigureOut">
               <a:rPr lang="en-US" smtClean="0"/>
               <a:pPr/>
-              <a:t>6/25/2010</a:t>
+              <a:t>6/27/2010</a:t>
             </a:fld>
             <a:endParaRPr lang="en-US"/>
           </a:p>
@@ -773,7 +772,7 @@
             <a:fld id="{DC32BC8C-447D-48B7-85E7-C44104B6F7C5}" type="datetimeFigureOut">
               <a:rPr lang="en-US" smtClean="0"/>
               <a:pPr/>
-              <a:t>6/25/2010</a:t>
+              <a:t>6/27/2010</a:t>
             </a:fld>
             <a:endParaRPr lang="en-US"/>
           </a:p>
@@ -1011,7 +1010,7 @@
             <a:fld id="{DC32BC8C-447D-48B7-85E7-C44104B6F7C5}" type="datetimeFigureOut">
               <a:rPr lang="en-US" smtClean="0"/>
               <a:pPr/>
-              <a:t>6/25/2010</a:t>
+              <a:t>6/27/2010</a:t>
             </a:fld>
             <a:endParaRPr lang="en-US"/>
           </a:p>
@@ -1188,7 +1187,7 @@
             <a:fld id="{DC32BC8C-447D-48B7-85E7-C44104B6F7C5}" type="datetimeFigureOut">
               <a:rPr lang="en-US" smtClean="0"/>
               <a:pPr/>
-              <a:t>6/25/2010</a:t>
+              <a:t>6/27/2010</a:t>
             </a:fld>
             <a:endParaRPr lang="en-US"/>
           </a:p>
@@ -1426,7 +1425,7 @@
             <a:fld id="{DC32BC8C-447D-48B7-85E7-C44104B6F7C5}" type="datetimeFigureOut">
               <a:rPr lang="en-US" smtClean="0"/>
               <a:pPr/>
-              <a:t>6/25/2010</a:t>
+              <a:t>6/27/2010</a:t>
             </a:fld>
             <a:endParaRPr lang="en-US"/>
           </a:p>
@@ -1699,7 +1698,7 @@
             <a:fld id="{DC32BC8C-447D-48B7-85E7-C44104B6F7C5}" type="datetimeFigureOut">
               <a:rPr lang="en-US" smtClean="0"/>
               <a:pPr/>
-              <a:t>6/25/2010</a:t>
+              <a:t>6/27/2010</a:t>
             </a:fld>
             <a:endParaRPr lang="en-US"/>
           </a:p>
@@ -1927,7 +1926,19 @@
           <a:bodyPr/>
           <a:lstStyle/>
           <a:p>
-            <a:endParaRPr lang="en-US" dirty="0"/>
+            <a:r>
+              <a:rPr lang="ro-RO" b="1" noProof="1" smtClean="0"/>
+              <a:t>Popescu</a:t>
+            </a:r>
+            <a:r>
+              <a:rPr lang="ro-RO" b="1" noProof="1" smtClean="0"/>
+              <a:t> </a:t>
+            </a:r>
+            <a:r>
+              <a:rPr lang="ro-RO" b="1" noProof="1" smtClean="0"/>
+              <a:t>Alexandru</a:t>
+            </a:r>
+            <a:endParaRPr lang="ro-RO" b="1" noProof="1"/>
           </a:p>
         </p:txBody>
       </p:sp>
@@ -1955,13 +1966,27 @@
           <a:p>
             <a:pPr algn="ctr"/>
             <a:r>
-              <a:rPr lang="ro-RO" dirty="0" smtClean="0">
-                <a:latin typeface="Times New Roman" pitchFamily="18" charset="0"/>
-                <a:cs typeface="Times New Roman" pitchFamily="18" charset="0"/>
-              </a:rPr>
-              <a:t>Sistem de simulare si testare automata a functionalitatilor unui computer de bord</a:t>
-            </a:r>
-            <a:endParaRPr lang="ro-RO" dirty="0">
+              <a:rPr lang="ro-RO" b="1" noProof="1" smtClean="0">
+                <a:latin typeface="Times New Roman" pitchFamily="18" charset="0"/>
+                <a:cs typeface="Times New Roman" pitchFamily="18" charset="0"/>
+              </a:rPr>
+              <a:t>Sistem de simulare si testare automata a functionalitatilor unui computer </a:t>
+            </a:r>
+            <a:r>
+              <a:rPr lang="ro-RO" b="1" noProof="1" smtClean="0">
+                <a:latin typeface="Times New Roman" pitchFamily="18" charset="0"/>
+                <a:cs typeface="Times New Roman" pitchFamily="18" charset="0"/>
+              </a:rPr>
+              <a:t>de </a:t>
+            </a:r>
+            <a:r>
+              <a:rPr lang="ro-RO" b="1" noProof="1" smtClean="0">
+                <a:latin typeface="Times New Roman" pitchFamily="18" charset="0"/>
+                <a:cs typeface="Times New Roman" pitchFamily="18" charset="0"/>
+              </a:rPr>
+              <a:t>bord</a:t>
+            </a:r>
+            <a:endParaRPr lang="ro-RO" b="1" noProof="1">
               <a:latin typeface="Times New Roman" pitchFamily="18" charset="0"/>
               <a:cs typeface="Times New Roman" pitchFamily="18" charset="0"/>
             </a:endParaRPr>
@@ -2035,68 +2060,8 @@
                 <a:latin typeface="Times New Roman" pitchFamily="18" charset="0"/>
                 <a:cs typeface="Times New Roman" pitchFamily="18" charset="0"/>
               </a:rPr>
-              <a:t>	</a:t>
-            </a:r>
-            <a:r>
-              <a:rPr lang="ro-RO" sz="2400" noProof="1" smtClean="0">
-                <a:latin typeface="Times New Roman" pitchFamily="18" charset="0"/>
-                <a:cs typeface="Times New Roman" pitchFamily="18" charset="0"/>
-              </a:rPr>
-              <a:t>Intr-o arhitectura client – server termenul de </a:t>
-            </a:r>
-            <a:r>
-              <a:rPr lang="ro-RO" sz="2400" noProof="1" smtClean="0">
-                <a:latin typeface="Times New Roman" pitchFamily="18" charset="0"/>
-                <a:cs typeface="Times New Roman" pitchFamily="18" charset="0"/>
-              </a:rPr>
-              <a:t>„</a:t>
-            </a:r>
-            <a:r>
-              <a:rPr lang="ro-RO" sz="2400" noProof="1" smtClean="0">
-                <a:latin typeface="Times New Roman" pitchFamily="18" charset="0"/>
-                <a:cs typeface="Times New Roman" pitchFamily="18" charset="0"/>
-              </a:rPr>
-              <a:t>rich - </a:t>
-            </a:r>
-            <a:r>
-              <a:rPr lang="ro-RO" sz="2400" noProof="1" smtClean="0">
-                <a:latin typeface="Times New Roman" pitchFamily="18" charset="0"/>
-                <a:cs typeface="Times New Roman" pitchFamily="18" charset="0"/>
-              </a:rPr>
-              <a:t>client</a:t>
-            </a:r>
-            <a:r>
-              <a:rPr lang="ro-RO" sz="2400" noProof="1" smtClean="0">
-                <a:latin typeface="Times New Roman" pitchFamily="18" charset="0"/>
-                <a:cs typeface="Times New Roman" pitchFamily="18" charset="0"/>
-              </a:rPr>
-              <a:t>” este folosit pentru clienti unde procesarea datelor apare in principal pe partea de </a:t>
-            </a:r>
-            <a:r>
-              <a:rPr lang="ro-RO" sz="2400" noProof="1" smtClean="0">
-                <a:latin typeface="Times New Roman" pitchFamily="18" charset="0"/>
-                <a:cs typeface="Times New Roman" pitchFamily="18" charset="0"/>
-              </a:rPr>
-              <a:t>client</a:t>
-            </a:r>
-            <a:r>
-              <a:rPr lang="ro-RO" sz="2400" noProof="1" smtClean="0">
-                <a:latin typeface="Times New Roman" pitchFamily="18" charset="0"/>
-                <a:cs typeface="Times New Roman" pitchFamily="18" charset="0"/>
-              </a:rPr>
-              <a:t>. Clientul ofera de asemenea interfata grafica cu </a:t>
-            </a:r>
-            <a:r>
-              <a:rPr lang="ro-RO" sz="2400" noProof="1" smtClean="0">
-                <a:latin typeface="Times New Roman" pitchFamily="18" charset="0"/>
-                <a:cs typeface="Times New Roman" pitchFamily="18" charset="0"/>
-              </a:rPr>
-              <a:t>utilizatorul.</a:t>
-            </a:r>
-            <a:endParaRPr lang="ro-RO" sz="2400" noProof="1" smtClean="0">
-              <a:latin typeface="Times New Roman" pitchFamily="18" charset="0"/>
-              <a:cs typeface="Times New Roman" pitchFamily="18" charset="0"/>
-            </a:endParaRPr>
+              <a:t>	Intr-o arhitectura client – server termenul de „rich - client” este folosit pentru clienti unde procesarea datelor apare in principal pe partea de client. Clientul ofera de asemenea interfata grafica cu utilizatorul.</a:t>
+            </a:r>
           </a:p>
           <a:p>
             <a:r>
@@ -2104,169 +2069,86 @@
                 <a:latin typeface="Times New Roman" pitchFamily="18" charset="0"/>
                 <a:cs typeface="Times New Roman" pitchFamily="18" charset="0"/>
               </a:rPr>
-              <a:t>Avantajele unei platforme </a:t>
-            </a:r>
+              <a:t>Avantajele unei platforme “Rich client”</a:t>
+            </a:r>
+          </a:p>
+          <a:p>
+            <a:pPr lvl="1"/>
+            <a:r>
+              <a:rPr lang="ro-RO" noProof="1" smtClean="0">
+                <a:latin typeface="Times New Roman" pitchFamily="18" charset="0"/>
+                <a:cs typeface="Times New Roman" pitchFamily="18" charset="0"/>
+              </a:rPr>
+              <a:t>Reducerea timpului de dezvoltare</a:t>
+            </a:r>
+          </a:p>
+          <a:p>
+            <a:pPr lvl="1"/>
+            <a:r>
+              <a:rPr lang="ro-RO" noProof="1" smtClean="0">
+                <a:latin typeface="Times New Roman" pitchFamily="18" charset="0"/>
+                <a:cs typeface="Times New Roman" pitchFamily="18" charset="0"/>
+              </a:rPr>
+              <a:t>Consistenta interfetei cu utilizatorul</a:t>
+            </a:r>
+          </a:p>
+          <a:p>
+            <a:pPr lvl="1"/>
+            <a:r>
+              <a:rPr lang="ro-RO" noProof="1" smtClean="0">
+                <a:latin typeface="Times New Roman" pitchFamily="18" charset="0"/>
+                <a:cs typeface="Times New Roman" pitchFamily="18" charset="0"/>
+              </a:rPr>
+              <a:t>Reactualizarea</a:t>
+            </a:r>
+          </a:p>
+          <a:p>
+            <a:pPr lvl="1"/>
+            <a:r>
+              <a:rPr lang="ro-RO" noProof="1" smtClean="0">
+                <a:latin typeface="Times New Roman" pitchFamily="18" charset="0"/>
+                <a:cs typeface="Times New Roman" pitchFamily="18" charset="0"/>
+              </a:rPr>
+              <a:t>Independenta platformei</a:t>
+            </a:r>
+          </a:p>
+          <a:p>
+            <a:pPr lvl="1"/>
+            <a:r>
+              <a:rPr lang="ro-RO" noProof="1" smtClean="0">
+                <a:latin typeface="Times New Roman" pitchFamily="18" charset="0"/>
+                <a:cs typeface="Times New Roman" pitchFamily="18" charset="0"/>
+              </a:rPr>
+              <a:t>Reutilizarea si fiabilitatea</a:t>
+            </a:r>
+            <a:endParaRPr lang="ro-RO" noProof="1">
+              <a:latin typeface="Times New Roman" pitchFamily="18" charset="0"/>
+              <a:cs typeface="Times New Roman" pitchFamily="18" charset="0"/>
+            </a:endParaRPr>
+          </a:p>
+        </p:txBody>
+      </p:sp>
+      <p:sp>
+        <p:nvSpPr>
+          <p:cNvPr id="3" name="Title 2"/>
+          <p:cNvSpPr>
+            <a:spLocks noGrp="1"/>
+          </p:cNvSpPr>
+          <p:nvPr>
+            <p:ph type="title"/>
+          </p:nvPr>
+        </p:nvSpPr>
+        <p:spPr/>
+        <p:txBody>
+          <a:bodyPr/>
+          <a:lstStyle/>
+          <a:p>
             <a:r>
               <a:rPr lang="ro-RO" b="1" noProof="1" smtClean="0">
                 <a:latin typeface="Times New Roman" pitchFamily="18" charset="0"/>
                 <a:cs typeface="Times New Roman" pitchFamily="18" charset="0"/>
               </a:rPr>
-              <a:t>“</a:t>
-            </a:r>
-            <a:r>
-              <a:rPr lang="ro-RO" b="1" noProof="1" smtClean="0">
-                <a:latin typeface="Times New Roman" pitchFamily="18" charset="0"/>
-                <a:cs typeface="Times New Roman" pitchFamily="18" charset="0"/>
-              </a:rPr>
-              <a:t>Rich </a:t>
-            </a:r>
-            <a:r>
-              <a:rPr lang="ro-RO" b="1" noProof="1" smtClean="0">
-                <a:latin typeface="Times New Roman" pitchFamily="18" charset="0"/>
-                <a:cs typeface="Times New Roman" pitchFamily="18" charset="0"/>
-              </a:rPr>
-              <a:t>client”</a:t>
-            </a:r>
-            <a:endParaRPr lang="ro-RO" b="1" noProof="1" smtClean="0">
-              <a:latin typeface="Times New Roman" pitchFamily="18" charset="0"/>
-              <a:cs typeface="Times New Roman" pitchFamily="18" charset="0"/>
-            </a:endParaRPr>
-          </a:p>
-          <a:p>
-            <a:pPr lvl="1"/>
-            <a:r>
-              <a:rPr lang="ro-RO" noProof="1" smtClean="0">
-                <a:latin typeface="Times New Roman" pitchFamily="18" charset="0"/>
-                <a:cs typeface="Times New Roman" pitchFamily="18" charset="0"/>
-              </a:rPr>
-              <a:t>Reducerea timpului de </a:t>
-            </a:r>
-            <a:r>
-              <a:rPr lang="ro-RO" noProof="1" smtClean="0">
-                <a:latin typeface="Times New Roman" pitchFamily="18" charset="0"/>
-                <a:cs typeface="Times New Roman" pitchFamily="18" charset="0"/>
-              </a:rPr>
-              <a:t>dezvoltare</a:t>
-            </a:r>
-            <a:endParaRPr lang="ro-RO" noProof="1" smtClean="0">
-              <a:latin typeface="Times New Roman" pitchFamily="18" charset="0"/>
-              <a:cs typeface="Times New Roman" pitchFamily="18" charset="0"/>
-            </a:endParaRPr>
-          </a:p>
-          <a:p>
-            <a:pPr lvl="1"/>
-            <a:r>
-              <a:rPr lang="ro-RO" noProof="1" smtClean="0">
-                <a:latin typeface="Times New Roman" pitchFamily="18" charset="0"/>
-                <a:cs typeface="Times New Roman" pitchFamily="18" charset="0"/>
-              </a:rPr>
-              <a:t>Consistenta interfetei cu </a:t>
-            </a:r>
-            <a:r>
-              <a:rPr lang="ro-RO" noProof="1" smtClean="0">
-                <a:latin typeface="Times New Roman" pitchFamily="18" charset="0"/>
-                <a:cs typeface="Times New Roman" pitchFamily="18" charset="0"/>
-              </a:rPr>
-              <a:t>utilizatorul</a:t>
-            </a:r>
-            <a:endParaRPr lang="ro-RO" noProof="1" smtClean="0">
-              <a:latin typeface="Times New Roman" pitchFamily="18" charset="0"/>
-              <a:cs typeface="Times New Roman" pitchFamily="18" charset="0"/>
-            </a:endParaRPr>
-          </a:p>
-          <a:p>
-            <a:pPr lvl="1"/>
-            <a:r>
-              <a:rPr lang="ro-RO" noProof="1" smtClean="0">
-                <a:latin typeface="Times New Roman" pitchFamily="18" charset="0"/>
-                <a:cs typeface="Times New Roman" pitchFamily="18" charset="0"/>
-              </a:rPr>
-              <a:t>Reactualizarea</a:t>
-            </a:r>
-            <a:endParaRPr lang="ro-RO" noProof="1" smtClean="0">
-              <a:latin typeface="Times New Roman" pitchFamily="18" charset="0"/>
-              <a:cs typeface="Times New Roman" pitchFamily="18" charset="0"/>
-            </a:endParaRPr>
-          </a:p>
-          <a:p>
-            <a:pPr lvl="1"/>
-            <a:r>
-              <a:rPr lang="ro-RO" noProof="1" smtClean="0">
-                <a:latin typeface="Times New Roman" pitchFamily="18" charset="0"/>
-                <a:cs typeface="Times New Roman" pitchFamily="18" charset="0"/>
-              </a:rPr>
-              <a:t>Independenta </a:t>
-            </a:r>
-            <a:r>
-              <a:rPr lang="ro-RO" noProof="1" smtClean="0">
-                <a:latin typeface="Times New Roman" pitchFamily="18" charset="0"/>
-                <a:cs typeface="Times New Roman" pitchFamily="18" charset="0"/>
-              </a:rPr>
-              <a:t>platformei</a:t>
-            </a:r>
-            <a:endParaRPr lang="ro-RO" noProof="1" smtClean="0">
-              <a:latin typeface="Times New Roman" pitchFamily="18" charset="0"/>
-              <a:cs typeface="Times New Roman" pitchFamily="18" charset="0"/>
-            </a:endParaRPr>
-          </a:p>
-          <a:p>
-            <a:pPr lvl="1"/>
-            <a:r>
-              <a:rPr lang="ro-RO" noProof="1" smtClean="0">
-                <a:latin typeface="Times New Roman" pitchFamily="18" charset="0"/>
-                <a:cs typeface="Times New Roman" pitchFamily="18" charset="0"/>
-              </a:rPr>
-              <a:t>Reutilizarea si </a:t>
-            </a:r>
-            <a:r>
-              <a:rPr lang="ro-RO" noProof="1" smtClean="0">
-                <a:latin typeface="Times New Roman" pitchFamily="18" charset="0"/>
-                <a:cs typeface="Times New Roman" pitchFamily="18" charset="0"/>
-              </a:rPr>
-              <a:t>fiabilitatea</a:t>
-            </a:r>
-            <a:endParaRPr lang="ro-RO" noProof="1">
-              <a:latin typeface="Times New Roman" pitchFamily="18" charset="0"/>
-              <a:cs typeface="Times New Roman" pitchFamily="18" charset="0"/>
-            </a:endParaRPr>
-          </a:p>
-        </p:txBody>
-      </p:sp>
-      <p:sp>
-        <p:nvSpPr>
-          <p:cNvPr id="3" name="Title 2"/>
-          <p:cNvSpPr>
-            <a:spLocks noGrp="1"/>
-          </p:cNvSpPr>
-          <p:nvPr>
-            <p:ph type="title"/>
-          </p:nvPr>
-        </p:nvSpPr>
-        <p:spPr/>
-        <p:txBody>
-          <a:bodyPr/>
-          <a:lstStyle/>
-          <a:p>
-            <a:r>
-              <a:rPr lang="ro-RO" b="1" noProof="1" smtClean="0">
-                <a:latin typeface="Times New Roman" pitchFamily="18" charset="0"/>
-                <a:cs typeface="Times New Roman" pitchFamily="18" charset="0"/>
-              </a:rPr>
-              <a:t>Platforma</a:t>
-            </a:r>
-            <a:r>
-              <a:rPr lang="ro-RO" b="1" noProof="1" smtClean="0">
-                <a:latin typeface="Times New Roman" pitchFamily="18" charset="0"/>
-                <a:cs typeface="Times New Roman" pitchFamily="18" charset="0"/>
-              </a:rPr>
-              <a:t> </a:t>
-            </a:r>
-            <a:r>
-              <a:rPr lang="ro-RO" b="1" noProof="1" smtClean="0">
-                <a:latin typeface="Times New Roman" pitchFamily="18" charset="0"/>
-                <a:cs typeface="Times New Roman" pitchFamily="18" charset="0"/>
-              </a:rPr>
-              <a:t>Netbeans</a:t>
+              <a:t>Platforma Netbeans</a:t>
             </a:r>
             <a:endParaRPr lang="ro-RO" b="1" noProof="1">
               <a:latin typeface="Times New Roman" pitchFamily="18" charset="0"/>
@@ -2347,19 +2229,18 @@
                 <a:latin typeface="Times New Roman" pitchFamily="18" charset="0"/>
                 <a:cs typeface="Times New Roman" pitchFamily="18" charset="0"/>
               </a:rPr>
-              <a:t>Infrastructura interfetei cu </a:t>
-            </a:r>
+              <a:t>Infrastructura interfetei cu utilizatorul</a:t>
+            </a:r>
+          </a:p>
+          <a:p>
+            <a:pPr lvl="1"/>
             <a:r>
               <a:rPr lang="ro-RO" sz="2200" noProof="1" smtClean="0">
                 <a:latin typeface="Times New Roman" pitchFamily="18" charset="0"/>
                 <a:cs typeface="Times New Roman" pitchFamily="18" charset="0"/>
               </a:rPr>
-              <a:t>utilizatorul</a:t>
-            </a:r>
-            <a:endParaRPr lang="ro-RO" sz="2200" noProof="1" smtClean="0">
-              <a:latin typeface="Times New Roman" pitchFamily="18" charset="0"/>
-              <a:cs typeface="Times New Roman" pitchFamily="18" charset="0"/>
-            </a:endParaRPr>
+              <a:t>Editorul de date</a:t>
+            </a:r>
           </a:p>
           <a:p>
             <a:pPr lvl="1"/>
@@ -2368,19 +2249,18 @@
                 <a:latin typeface="Times New Roman" pitchFamily="18" charset="0"/>
                 <a:cs typeface="Times New Roman" pitchFamily="18" charset="0"/>
               </a:rPr>
-              <a:t>Editorul de </a:t>
-            </a:r>
+              <a:t>Afisajul particularizabil</a:t>
+            </a:r>
+          </a:p>
+          <a:p>
+            <a:pPr lvl="1"/>
             <a:r>
               <a:rPr lang="ro-RO" sz="2200" noProof="1" smtClean="0">
                 <a:latin typeface="Times New Roman" pitchFamily="18" charset="0"/>
                 <a:cs typeface="Times New Roman" pitchFamily="18" charset="0"/>
               </a:rPr>
-              <a:t>date</a:t>
-            </a:r>
-            <a:endParaRPr lang="ro-RO" sz="2200" noProof="1" smtClean="0">
-              <a:latin typeface="Times New Roman" pitchFamily="18" charset="0"/>
-              <a:cs typeface="Times New Roman" pitchFamily="18" charset="0"/>
-            </a:endParaRPr>
+              <a:t>Infratructura Wizard</a:t>
+            </a:r>
           </a:p>
           <a:p>
             <a:pPr lvl="1"/>
@@ -2389,19 +2269,18 @@
                 <a:latin typeface="Times New Roman" pitchFamily="18" charset="0"/>
                 <a:cs typeface="Times New Roman" pitchFamily="18" charset="0"/>
               </a:rPr>
-              <a:t>Afisajul </a:t>
-            </a:r>
+              <a:t>Sisteme de date</a:t>
+            </a:r>
+          </a:p>
+          <a:p>
+            <a:pPr lvl="1"/>
             <a:r>
               <a:rPr lang="ro-RO" sz="2200" noProof="1" smtClean="0">
                 <a:latin typeface="Times New Roman" pitchFamily="18" charset="0"/>
                 <a:cs typeface="Times New Roman" pitchFamily="18" charset="0"/>
               </a:rPr>
-              <a:t>particularizabil</a:t>
-            </a:r>
-            <a:endParaRPr lang="ro-RO" sz="2200" noProof="1" smtClean="0">
-              <a:latin typeface="Times New Roman" pitchFamily="18" charset="0"/>
-              <a:cs typeface="Times New Roman" pitchFamily="18" charset="0"/>
-            </a:endParaRPr>
+              <a:t>Internationalizare</a:t>
+            </a:r>
           </a:p>
           <a:p>
             <a:pPr lvl="1"/>
@@ -2410,75 +2289,8 @@
                 <a:latin typeface="Times New Roman" pitchFamily="18" charset="0"/>
                 <a:cs typeface="Times New Roman" pitchFamily="18" charset="0"/>
               </a:rPr>
-              <a:t>Infratructura </a:t>
-            </a:r>
-            <a:r>
-              <a:rPr lang="ro-RO" sz="2200" noProof="1" smtClean="0">
-                <a:latin typeface="Times New Roman" pitchFamily="18" charset="0"/>
-                <a:cs typeface="Times New Roman" pitchFamily="18" charset="0"/>
-              </a:rPr>
-              <a:t>Wizard</a:t>
-            </a:r>
-            <a:endParaRPr lang="ro-RO" sz="2200" noProof="1" smtClean="0">
-              <a:latin typeface="Times New Roman" pitchFamily="18" charset="0"/>
-              <a:cs typeface="Times New Roman" pitchFamily="18" charset="0"/>
-            </a:endParaRPr>
-          </a:p>
-          <a:p>
-            <a:pPr lvl="1"/>
-            <a:r>
-              <a:rPr lang="ro-RO" sz="2200" noProof="1" smtClean="0">
-                <a:latin typeface="Times New Roman" pitchFamily="18" charset="0"/>
-                <a:cs typeface="Times New Roman" pitchFamily="18" charset="0"/>
-              </a:rPr>
-              <a:t>Sisteme de </a:t>
-            </a:r>
-            <a:r>
-              <a:rPr lang="ro-RO" sz="2200" noProof="1" smtClean="0">
-                <a:latin typeface="Times New Roman" pitchFamily="18" charset="0"/>
-                <a:cs typeface="Times New Roman" pitchFamily="18" charset="0"/>
-              </a:rPr>
-              <a:t>date</a:t>
-            </a:r>
-            <a:endParaRPr lang="ro-RO" sz="2200" noProof="1" smtClean="0">
-              <a:latin typeface="Times New Roman" pitchFamily="18" charset="0"/>
-              <a:cs typeface="Times New Roman" pitchFamily="18" charset="0"/>
-            </a:endParaRPr>
-          </a:p>
-          <a:p>
-            <a:pPr lvl="1"/>
-            <a:r>
-              <a:rPr lang="ro-RO" sz="2200" noProof="1" smtClean="0">
-                <a:latin typeface="Times New Roman" pitchFamily="18" charset="0"/>
-                <a:cs typeface="Times New Roman" pitchFamily="18" charset="0"/>
-              </a:rPr>
-              <a:t>Internationalizare</a:t>
-            </a:r>
-            <a:endParaRPr lang="ro-RO" sz="2200" noProof="1" smtClean="0">
-              <a:latin typeface="Times New Roman" pitchFamily="18" charset="0"/>
-              <a:cs typeface="Times New Roman" pitchFamily="18" charset="0"/>
-            </a:endParaRPr>
-          </a:p>
-          <a:p>
-            <a:pPr lvl="1"/>
-            <a:r>
-              <a:rPr lang="ro-RO" sz="2200" noProof="1" smtClean="0">
-                <a:latin typeface="Times New Roman" pitchFamily="18" charset="0"/>
-                <a:cs typeface="Times New Roman" pitchFamily="18" charset="0"/>
-              </a:rPr>
-              <a:t>Sistem de </a:t>
-            </a:r>
-            <a:r>
-              <a:rPr lang="ro-RO" sz="2200" noProof="1" smtClean="0">
-                <a:latin typeface="Times New Roman" pitchFamily="18" charset="0"/>
-                <a:cs typeface="Times New Roman" pitchFamily="18" charset="0"/>
-              </a:rPr>
-              <a:t>ajutor</a:t>
-            </a:r>
-            <a:endParaRPr lang="ro-RO" sz="2200" noProof="1" smtClean="0">
-              <a:latin typeface="Times New Roman" pitchFamily="18" charset="0"/>
-              <a:cs typeface="Times New Roman" pitchFamily="18" charset="0"/>
-            </a:endParaRPr>
+              <a:t>Sistem de ajutor</a:t>
+            </a:r>
           </a:p>
           <a:p>
             <a:r>
@@ -2486,73 +2298,45 @@
                 <a:latin typeface="Times New Roman" pitchFamily="18" charset="0"/>
                 <a:cs typeface="Times New Roman" pitchFamily="18" charset="0"/>
               </a:rPr>
-              <a:t>Infrastructura interfetei </a:t>
-            </a:r>
+              <a:t>Infrastructura interfetei cu utilizatorul</a:t>
+            </a:r>
+            <a:endParaRPr lang="en-US" b="1" noProof="1" smtClean="0">
+              <a:latin typeface="Times New Roman" pitchFamily="18" charset="0"/>
+              <a:cs typeface="Times New Roman" pitchFamily="18" charset="0"/>
+            </a:endParaRPr>
+          </a:p>
+          <a:p>
+            <a:endParaRPr lang="ro-RO" b="1" noProof="1" smtClean="0">
+              <a:latin typeface="Times New Roman" pitchFamily="18" charset="0"/>
+              <a:cs typeface="Times New Roman" pitchFamily="18" charset="0"/>
+            </a:endParaRPr>
+          </a:p>
+          <a:p>
             <a:r>
               <a:rPr lang="ro-RO" b="1" noProof="1" smtClean="0">
                 <a:latin typeface="Times New Roman" pitchFamily="18" charset="0"/>
                 <a:cs typeface="Times New Roman" pitchFamily="18" charset="0"/>
               </a:rPr>
-              <a:t>cu </a:t>
-            </a:r>
+              <a:t>Structura platformei </a:t>
+            </a:r>
+            <a:endParaRPr lang="en-US" b="1" noProof="1" smtClean="0">
+              <a:latin typeface="Times New Roman" pitchFamily="18" charset="0"/>
+              <a:cs typeface="Times New Roman" pitchFamily="18" charset="0"/>
+            </a:endParaRPr>
+          </a:p>
+          <a:p>
+            <a:endParaRPr lang="ro-RO" b="1" noProof="1" smtClean="0">
+              <a:latin typeface="Times New Roman" pitchFamily="18" charset="0"/>
+              <a:cs typeface="Times New Roman" pitchFamily="18" charset="0"/>
+            </a:endParaRPr>
+          </a:p>
+          <a:p>
             <a:r>
               <a:rPr lang="ro-RO" b="1" noProof="1" smtClean="0">
                 <a:latin typeface="Times New Roman" pitchFamily="18" charset="0"/>
                 <a:cs typeface="Times New Roman" pitchFamily="18" charset="0"/>
               </a:rPr>
-              <a:t>utilizatorul</a:t>
-            </a:r>
-            <a:endParaRPr lang="en-US" b="1" noProof="1" smtClean="0">
-              <a:latin typeface="Times New Roman" pitchFamily="18" charset="0"/>
-              <a:cs typeface="Times New Roman" pitchFamily="18" charset="0"/>
-            </a:endParaRPr>
-          </a:p>
-          <a:p>
-            <a:endParaRPr lang="ro-RO" b="1" noProof="1" smtClean="0">
-              <a:latin typeface="Times New Roman" pitchFamily="18" charset="0"/>
-              <a:cs typeface="Times New Roman" pitchFamily="18" charset="0"/>
-            </a:endParaRPr>
-          </a:p>
-          <a:p>
-            <a:r>
-              <a:rPr lang="ro-RO" b="1" noProof="1" smtClean="0">
-                <a:latin typeface="Times New Roman" pitchFamily="18" charset="0"/>
-                <a:cs typeface="Times New Roman" pitchFamily="18" charset="0"/>
-              </a:rPr>
-              <a:t>Structura platformei </a:t>
-            </a:r>
-            <a:endParaRPr lang="en-US" b="1" noProof="1" smtClean="0">
-              <a:latin typeface="Times New Roman" pitchFamily="18" charset="0"/>
-              <a:cs typeface="Times New Roman" pitchFamily="18" charset="0"/>
-            </a:endParaRPr>
-          </a:p>
-          <a:p>
-            <a:endParaRPr lang="ro-RO" b="1" noProof="1" smtClean="0">
-              <a:latin typeface="Times New Roman" pitchFamily="18" charset="0"/>
-              <a:cs typeface="Times New Roman" pitchFamily="18" charset="0"/>
-            </a:endParaRPr>
-          </a:p>
-          <a:p>
-            <a:r>
-              <a:rPr lang="ro-RO" b="1" noProof="1" smtClean="0">
-                <a:latin typeface="Times New Roman" pitchFamily="18" charset="0"/>
-                <a:cs typeface="Times New Roman" pitchFamily="18" charset="0"/>
-              </a:rPr>
-              <a:t>Arhitectura </a:t>
-            </a:r>
-            <a:r>
-              <a:rPr lang="ro-RO" b="1" noProof="1" smtClean="0">
-                <a:latin typeface="Times New Roman" pitchFamily="18" charset="0"/>
-                <a:cs typeface="Times New Roman" pitchFamily="18" charset="0"/>
-              </a:rPr>
-              <a:t>platformei</a:t>
-            </a:r>
-            <a:r>
-              <a:rPr lang="ro-RO" b="1" noProof="1" smtClean="0">
-                <a:latin typeface="Times New Roman" pitchFamily="18" charset="0"/>
-                <a:cs typeface="Times New Roman" pitchFamily="18" charset="0"/>
-              </a:rPr>
-              <a:t>. </a:t>
+              <a:t>Arhitectura platformei. </a:t>
             </a:r>
             <a:endParaRPr lang="ro-RO" b="1" noProof="1">
               <a:latin typeface="Times New Roman" pitchFamily="18" charset="0"/>
@@ -2584,34 +2368,13 @@
           <a:lstStyle/>
           <a:p>
             <a:r>
-              <a:rPr lang="ro-RO" noProof="1" smtClean="0">
-                <a:latin typeface="Times New Roman" pitchFamily="18" charset="0"/>
-                <a:cs typeface="Times New Roman" pitchFamily="18" charset="0"/>
-              </a:rPr>
-              <a:t>Platforma</a:t>
-            </a:r>
-            <a:r>
-              <a:rPr lang="ro-RO" noProof="1" smtClean="0">
-                <a:latin typeface="Times New Roman" pitchFamily="18" charset="0"/>
-                <a:cs typeface="Times New Roman" pitchFamily="18" charset="0"/>
-              </a:rPr>
-              <a:t> </a:t>
-            </a:r>
-            <a:r>
-              <a:rPr lang="ro-RO" noProof="1" smtClean="0">
-                <a:latin typeface="Times New Roman" pitchFamily="18" charset="0"/>
-                <a:cs typeface="Times New Roman" pitchFamily="18" charset="0"/>
-              </a:rPr>
-              <a:t>Netbeans(2</a:t>
-            </a:r>
-            <a:r>
-              <a:rPr lang="ro-RO" noProof="1" smtClean="0">
-                <a:latin typeface="Times New Roman" pitchFamily="18" charset="0"/>
-                <a:cs typeface="Times New Roman" pitchFamily="18" charset="0"/>
-              </a:rPr>
-              <a:t>) </a:t>
-            </a:r>
-            <a:endParaRPr lang="ro-RO" noProof="1">
+              <a:rPr lang="ro-RO" b="1" noProof="1" smtClean="0">
+                <a:latin typeface="Times New Roman" pitchFamily="18" charset="0"/>
+                <a:cs typeface="Times New Roman" pitchFamily="18" charset="0"/>
+              </a:rPr>
+              <a:t>Platforma Netbeans(2) </a:t>
+            </a:r>
+            <a:endParaRPr lang="ro-RO" b="1" noProof="1">
               <a:latin typeface="Times New Roman" pitchFamily="18" charset="0"/>
               <a:cs typeface="Times New Roman" pitchFamily="18" charset="0"/>
             </a:endParaRPr>
@@ -2687,31 +2450,19 @@
         </p:nvSpPr>
         <p:spPr/>
         <p:txBody>
-          <a:bodyPr/>
-          <a:lstStyle/>
-          <a:p>
-            <a:r>
-              <a:rPr lang="ro-RO" noProof="1" smtClean="0">
-                <a:latin typeface="Times New Roman" pitchFamily="18" charset="0"/>
-                <a:cs typeface="Times New Roman" pitchFamily="18" charset="0"/>
-              </a:rPr>
-              <a:t>Structura</a:t>
-            </a:r>
-            <a:r>
-              <a:rPr lang="ro-RO" noProof="1" smtClean="0">
-                <a:latin typeface="Times New Roman" pitchFamily="18" charset="0"/>
-                <a:cs typeface="Times New Roman" pitchFamily="18" charset="0"/>
-              </a:rPr>
-              <a:t> conceptuala a IDE-ului </a:t>
-            </a:r>
-            <a:r>
-              <a:rPr lang="ro-RO" noProof="1" smtClean="0">
-                <a:latin typeface="Times New Roman" pitchFamily="18" charset="0"/>
-                <a:cs typeface="Times New Roman" pitchFamily="18" charset="0"/>
-              </a:rPr>
-              <a:t>Netbeans</a:t>
-            </a:r>
-            <a:endParaRPr lang="ro-RO" noProof="1">
+          <a:bodyPr>
+            <a:normAutofit fontScale="90000"/>
+          </a:bodyPr>
+          <a:lstStyle/>
+          <a:p>
+            <a:r>
+              <a:rPr lang="ro-RO" b="1" noProof="1" smtClean="0">
+                <a:latin typeface="Times New Roman" pitchFamily="18" charset="0"/>
+                <a:cs typeface="Times New Roman" pitchFamily="18" charset="0"/>
+              </a:rPr>
+              <a:t>Structura conceptuala a IDE-ului Netbeans</a:t>
+            </a:r>
+            <a:endParaRPr lang="ro-RO" b="1" noProof="1">
               <a:latin typeface="Times New Roman" pitchFamily="18" charset="0"/>
               <a:cs typeface="Times New Roman" pitchFamily="18" charset="0"/>
             </a:endParaRPr>
@@ -2798,7 +2549,146 @@
           <a:bodyPr/>
           <a:lstStyle/>
           <a:p>
-            <a:endParaRPr lang="ro-RO"/>
+            <a:r>
+              <a:rPr lang="ro-RO" b="1" noProof="1" smtClean="0">
+                <a:latin typeface="Times New Roman" pitchFamily="18" charset="0"/>
+                <a:cs typeface="Times New Roman" pitchFamily="18" charset="0"/>
+              </a:rPr>
+              <a:t>Inlocuirea AWT </a:t>
+            </a:r>
+            <a:r>
+              <a:rPr lang="ro-RO" b="1" noProof="1" smtClean="0">
+                <a:latin typeface="Times New Roman" pitchFamily="18" charset="0"/>
+                <a:cs typeface="Times New Roman" pitchFamily="18" charset="0"/>
+              </a:rPr>
+              <a:t>cu </a:t>
+            </a:r>
+            <a:r>
+              <a:rPr lang="ro-RO" b="1" noProof="1" smtClean="0">
+                <a:latin typeface="Times New Roman" pitchFamily="18" charset="0"/>
+                <a:cs typeface="Times New Roman" pitchFamily="18" charset="0"/>
+              </a:rPr>
+              <a:t>Swing</a:t>
+            </a:r>
+            <a:endParaRPr lang="ro-RO" b="1" noProof="1" smtClean="0">
+              <a:latin typeface="Times New Roman" pitchFamily="18" charset="0"/>
+              <a:cs typeface="Times New Roman" pitchFamily="18" charset="0"/>
+            </a:endParaRPr>
+          </a:p>
+          <a:p>
+            <a:r>
+              <a:rPr lang="ro-RO" b="1" noProof="1" smtClean="0">
+                <a:latin typeface="Times New Roman" pitchFamily="18" charset="0"/>
+                <a:cs typeface="Times New Roman" pitchFamily="18" charset="0"/>
+              </a:rPr>
+              <a:t>Interfata cu </a:t>
+            </a:r>
+            <a:r>
+              <a:rPr lang="ro-RO" b="1" noProof="1" smtClean="0">
+                <a:latin typeface="Times New Roman" pitchFamily="18" charset="0"/>
+                <a:cs typeface="Times New Roman" pitchFamily="18" charset="0"/>
+              </a:rPr>
+              <a:t>utilizatorul</a:t>
+            </a:r>
+            <a:endParaRPr lang="ro-RO" b="1" noProof="1" smtClean="0">
+              <a:latin typeface="Times New Roman" pitchFamily="18" charset="0"/>
+              <a:cs typeface="Times New Roman" pitchFamily="18" charset="0"/>
+            </a:endParaRPr>
+          </a:p>
+          <a:p>
+            <a:r>
+              <a:rPr lang="ro-RO" b="1" noProof="1" smtClean="0">
+                <a:latin typeface="Times New Roman" pitchFamily="18" charset="0"/>
+                <a:cs typeface="Times New Roman" pitchFamily="18" charset="0"/>
+              </a:rPr>
+              <a:t>Componentele </a:t>
+            </a:r>
+            <a:r>
+              <a:rPr lang="ro-RO" b="1" noProof="1" smtClean="0">
+                <a:latin typeface="Times New Roman" pitchFamily="18" charset="0"/>
+                <a:cs typeface="Times New Roman" pitchFamily="18" charset="0"/>
+              </a:rPr>
+              <a:t>Swing</a:t>
+            </a:r>
+            <a:endParaRPr lang="ro-RO" b="1" noProof="1" smtClean="0">
+              <a:latin typeface="Times New Roman" pitchFamily="18" charset="0"/>
+              <a:cs typeface="Times New Roman" pitchFamily="18" charset="0"/>
+            </a:endParaRPr>
+          </a:p>
+          <a:p>
+            <a:pPr lvl="1"/>
+            <a:r>
+              <a:rPr lang="ro-RO" noProof="1" smtClean="0"/>
+              <a:t>Componente</a:t>
+            </a:r>
+            <a:r>
+              <a:rPr lang="ro-RO" noProof="1" smtClean="0"/>
+              <a:t> </a:t>
+            </a:r>
+            <a:r>
+              <a:rPr lang="ro-RO" noProof="1" smtClean="0"/>
+              <a:t>atomice</a:t>
+            </a:r>
+            <a:endParaRPr lang="ro-RO" noProof="1" smtClean="0"/>
+          </a:p>
+          <a:p>
+            <a:pPr lvl="1"/>
+            <a:r>
+              <a:rPr lang="ro-RO" noProof="1" smtClean="0"/>
+              <a:t>Componente </a:t>
+            </a:r>
+            <a:r>
+              <a:rPr lang="ro-RO" noProof="1" smtClean="0"/>
+              <a:t>complexe</a:t>
+            </a:r>
+            <a:endParaRPr lang="ro-RO" noProof="1" smtClean="0"/>
+          </a:p>
+          <a:p>
+            <a:pPr lvl="1"/>
+            <a:r>
+              <a:rPr lang="ro-RO" noProof="1" smtClean="0"/>
+              <a:t>Componente pentru editare de text </a:t>
+            </a:r>
+            <a:endParaRPr lang="ro-RO" noProof="1" smtClean="0"/>
+          </a:p>
+          <a:p>
+            <a:pPr lvl="1"/>
+            <a:r>
+              <a:rPr lang="ro-RO" noProof="1" smtClean="0"/>
+              <a:t>Meniuri</a:t>
+            </a:r>
+            <a:endParaRPr lang="ro-RO" noProof="1" smtClean="0"/>
+          </a:p>
+          <a:p>
+            <a:pPr lvl="1"/>
+            <a:r>
+              <a:rPr lang="ro-RO" noProof="1" smtClean="0"/>
+              <a:t>Containere </a:t>
+            </a:r>
+            <a:r>
+              <a:rPr lang="ro-RO" noProof="1" smtClean="0"/>
+              <a:t>intermediare</a:t>
+            </a:r>
+            <a:endParaRPr lang="ro-RO" noProof="1" smtClean="0"/>
+          </a:p>
+          <a:p>
+            <a:pPr lvl="1"/>
+            <a:r>
+              <a:rPr lang="ro-RO" noProof="1" smtClean="0"/>
+              <a:t>Containere de nivel </a:t>
+            </a:r>
+            <a:r>
+              <a:rPr lang="ro-RO" noProof="1" smtClean="0"/>
+              <a:t>inalt</a:t>
+            </a:r>
+            <a:endParaRPr lang="en-US" noProof="1" smtClean="0"/>
+          </a:p>
+          <a:p>
+            <a:r>
+              <a:rPr lang="en-US" b="1" noProof="1" smtClean="0"/>
+              <a:t>Arhitectura Swing: MVC (Model–View–Controller)</a:t>
+            </a:r>
+            <a:endParaRPr lang="ro-RO" b="1" noProof="1"/>
           </a:p>
         </p:txBody>
       </p:sp>
@@ -2818,10 +2708,23 @@
           <a:lstStyle/>
           <a:p>
             <a:r>
-              <a:rPr lang="en-US" dirty="0" smtClean="0"/>
-              <a:t>Java Swing</a:t>
-            </a:r>
-            <a:endParaRPr lang="ro-RO" dirty="0"/>
+              <a:rPr lang="ro-RO" b="1" noProof="1" smtClean="0">
+                <a:latin typeface="Times New Roman" pitchFamily="18" charset="0"/>
+                <a:cs typeface="Times New Roman" pitchFamily="18" charset="0"/>
+              </a:rPr>
+              <a:t>Java </a:t>
+            </a:r>
+            <a:r>
+              <a:rPr lang="ro-RO" b="1" noProof="1" smtClean="0">
+                <a:latin typeface="Times New Roman" pitchFamily="18" charset="0"/>
+                <a:cs typeface="Times New Roman" pitchFamily="18" charset="0"/>
+              </a:rPr>
+              <a:t>Swing</a:t>
+            </a:r>
+            <a:endParaRPr lang="ro-RO" b="1" noProof="1">
+              <a:latin typeface="Times New Roman" pitchFamily="18" charset="0"/>
+              <a:cs typeface="Times New Roman" pitchFamily="18" charset="0"/>
+            </a:endParaRPr>
           </a:p>
         </p:txBody>
       </p:sp>
@@ -2870,43 +2773,625 @@
             <p:ph type="body" idx="1"/>
           </p:nvPr>
         </p:nvSpPr>
-        <p:spPr/>
+        <p:spPr>
+          <a:xfrm>
+            <a:off x="457200" y="1066800"/>
+            <a:ext cx="8229600" cy="5257800"/>
+          </a:xfrm>
+        </p:spPr>
+        <p:txBody>
+          <a:bodyPr>
+            <a:normAutofit/>
+          </a:bodyPr>
+          <a:lstStyle/>
+          <a:p>
+            <a:r>
+              <a:rPr lang="ro-RO" sz="2400" noProof="1" smtClean="0">
+                <a:latin typeface="Times New Roman" pitchFamily="18" charset="0"/>
+                <a:cs typeface="Times New Roman" pitchFamily="18" charset="0"/>
+              </a:rPr>
+              <a:t>O vedere generala asupra proiectului poate fi descrisa de figura de mai jos, in care sunt prezentate 4 componente principale denumite </a:t>
+            </a:r>
+            <a:r>
+              <a:rPr lang="ro-RO" sz="2400" noProof="1" smtClean="0">
+                <a:latin typeface="Times New Roman" pitchFamily="18" charset="0"/>
+                <a:cs typeface="Times New Roman" pitchFamily="18" charset="0"/>
+              </a:rPr>
+              <a:t>generic </a:t>
+            </a:r>
+            <a:r>
+              <a:rPr lang="ro-RO" sz="2400" b="1" noProof="1" smtClean="0">
+                <a:latin typeface="Times New Roman" pitchFamily="18" charset="0"/>
+                <a:cs typeface="Times New Roman" pitchFamily="18" charset="0"/>
+              </a:rPr>
+              <a:t>Simulator</a:t>
+            </a:r>
+            <a:r>
+              <a:rPr lang="ro-RO" sz="2400" noProof="1" smtClean="0">
+                <a:latin typeface="Times New Roman" pitchFamily="18" charset="0"/>
+                <a:cs typeface="Times New Roman" pitchFamily="18" charset="0"/>
+              </a:rPr>
+              <a:t>, </a:t>
+            </a:r>
+            <a:r>
+              <a:rPr lang="ro-RO" sz="2400" b="1" noProof="1" smtClean="0">
+                <a:latin typeface="Times New Roman" pitchFamily="18" charset="0"/>
+                <a:cs typeface="Times New Roman" pitchFamily="18" charset="0"/>
+              </a:rPr>
+              <a:t>Interfata </a:t>
+            </a:r>
+            <a:r>
+              <a:rPr lang="ro-RO" sz="2400" b="1" noProof="1" smtClean="0">
+                <a:latin typeface="Times New Roman" pitchFamily="18" charset="0"/>
+                <a:cs typeface="Times New Roman" pitchFamily="18" charset="0"/>
+              </a:rPr>
+              <a:t>cu </a:t>
+            </a:r>
+            <a:r>
+              <a:rPr lang="ro-RO" sz="2400" b="1" noProof="1" smtClean="0">
+                <a:latin typeface="Times New Roman" pitchFamily="18" charset="0"/>
+                <a:cs typeface="Times New Roman" pitchFamily="18" charset="0"/>
+              </a:rPr>
+              <a:t>utilizatorul</a:t>
+            </a:r>
+            <a:r>
+              <a:rPr lang="ro-RO" sz="2400" noProof="1" smtClean="0">
+                <a:latin typeface="Times New Roman" pitchFamily="18" charset="0"/>
+                <a:cs typeface="Times New Roman" pitchFamily="18" charset="0"/>
+              </a:rPr>
+              <a:t>, </a:t>
+            </a:r>
+            <a:r>
+              <a:rPr lang="ro-RO" sz="2400" b="1" noProof="1" smtClean="0">
+                <a:latin typeface="Times New Roman" pitchFamily="18" charset="0"/>
+                <a:cs typeface="Times New Roman" pitchFamily="18" charset="0"/>
+              </a:rPr>
+              <a:t>Modulul de </a:t>
+            </a:r>
+            <a:r>
+              <a:rPr lang="ro-RO" sz="2400" b="1" noProof="1" smtClean="0">
+                <a:latin typeface="Times New Roman" pitchFamily="18" charset="0"/>
+                <a:cs typeface="Times New Roman" pitchFamily="18" charset="0"/>
+              </a:rPr>
+              <a:t>testare</a:t>
+            </a:r>
+            <a:r>
+              <a:rPr lang="ro-RO" sz="2400" b="1" noProof="1" smtClean="0">
+                <a:latin typeface="Times New Roman" pitchFamily="18" charset="0"/>
+                <a:cs typeface="Times New Roman" pitchFamily="18" charset="0"/>
+              </a:rPr>
+              <a:t> </a:t>
+            </a:r>
+            <a:r>
+              <a:rPr lang="ro-RO" sz="2400" noProof="1" smtClean="0">
+                <a:latin typeface="Times New Roman" pitchFamily="18" charset="0"/>
+                <a:cs typeface="Times New Roman" pitchFamily="18" charset="0"/>
+              </a:rPr>
+              <a:t>si</a:t>
+            </a:r>
+            <a:r>
+              <a:rPr lang="ro-RO" sz="2400" noProof="1" smtClean="0">
+                <a:latin typeface="Times New Roman" pitchFamily="18" charset="0"/>
+                <a:cs typeface="Times New Roman" pitchFamily="18" charset="0"/>
+              </a:rPr>
+              <a:t> </a:t>
+            </a:r>
+            <a:r>
+              <a:rPr lang="ro-RO" sz="2400" b="1" noProof="1" smtClean="0">
+                <a:latin typeface="Times New Roman" pitchFamily="18" charset="0"/>
+                <a:cs typeface="Times New Roman" pitchFamily="18" charset="0"/>
+              </a:rPr>
+              <a:t>Baza </a:t>
+            </a:r>
+            <a:r>
+              <a:rPr lang="ro-RO" sz="2400" b="1" noProof="1" smtClean="0">
+                <a:latin typeface="Times New Roman" pitchFamily="18" charset="0"/>
+                <a:cs typeface="Times New Roman" pitchFamily="18" charset="0"/>
+              </a:rPr>
+              <a:t>de </a:t>
+            </a:r>
+            <a:r>
+              <a:rPr lang="ro-RO" sz="2400" b="1" noProof="1" smtClean="0">
+                <a:latin typeface="Times New Roman" pitchFamily="18" charset="0"/>
+                <a:cs typeface="Times New Roman" pitchFamily="18" charset="0"/>
+              </a:rPr>
+              <a:t>date</a:t>
+            </a:r>
+            <a:r>
+              <a:rPr lang="ro-RO" sz="2400" noProof="1" smtClean="0">
+                <a:latin typeface="Times New Roman" pitchFamily="18" charset="0"/>
+                <a:cs typeface="Times New Roman" pitchFamily="18" charset="0"/>
+              </a:rPr>
+              <a:t>.</a:t>
+            </a:r>
+            <a:r>
+              <a:rPr lang="ro-RO" sz="2400" b="1" noProof="1" smtClean="0">
+                <a:latin typeface="Times New Roman" pitchFamily="18" charset="0"/>
+                <a:cs typeface="Times New Roman" pitchFamily="18" charset="0"/>
+              </a:rPr>
+              <a:t> </a:t>
+            </a:r>
+            <a:endParaRPr lang="en-US" sz="2400" b="1" noProof="1" smtClean="0">
+              <a:latin typeface="Times New Roman" pitchFamily="18" charset="0"/>
+              <a:cs typeface="Times New Roman" pitchFamily="18" charset="0"/>
+            </a:endParaRPr>
+          </a:p>
+          <a:p>
+            <a:endParaRPr lang="en-US" sz="2400" b="1" noProof="1" smtClean="0">
+              <a:latin typeface="Times New Roman" pitchFamily="18" charset="0"/>
+              <a:cs typeface="Times New Roman" pitchFamily="18" charset="0"/>
+            </a:endParaRPr>
+          </a:p>
+          <a:p>
+            <a:endParaRPr lang="en-US" sz="2400" b="1" noProof="1" smtClean="0">
+              <a:latin typeface="Times New Roman" pitchFamily="18" charset="0"/>
+              <a:cs typeface="Times New Roman" pitchFamily="18" charset="0"/>
+            </a:endParaRPr>
+          </a:p>
+          <a:p>
+            <a:endParaRPr lang="en-US" sz="2400" b="1" noProof="1" smtClean="0">
+              <a:latin typeface="Times New Roman" pitchFamily="18" charset="0"/>
+              <a:cs typeface="Times New Roman" pitchFamily="18" charset="0"/>
+            </a:endParaRPr>
+          </a:p>
+          <a:p>
+            <a:endParaRPr lang="en-US" sz="2400" b="1" noProof="1" smtClean="0">
+              <a:latin typeface="Times New Roman" pitchFamily="18" charset="0"/>
+              <a:cs typeface="Times New Roman" pitchFamily="18" charset="0"/>
+            </a:endParaRPr>
+          </a:p>
+          <a:p>
+            <a:endParaRPr lang="en-US" sz="2400" b="1" noProof="1" smtClean="0">
+              <a:latin typeface="Times New Roman" pitchFamily="18" charset="0"/>
+              <a:cs typeface="Times New Roman" pitchFamily="18" charset="0"/>
+            </a:endParaRPr>
+          </a:p>
+          <a:p>
+            <a:endParaRPr lang="en-US" sz="2400" b="1" noProof="1" smtClean="0">
+              <a:latin typeface="Times New Roman" pitchFamily="18" charset="0"/>
+              <a:cs typeface="Times New Roman" pitchFamily="18" charset="0"/>
+            </a:endParaRPr>
+          </a:p>
+          <a:p>
+            <a:endParaRPr lang="en-US" sz="2400" b="1" noProof="1" smtClean="0">
+              <a:latin typeface="Times New Roman" pitchFamily="18" charset="0"/>
+              <a:cs typeface="Times New Roman" pitchFamily="18" charset="0"/>
+            </a:endParaRPr>
+          </a:p>
+          <a:p>
+            <a:endParaRPr lang="en-US" sz="2400" b="1" noProof="1" smtClean="0">
+              <a:latin typeface="Times New Roman" pitchFamily="18" charset="0"/>
+              <a:cs typeface="Times New Roman" pitchFamily="18" charset="0"/>
+            </a:endParaRPr>
+          </a:p>
+          <a:p>
+            <a:endParaRPr lang="en-US" sz="2400" b="1" noProof="1" smtClean="0">
+              <a:latin typeface="Times New Roman" pitchFamily="18" charset="0"/>
+              <a:cs typeface="Times New Roman" pitchFamily="18" charset="0"/>
+            </a:endParaRPr>
+          </a:p>
+          <a:p>
+            <a:r>
+              <a:rPr lang="en-US" sz="2400" b="1" noProof="1" smtClean="0">
+                <a:latin typeface="Times New Roman" pitchFamily="18" charset="0"/>
+                <a:cs typeface="Times New Roman" pitchFamily="18" charset="0"/>
+              </a:rPr>
+              <a:t>Cazurile de utilizare</a:t>
+            </a:r>
+            <a:endParaRPr lang="ro-RO" sz="2400" noProof="1">
+              <a:latin typeface="Times New Roman" pitchFamily="18" charset="0"/>
+              <a:cs typeface="Times New Roman" pitchFamily="18" charset="0"/>
+            </a:endParaRPr>
+          </a:p>
+        </p:txBody>
+      </p:sp>
+      <p:sp>
+        <p:nvSpPr>
+          <p:cNvPr id="3" name="Title 2"/>
+          <p:cNvSpPr>
+            <a:spLocks noGrp="1"/>
+          </p:cNvSpPr>
+          <p:nvPr>
+            <p:ph type="title"/>
+          </p:nvPr>
+        </p:nvSpPr>
+        <p:spPr>
+          <a:xfrm>
+            <a:off x="457200" y="304800"/>
+            <a:ext cx="8229600" cy="783535"/>
+          </a:xfrm>
+        </p:spPr>
         <p:txBody>
           <a:bodyPr/>
           <a:lstStyle/>
           <a:p>
-            <a:endParaRPr lang="ro-RO"/>
-          </a:p>
-        </p:txBody>
-      </p:sp>
-      <p:sp>
-        <p:nvSpPr>
-          <p:cNvPr id="3" name="Title 2"/>
-          <p:cNvSpPr>
-            <a:spLocks noGrp="1"/>
-          </p:cNvSpPr>
-          <p:nvPr>
-            <p:ph type="title"/>
-          </p:nvPr>
-        </p:nvSpPr>
-        <p:spPr/>
-        <p:txBody>
-          <a:bodyPr/>
-          <a:lstStyle/>
-          <a:p>
-            <a:r>
-              <a:rPr lang="en-US" dirty="0" err="1" smtClean="0"/>
-              <a:t>Descrierea</a:t>
-            </a:r>
-            <a:r>
-              <a:rPr lang="en-US" dirty="0" smtClean="0"/>
-              <a:t> </a:t>
-            </a:r>
-            <a:r>
-              <a:rPr lang="en-US" dirty="0" err="1" smtClean="0"/>
-              <a:t>proiectului</a:t>
-            </a:r>
-            <a:endParaRPr lang="ro-RO" dirty="0"/>
+            <a:r>
+              <a:rPr lang="ro-RO" b="1" noProof="1" smtClean="0">
+                <a:latin typeface="Times New Roman" pitchFamily="18" charset="0"/>
+                <a:cs typeface="Times New Roman" pitchFamily="18" charset="0"/>
+              </a:rPr>
+              <a:t>Descrierea </a:t>
+            </a:r>
+            <a:r>
+              <a:rPr lang="ro-RO" b="1" noProof="1" smtClean="0">
+                <a:latin typeface="Times New Roman" pitchFamily="18" charset="0"/>
+                <a:cs typeface="Times New Roman" pitchFamily="18" charset="0"/>
+              </a:rPr>
+              <a:t>aplicatiei proiectului</a:t>
+            </a:r>
+            <a:endParaRPr lang="ro-RO" b="1" noProof="1">
+              <a:latin typeface="Times New Roman" pitchFamily="18" charset="0"/>
+              <a:cs typeface="Times New Roman" pitchFamily="18" charset="0"/>
+            </a:endParaRPr>
+          </a:p>
+        </p:txBody>
+      </p:sp>
+      <p:sp>
+        <p:nvSpPr>
+          <p:cNvPr id="4" name="Rounded Rectangle 3"/>
+          <p:cNvSpPr/>
+          <p:nvPr/>
+        </p:nvSpPr>
+        <p:spPr>
+          <a:xfrm>
+            <a:off x="3352800" y="2667000"/>
+            <a:ext cx="2133600" cy="1143000"/>
+          </a:xfrm>
+          <a:prstGeom prst="roundRect">
+            <a:avLst/>
+          </a:prstGeom>
+        </p:spPr>
+        <p:style>
+          <a:lnRef idx="2">
+            <a:schemeClr val="accent1">
+              <a:shade val="50000"/>
+            </a:schemeClr>
+          </a:lnRef>
+          <a:fillRef idx="1">
+            <a:schemeClr val="accent1"/>
+          </a:fillRef>
+          <a:effectRef idx="0">
+            <a:schemeClr val="accent1"/>
+          </a:effectRef>
+          <a:fontRef idx="minor">
+            <a:schemeClr val="lt1"/>
+          </a:fontRef>
+        </p:style>
+        <p:txBody>
+          <a:bodyPr rtlCol="0" anchor="ctr"/>
+          <a:lstStyle/>
+          <a:p>
+            <a:pPr algn="ctr"/>
+            <a:r>
+              <a:rPr lang="ro-RO" sz="2800" noProof="1" smtClean="0">
+                <a:solidFill>
+                  <a:schemeClr val="bg1"/>
+                </a:solidFill>
+              </a:rPr>
+              <a:t>Simulatorul</a:t>
+            </a:r>
+            <a:endParaRPr lang="ro-RO" sz="2800" noProof="1">
+              <a:solidFill>
+                <a:schemeClr val="bg1"/>
+              </a:solidFill>
+            </a:endParaRPr>
+          </a:p>
+        </p:txBody>
+      </p:sp>
+      <p:sp>
+        <p:nvSpPr>
+          <p:cNvPr id="5" name="Rounded Rectangle 4"/>
+          <p:cNvSpPr/>
+          <p:nvPr/>
+        </p:nvSpPr>
+        <p:spPr>
+          <a:xfrm>
+            <a:off x="5943600" y="2667000"/>
+            <a:ext cx="2133600" cy="1143000"/>
+          </a:xfrm>
+          <a:prstGeom prst="roundRect">
+            <a:avLst/>
+          </a:prstGeom>
+        </p:spPr>
+        <p:style>
+          <a:lnRef idx="2">
+            <a:schemeClr val="accent1">
+              <a:shade val="50000"/>
+            </a:schemeClr>
+          </a:lnRef>
+          <a:fillRef idx="1">
+            <a:schemeClr val="accent1"/>
+          </a:fillRef>
+          <a:effectRef idx="0">
+            <a:schemeClr val="accent1"/>
+          </a:effectRef>
+          <a:fontRef idx="minor">
+            <a:schemeClr val="lt1"/>
+          </a:fontRef>
+        </p:style>
+        <p:txBody>
+          <a:bodyPr rtlCol="0" anchor="ctr"/>
+          <a:lstStyle/>
+          <a:p>
+            <a:pPr algn="ctr"/>
+            <a:r>
+              <a:rPr lang="ro-RO" sz="2800" noProof="1" smtClean="0">
+                <a:solidFill>
+                  <a:schemeClr val="bg1"/>
+                </a:solidFill>
+              </a:rPr>
+              <a:t>Interfata</a:t>
+            </a:r>
+            <a:r>
+              <a:rPr lang="ro-RO" sz="2800" noProof="1" smtClean="0">
+                <a:solidFill>
+                  <a:schemeClr val="bg1"/>
+                </a:solidFill>
+              </a:rPr>
+              <a:t> cu </a:t>
+            </a:r>
+            <a:r>
+              <a:rPr lang="ro-RO" sz="2800" noProof="1" smtClean="0">
+                <a:solidFill>
+                  <a:schemeClr val="bg1"/>
+                </a:solidFill>
+              </a:rPr>
+              <a:t>utilizatorul</a:t>
+            </a:r>
+            <a:endParaRPr lang="ro-RO" sz="2800" noProof="1">
+              <a:solidFill>
+                <a:schemeClr val="bg1"/>
+              </a:solidFill>
+            </a:endParaRPr>
+          </a:p>
+        </p:txBody>
+      </p:sp>
+      <p:sp>
+        <p:nvSpPr>
+          <p:cNvPr id="6" name="Rounded Rectangle 5"/>
+          <p:cNvSpPr/>
+          <p:nvPr/>
+        </p:nvSpPr>
+        <p:spPr>
+          <a:xfrm>
+            <a:off x="3429000" y="4343400"/>
+            <a:ext cx="2133600" cy="1143000"/>
+          </a:xfrm>
+          <a:prstGeom prst="roundRect">
+            <a:avLst/>
+          </a:prstGeom>
+        </p:spPr>
+        <p:style>
+          <a:lnRef idx="2">
+            <a:schemeClr val="accent1">
+              <a:shade val="50000"/>
+            </a:schemeClr>
+          </a:lnRef>
+          <a:fillRef idx="1">
+            <a:schemeClr val="accent1"/>
+          </a:fillRef>
+          <a:effectRef idx="0">
+            <a:schemeClr val="accent1"/>
+          </a:effectRef>
+          <a:fontRef idx="minor">
+            <a:schemeClr val="lt1"/>
+          </a:fontRef>
+        </p:style>
+        <p:txBody>
+          <a:bodyPr rtlCol="0" anchor="ctr"/>
+          <a:lstStyle/>
+          <a:p>
+            <a:pPr algn="ctr"/>
+            <a:r>
+              <a:rPr lang="ro-RO" sz="2800" noProof="1" smtClean="0">
+                <a:solidFill>
+                  <a:schemeClr val="bg1"/>
+                </a:solidFill>
+              </a:rPr>
+              <a:t>Modul</a:t>
+            </a:r>
+            <a:r>
+              <a:rPr lang="ro-RO" sz="2800" noProof="1" smtClean="0">
+                <a:solidFill>
+                  <a:schemeClr val="bg1"/>
+                </a:solidFill>
+              </a:rPr>
+              <a:t> de </a:t>
+            </a:r>
+            <a:r>
+              <a:rPr lang="ro-RO" sz="2800" noProof="1" smtClean="0">
+                <a:solidFill>
+                  <a:schemeClr val="bg1"/>
+                </a:solidFill>
+              </a:rPr>
+              <a:t>testare</a:t>
+            </a:r>
+            <a:endParaRPr lang="ro-RO" sz="2800" noProof="1">
+              <a:solidFill>
+                <a:schemeClr val="bg1"/>
+              </a:solidFill>
+            </a:endParaRPr>
+          </a:p>
+        </p:txBody>
+      </p:sp>
+      <p:sp>
+        <p:nvSpPr>
+          <p:cNvPr id="7" name="Rounded Rectangle 6"/>
+          <p:cNvSpPr/>
+          <p:nvPr/>
+        </p:nvSpPr>
+        <p:spPr>
+          <a:xfrm>
+            <a:off x="762000" y="4343400"/>
+            <a:ext cx="2133600" cy="1143000"/>
+          </a:xfrm>
+          <a:prstGeom prst="roundRect">
+            <a:avLst/>
+          </a:prstGeom>
+        </p:spPr>
+        <p:style>
+          <a:lnRef idx="2">
+            <a:schemeClr val="accent1">
+              <a:shade val="50000"/>
+            </a:schemeClr>
+          </a:lnRef>
+          <a:fillRef idx="1">
+            <a:schemeClr val="accent1"/>
+          </a:fillRef>
+          <a:effectRef idx="0">
+            <a:schemeClr val="accent1"/>
+          </a:effectRef>
+          <a:fontRef idx="minor">
+            <a:schemeClr val="lt1"/>
+          </a:fontRef>
+        </p:style>
+        <p:txBody>
+          <a:bodyPr rtlCol="0" anchor="ctr"/>
+          <a:lstStyle/>
+          <a:p>
+            <a:pPr algn="ctr"/>
+            <a:r>
+              <a:rPr lang="ro-RO" sz="2800" noProof="1" smtClean="0">
+                <a:solidFill>
+                  <a:schemeClr val="bg1"/>
+                </a:solidFill>
+              </a:rPr>
+              <a:t>Simulatorul</a:t>
+            </a:r>
+            <a:endParaRPr lang="ro-RO" sz="2800" noProof="1">
+              <a:solidFill>
+                <a:schemeClr val="bg1"/>
+              </a:solidFill>
+            </a:endParaRPr>
+          </a:p>
+        </p:txBody>
+      </p:sp>
+      <p:sp>
+        <p:nvSpPr>
+          <p:cNvPr id="8" name="Right Arrow 7"/>
+          <p:cNvSpPr/>
+          <p:nvPr/>
+        </p:nvSpPr>
+        <p:spPr>
+          <a:xfrm>
+            <a:off x="5486400" y="3048000"/>
+            <a:ext cx="609600" cy="381000"/>
+          </a:xfrm>
+          <a:prstGeom prst="rightArrow">
+            <a:avLst/>
+          </a:prstGeom>
+          <a:solidFill>
+            <a:schemeClr val="tx1"/>
+          </a:solidFill>
+        </p:spPr>
+        <p:style>
+          <a:lnRef idx="2">
+            <a:schemeClr val="accent1">
+              <a:shade val="50000"/>
+            </a:schemeClr>
+          </a:lnRef>
+          <a:fillRef idx="1">
+            <a:schemeClr val="accent1"/>
+          </a:fillRef>
+          <a:effectRef idx="0">
+            <a:schemeClr val="accent1"/>
+          </a:effectRef>
+          <a:fontRef idx="minor">
+            <a:schemeClr val="lt1"/>
+          </a:fontRef>
+        </p:style>
+        <p:txBody>
+          <a:bodyPr rtlCol="0" anchor="ctr"/>
+          <a:lstStyle/>
+          <a:p>
+            <a:pPr algn="ctr"/>
+            <a:endParaRPr lang="en-US"/>
+          </a:p>
+        </p:txBody>
+      </p:sp>
+      <p:sp>
+        <p:nvSpPr>
+          <p:cNvPr id="9" name="Right Arrow 8"/>
+          <p:cNvSpPr/>
+          <p:nvPr/>
+        </p:nvSpPr>
+        <p:spPr>
+          <a:xfrm>
+            <a:off x="2895600" y="4800600"/>
+            <a:ext cx="609600" cy="381000"/>
+          </a:xfrm>
+          <a:prstGeom prst="rightArrow">
+            <a:avLst/>
+          </a:prstGeom>
+          <a:solidFill>
+            <a:schemeClr val="tx1"/>
+          </a:solidFill>
+        </p:spPr>
+        <p:style>
+          <a:lnRef idx="2">
+            <a:schemeClr val="accent1">
+              <a:shade val="50000"/>
+            </a:schemeClr>
+          </a:lnRef>
+          <a:fillRef idx="1">
+            <a:schemeClr val="accent1"/>
+          </a:fillRef>
+          <a:effectRef idx="0">
+            <a:schemeClr val="accent1"/>
+          </a:effectRef>
+          <a:fontRef idx="minor">
+            <a:schemeClr val="lt1"/>
+          </a:fontRef>
+        </p:style>
+        <p:txBody>
+          <a:bodyPr rtlCol="0" anchor="ctr"/>
+          <a:lstStyle/>
+          <a:p>
+            <a:pPr algn="ctr"/>
+            <a:endParaRPr lang="en-US"/>
+          </a:p>
+        </p:txBody>
+      </p:sp>
+      <p:sp>
+        <p:nvSpPr>
+          <p:cNvPr id="10" name="Up-Down Arrow 9"/>
+          <p:cNvSpPr/>
+          <p:nvPr/>
+        </p:nvSpPr>
+        <p:spPr>
+          <a:xfrm>
+            <a:off x="4191000" y="3733800"/>
+            <a:ext cx="609600" cy="762000"/>
+          </a:xfrm>
+          <a:prstGeom prst="upDownArrow">
+            <a:avLst/>
+          </a:prstGeom>
+          <a:solidFill>
+            <a:schemeClr val="tx1"/>
+          </a:solidFill>
+        </p:spPr>
+        <p:style>
+          <a:lnRef idx="2">
+            <a:schemeClr val="accent1">
+              <a:shade val="50000"/>
+            </a:schemeClr>
+          </a:lnRef>
+          <a:fillRef idx="1">
+            <a:schemeClr val="accent1"/>
+          </a:fillRef>
+          <a:effectRef idx="0">
+            <a:schemeClr val="accent1"/>
+          </a:effectRef>
+          <a:fontRef idx="minor">
+            <a:schemeClr val="lt1"/>
+          </a:fontRef>
+        </p:style>
+        <p:txBody>
+          <a:bodyPr rtlCol="0" anchor="ctr"/>
+          <a:lstStyle/>
+          <a:p>
+            <a:pPr algn="ctr"/>
+            <a:endParaRPr lang="en-US"/>
           </a:p>
         </p:txBody>
       </p:sp>
@@ -2918,13 +3403,6 @@
   <p:transition>
     <p:fade thruBlk="1"/>
   </p:transition>
-  <p:timing>
-    <p:tnLst>
-      <p:par>
-        <p:cTn id="1" dur="indefinite" restart="never" nodeType="tmRoot"/>
-      </p:par>
-    </p:tnLst>
-  </p:timing>
 </p:sld>
 </file>
 
@@ -2960,7 +3438,100 @@
           <a:bodyPr/>
           <a:lstStyle/>
           <a:p>
-            <a:endParaRPr lang="ro-RO"/>
+            <a:r>
+              <a:rPr lang="en-US" b="1" noProof="1" smtClean="0">
+                <a:latin typeface="Times New Roman" pitchFamily="18" charset="0"/>
+                <a:cs typeface="Times New Roman" pitchFamily="18" charset="0"/>
+              </a:rPr>
+              <a:t>Atributii principale:</a:t>
+            </a:r>
+            <a:endParaRPr lang="en-US" b="1" noProof="1" smtClean="0">
+              <a:latin typeface="Times New Roman" pitchFamily="18" charset="0"/>
+              <a:cs typeface="Times New Roman" pitchFamily="18" charset="0"/>
+            </a:endParaRPr>
+          </a:p>
+          <a:p>
+            <a:pPr lvl="1"/>
+            <a:r>
+              <a:rPr lang="en-US" noProof="1" smtClean="0">
+                <a:latin typeface="Times New Roman" pitchFamily="18" charset="0"/>
+                <a:cs typeface="Times New Roman" pitchFamily="18" charset="0"/>
+              </a:rPr>
+              <a:t>calculul de coordonate in spatiul de lucru al componentelor Swing</a:t>
+            </a:r>
+          </a:p>
+          <a:p>
+            <a:pPr lvl="1"/>
+            <a:r>
+              <a:rPr lang="en-US" noProof="1" smtClean="0">
+                <a:latin typeface="Times New Roman" pitchFamily="18" charset="0"/>
+                <a:cs typeface="Times New Roman" pitchFamily="18" charset="0"/>
+              </a:rPr>
+              <a:t>desenarea interfetei</a:t>
+            </a:r>
+          </a:p>
+          <a:p>
+            <a:pPr lvl="1"/>
+            <a:r>
+              <a:rPr lang="en-US" noProof="1" smtClean="0">
+                <a:latin typeface="Times New Roman" pitchFamily="18" charset="0"/>
+                <a:cs typeface="Times New Roman" pitchFamily="18" charset="0"/>
+              </a:rPr>
+              <a:t>calculul marimilor de interes (viteza, turatie etc.) </a:t>
+            </a:r>
+          </a:p>
+          <a:p>
+            <a:pPr lvl="1"/>
+            <a:r>
+              <a:rPr lang="en-US" noProof="1" smtClean="0">
+                <a:latin typeface="Times New Roman" pitchFamily="18" charset="0"/>
+                <a:cs typeface="Times New Roman" pitchFamily="18" charset="0"/>
+              </a:rPr>
+              <a:t>gestionarea semnalelor de avertizare </a:t>
+            </a:r>
+          </a:p>
+          <a:p>
+            <a:r>
+              <a:rPr lang="en-US" b="1" noProof="1" smtClean="0">
+                <a:latin typeface="Times New Roman" pitchFamily="18" charset="0"/>
+                <a:cs typeface="Times New Roman" pitchFamily="18" charset="0"/>
+              </a:rPr>
+              <a:t>Tehnici folosite</a:t>
+            </a:r>
+          </a:p>
+          <a:p>
+            <a:pPr lvl="1"/>
+            <a:r>
+              <a:rPr lang="en-US" noProof="1" smtClean="0">
+                <a:latin typeface="Times New Roman" pitchFamily="18" charset="0"/>
+                <a:cs typeface="Times New Roman" pitchFamily="18" charset="0"/>
+              </a:rPr>
+              <a:t>Impartirea in zone a interfetei</a:t>
+            </a:r>
+          </a:p>
+          <a:p>
+            <a:pPr lvl="1"/>
+            <a:r>
+              <a:rPr lang="en-US" noProof="1" smtClean="0">
+                <a:latin typeface="Times New Roman" pitchFamily="18" charset="0"/>
+                <a:cs typeface="Times New Roman" pitchFamily="18" charset="0"/>
+              </a:rPr>
+              <a:t>Regresia polinomiala</a:t>
+            </a:r>
+          </a:p>
+          <a:p>
+            <a:pPr lvl="1"/>
+            <a:r>
+              <a:rPr lang="en-US" noProof="1" smtClean="0">
+                <a:latin typeface="Times New Roman" pitchFamily="18" charset="0"/>
+                <a:cs typeface="Times New Roman" pitchFamily="18" charset="0"/>
+              </a:rPr>
+              <a:t>Integrarea mesajelor vocale</a:t>
+            </a:r>
+            <a:endParaRPr lang="ro-RO" noProof="1">
+              <a:latin typeface="Times New Roman" pitchFamily="18" charset="0"/>
+              <a:cs typeface="Times New Roman" pitchFamily="18" charset="0"/>
+            </a:endParaRPr>
           </a:p>
         </p:txBody>
       </p:sp>
@@ -2980,10 +3551,16 @@
           <a:lstStyle/>
           <a:p>
             <a:r>
-              <a:rPr lang="en-US" dirty="0" err="1" smtClean="0"/>
+              <a:rPr lang="ro-RO" b="1" noProof="1" smtClean="0">
+                <a:latin typeface="Times New Roman" pitchFamily="18" charset="0"/>
+                <a:cs typeface="Times New Roman" pitchFamily="18" charset="0"/>
+              </a:rPr>
               <a:t>Simulatorul</a:t>
             </a:r>
-            <a:endParaRPr lang="ro-RO" dirty="0"/>
+            <a:endParaRPr lang="ro-RO" b="1" noProof="1">
+              <a:latin typeface="Times New Roman" pitchFamily="18" charset="0"/>
+              <a:cs typeface="Times New Roman" pitchFamily="18" charset="0"/>
+            </a:endParaRPr>
           </a:p>
         </p:txBody>
       </p:sp>
@@ -3025,42 +3602,267 @@
             <p:ph type="body" idx="1"/>
           </p:nvPr>
         </p:nvSpPr>
-        <p:spPr/>
+        <p:spPr>
+          <a:xfrm>
+            <a:off x="457200" y="685800"/>
+            <a:ext cx="8229600" cy="5867400"/>
+          </a:xfrm>
+        </p:spPr>
+        <p:txBody>
+          <a:bodyPr>
+            <a:normAutofit lnSpcReduction="10000"/>
+          </a:bodyPr>
+          <a:lstStyle/>
+          <a:p>
+            <a:r>
+              <a:rPr lang="en-US" b="1" noProof="1" smtClean="0">
+                <a:latin typeface="Times New Roman" pitchFamily="18" charset="0"/>
+                <a:cs typeface="Times New Roman" pitchFamily="18" charset="0"/>
+              </a:rPr>
+              <a:t>I</a:t>
+            </a:r>
+            <a:r>
+              <a:rPr lang="en-US" sz="2400" b="1" noProof="1" smtClean="0">
+                <a:latin typeface="Times New Roman" pitchFamily="18" charset="0"/>
+                <a:cs typeface="Times New Roman" pitchFamily="18" charset="0"/>
+              </a:rPr>
+              <a:t>mpartirea in zone a simulatorului</a:t>
+            </a:r>
+          </a:p>
+          <a:p>
+            <a:endParaRPr lang="en-US" noProof="1" smtClean="0">
+              <a:latin typeface="Times New Roman" pitchFamily="18" charset="0"/>
+              <a:cs typeface="Times New Roman" pitchFamily="18" charset="0"/>
+            </a:endParaRPr>
+          </a:p>
+          <a:p>
+            <a:endParaRPr lang="en-US" noProof="1" smtClean="0">
+              <a:latin typeface="Times New Roman" pitchFamily="18" charset="0"/>
+              <a:cs typeface="Times New Roman" pitchFamily="18" charset="0"/>
+            </a:endParaRPr>
+          </a:p>
+          <a:p>
+            <a:endParaRPr lang="en-US" noProof="1" smtClean="0">
+              <a:latin typeface="Times New Roman" pitchFamily="18" charset="0"/>
+              <a:cs typeface="Times New Roman" pitchFamily="18" charset="0"/>
+            </a:endParaRPr>
+          </a:p>
+          <a:p>
+            <a:endParaRPr lang="en-US" noProof="1" smtClean="0">
+              <a:latin typeface="Times New Roman" pitchFamily="18" charset="0"/>
+              <a:cs typeface="Times New Roman" pitchFamily="18" charset="0"/>
+            </a:endParaRPr>
+          </a:p>
+          <a:p>
+            <a:endParaRPr lang="en-US" noProof="1" smtClean="0">
+              <a:latin typeface="Times New Roman" pitchFamily="18" charset="0"/>
+              <a:cs typeface="Times New Roman" pitchFamily="18" charset="0"/>
+            </a:endParaRPr>
+          </a:p>
+          <a:p>
+            <a:pPr>
+              <a:buNone/>
+            </a:pPr>
+            <a:endParaRPr lang="en-US" noProof="1" smtClean="0">
+              <a:latin typeface="Times New Roman" pitchFamily="18" charset="0"/>
+              <a:cs typeface="Times New Roman" pitchFamily="18" charset="0"/>
+            </a:endParaRPr>
+          </a:p>
+          <a:p>
+            <a:pPr>
+              <a:buNone/>
+            </a:pPr>
+            <a:endParaRPr lang="en-US" noProof="1" smtClean="0">
+              <a:latin typeface="Times New Roman" pitchFamily="18" charset="0"/>
+              <a:cs typeface="Times New Roman" pitchFamily="18" charset="0"/>
+            </a:endParaRPr>
+          </a:p>
+          <a:p>
+            <a:r>
+              <a:rPr lang="en-US" sz="2400" b="1" noProof="1" smtClean="0">
+                <a:latin typeface="Times New Roman" pitchFamily="18" charset="0"/>
+                <a:cs typeface="Times New Roman" pitchFamily="18" charset="0"/>
+              </a:rPr>
+              <a:t>Regresia polinomiala</a:t>
+            </a:r>
+            <a:endParaRPr lang="en-US" sz="2400" b="1" noProof="1" smtClean="0">
+              <a:latin typeface="Times New Roman" pitchFamily="18" charset="0"/>
+              <a:cs typeface="Times New Roman" pitchFamily="18" charset="0"/>
+            </a:endParaRPr>
+          </a:p>
+          <a:p>
+            <a:endParaRPr lang="en-US" noProof="1" smtClean="0">
+              <a:latin typeface="Times New Roman" pitchFamily="18" charset="0"/>
+              <a:cs typeface="Times New Roman" pitchFamily="18" charset="0"/>
+            </a:endParaRPr>
+          </a:p>
+          <a:p>
+            <a:endParaRPr lang="en-US" noProof="1" smtClean="0">
+              <a:latin typeface="Times New Roman" pitchFamily="18" charset="0"/>
+              <a:cs typeface="Times New Roman" pitchFamily="18" charset="0"/>
+            </a:endParaRPr>
+          </a:p>
+          <a:p>
+            <a:endParaRPr lang="en-US" noProof="1" smtClean="0">
+              <a:latin typeface="Times New Roman" pitchFamily="18" charset="0"/>
+              <a:cs typeface="Times New Roman" pitchFamily="18" charset="0"/>
+            </a:endParaRPr>
+          </a:p>
+          <a:p>
+            <a:endParaRPr lang="en-US" noProof="1" smtClean="0">
+              <a:latin typeface="Times New Roman" pitchFamily="18" charset="0"/>
+              <a:cs typeface="Times New Roman" pitchFamily="18" charset="0"/>
+            </a:endParaRPr>
+          </a:p>
+          <a:p>
+            <a:endParaRPr lang="en-US" noProof="1" smtClean="0">
+              <a:latin typeface="Times New Roman" pitchFamily="18" charset="0"/>
+              <a:cs typeface="Times New Roman" pitchFamily="18" charset="0"/>
+            </a:endParaRPr>
+          </a:p>
+          <a:p>
+            <a:r>
+              <a:rPr lang="en-US" sz="2400" b="1" noProof="1" smtClean="0">
+                <a:latin typeface="Times New Roman" pitchFamily="18" charset="0"/>
+                <a:cs typeface="Times New Roman" pitchFamily="18" charset="0"/>
+              </a:rPr>
+              <a:t>Integrarea mesajelor vocale</a:t>
+            </a:r>
+          </a:p>
+          <a:p>
+            <a:endParaRPr lang="en-US" noProof="1" smtClean="0">
+              <a:latin typeface="Times New Roman" pitchFamily="18" charset="0"/>
+              <a:cs typeface="Times New Roman" pitchFamily="18" charset="0"/>
+            </a:endParaRPr>
+          </a:p>
+          <a:p>
+            <a:endParaRPr lang="en-US" noProof="1" smtClean="0">
+              <a:latin typeface="Times New Roman" pitchFamily="18" charset="0"/>
+              <a:cs typeface="Times New Roman" pitchFamily="18" charset="0"/>
+            </a:endParaRPr>
+          </a:p>
+          <a:p>
+            <a:endParaRPr lang="ro-RO" noProof="1">
+              <a:latin typeface="Times New Roman" pitchFamily="18" charset="0"/>
+              <a:cs typeface="Times New Roman" pitchFamily="18" charset="0"/>
+            </a:endParaRPr>
+          </a:p>
+        </p:txBody>
+      </p:sp>
+      <p:sp>
+        <p:nvSpPr>
+          <p:cNvPr id="3" name="Title 2"/>
+          <p:cNvSpPr>
+            <a:spLocks noGrp="1"/>
+          </p:cNvSpPr>
+          <p:nvPr>
+            <p:ph type="title"/>
+          </p:nvPr>
+        </p:nvSpPr>
+        <p:spPr>
+          <a:xfrm>
+            <a:off x="457200" y="0"/>
+            <a:ext cx="8229600" cy="707335"/>
+          </a:xfrm>
+        </p:spPr>
         <p:txBody>
           <a:bodyPr/>
           <a:lstStyle/>
           <a:p>
-            <a:endParaRPr lang="ro-RO"/>
-          </a:p>
-        </p:txBody>
-      </p:sp>
-      <p:sp>
-        <p:nvSpPr>
-          <p:cNvPr id="3" name="Title 2"/>
-          <p:cNvSpPr>
-            <a:spLocks noGrp="1"/>
-          </p:cNvSpPr>
-          <p:nvPr>
-            <p:ph type="title"/>
-          </p:nvPr>
-        </p:nvSpPr>
-        <p:spPr/>
-        <p:txBody>
-          <a:bodyPr/>
-          <a:lstStyle/>
-          <a:p>
-            <a:r>
-              <a:rPr lang="en-US" dirty="0" err="1" smtClean="0"/>
+            <a:r>
+              <a:rPr lang="ro-RO" b="1" noProof="1" smtClean="0">
+                <a:latin typeface="Times New Roman" pitchFamily="18" charset="0"/>
+                <a:cs typeface="Times New Roman" pitchFamily="18" charset="0"/>
+              </a:rPr>
               <a:t>Simulatorul</a:t>
             </a:r>
             <a:r>
-              <a:rPr lang="en-US" dirty="0" smtClean="0"/>
-              <a:t> (2)</a:t>
-            </a:r>
-            <a:endParaRPr lang="ro-RO" dirty="0"/>
-          </a:p>
-        </p:txBody>
-      </p:sp>
+              <a:rPr lang="ro-RO" b="1" noProof="1" smtClean="0">
+                <a:latin typeface="Times New Roman" pitchFamily="18" charset="0"/>
+                <a:cs typeface="Times New Roman" pitchFamily="18" charset="0"/>
+              </a:rPr>
+              <a:t> </a:t>
+            </a:r>
+            <a:r>
+              <a:rPr lang="ro-RO" b="1" noProof="1" smtClean="0">
+                <a:latin typeface="Times New Roman" pitchFamily="18" charset="0"/>
+                <a:cs typeface="Times New Roman" pitchFamily="18" charset="0"/>
+              </a:rPr>
+              <a:t>(2)</a:t>
+            </a:r>
+            <a:endParaRPr lang="ro-RO" b="1" noProof="1">
+              <a:latin typeface="Times New Roman" pitchFamily="18" charset="0"/>
+              <a:cs typeface="Times New Roman" pitchFamily="18" charset="0"/>
+            </a:endParaRPr>
+          </a:p>
+        </p:txBody>
+      </p:sp>
+      <p:pic>
+        <p:nvPicPr>
+          <p:cNvPr id="1026" name="Picture 2"/>
+          <p:cNvPicPr>
+            <a:picLocks noChangeAspect="1" noChangeArrowheads="1"/>
+          </p:cNvPicPr>
+          <p:nvPr/>
+        </p:nvPicPr>
+        <p:blipFill>
+          <a:blip r:embed="rId2"/>
+          <a:srcRect/>
+          <a:stretch>
+            <a:fillRect/>
+          </a:stretch>
+        </p:blipFill>
+        <p:spPr bwMode="auto">
+          <a:xfrm>
+            <a:off x="1981201" y="1219200"/>
+            <a:ext cx="4495800" cy="2441019"/>
+          </a:xfrm>
+          <a:prstGeom prst="rect">
+            <a:avLst/>
+          </a:prstGeom>
+          <a:noFill/>
+          <a:ln w="9525">
+            <a:noFill/>
+            <a:miter lim="800000"/>
+            <a:headEnd/>
+            <a:tailEnd/>
+          </a:ln>
+          <a:effectLst/>
+        </p:spPr>
+      </p:pic>
+      <p:pic>
+        <p:nvPicPr>
+          <p:cNvPr id="1027" name="Picture 3"/>
+          <p:cNvPicPr>
+            <a:picLocks noChangeAspect="1" noChangeArrowheads="1"/>
+          </p:cNvPicPr>
+          <p:nvPr/>
+        </p:nvPicPr>
+        <p:blipFill>
+          <a:blip r:embed="rId3"/>
+          <a:srcRect/>
+          <a:stretch>
+            <a:fillRect/>
+          </a:stretch>
+        </p:blipFill>
+        <p:spPr bwMode="auto">
+          <a:xfrm>
+            <a:off x="2438400" y="4191000"/>
+            <a:ext cx="4038600" cy="1812482"/>
+          </a:xfrm>
+          <a:prstGeom prst="rect">
+            <a:avLst/>
+          </a:prstGeom>
+          <a:noFill/>
+          <a:ln w="9525">
+            <a:noFill/>
+            <a:miter lim="800000"/>
+            <a:headEnd/>
+            <a:tailEnd/>
+          </a:ln>
+          <a:effectLst/>
+        </p:spPr>
+      </p:pic>
     </p:spTree>
   </p:cSld>
   <p:clrMapOvr>
@@ -3069,6 +3871,13 @@
   <p:transition>
     <p:fade thruBlk="1"/>
   </p:transition>
+  <p:timing>
+    <p:tnLst>
+      <p:par>
+        <p:cTn id="1" dur="indefinite" restart="never" nodeType="tmRoot"/>
+      </p:par>
+    </p:tnLst>
+  </p:timing>
 </p:sld>
 </file>
 
@@ -3099,51 +3908,260 @@
             <p:ph type="body" idx="1"/>
           </p:nvPr>
         </p:nvSpPr>
-        <p:spPr/>
+        <p:spPr>
+          <a:xfrm>
+            <a:off x="457200" y="990600"/>
+            <a:ext cx="8229600" cy="5135563"/>
+          </a:xfrm>
+        </p:spPr>
+        <p:txBody>
+          <a:bodyPr>
+            <a:normAutofit/>
+          </a:bodyPr>
+          <a:lstStyle/>
+          <a:p>
+            <a:r>
+              <a:rPr lang="en-US" sz="2400" b="1" noProof="1" smtClean="0">
+                <a:latin typeface="Times New Roman" pitchFamily="18" charset="0"/>
+                <a:cs typeface="Times New Roman" pitchFamily="18" charset="0"/>
+              </a:rPr>
+              <a:t>Componentele Swing folosite</a:t>
+            </a:r>
+            <a:endParaRPr lang="ro-RO" sz="2400" b="1" noProof="1">
+              <a:latin typeface="Times New Roman" pitchFamily="18" charset="0"/>
+              <a:cs typeface="Times New Roman" pitchFamily="18" charset="0"/>
+            </a:endParaRPr>
+          </a:p>
+        </p:txBody>
+      </p:sp>
+      <p:sp>
+        <p:nvSpPr>
+          <p:cNvPr id="3" name="Title 2"/>
+          <p:cNvSpPr>
+            <a:spLocks noGrp="1"/>
+          </p:cNvSpPr>
+          <p:nvPr>
+            <p:ph type="title"/>
+          </p:nvPr>
+        </p:nvSpPr>
+        <p:spPr>
+          <a:xfrm>
+            <a:off x="381000" y="228600"/>
+            <a:ext cx="8229600" cy="707335"/>
+          </a:xfrm>
+        </p:spPr>
         <p:txBody>
           <a:bodyPr/>
           <a:lstStyle/>
           <a:p>
-            <a:endParaRPr lang="ro-RO"/>
-          </a:p>
-        </p:txBody>
-      </p:sp>
-      <p:sp>
-        <p:nvSpPr>
-          <p:cNvPr id="3" name="Title 2"/>
-          <p:cNvSpPr>
-            <a:spLocks noGrp="1"/>
-          </p:cNvSpPr>
-          <p:nvPr>
-            <p:ph type="title"/>
-          </p:nvPr>
-        </p:nvSpPr>
-        <p:spPr/>
-        <p:txBody>
-          <a:bodyPr/>
-          <a:lstStyle/>
-          <a:p>
-            <a:r>
-              <a:rPr lang="en-US" dirty="0" err="1" smtClean="0"/>
+            <a:r>
+              <a:rPr lang="ro-RO" noProof="1" smtClean="0">
+                <a:latin typeface="Times New Roman" pitchFamily="18" charset="0"/>
+                <a:cs typeface="Times New Roman" pitchFamily="18" charset="0"/>
+              </a:rPr>
               <a:t>Interfata</a:t>
             </a:r>
             <a:r>
-              <a:rPr lang="en-US" dirty="0" smtClean="0"/>
-              <a:t> </a:t>
-            </a:r>
-            <a:r>
-              <a:rPr lang="en-US" dirty="0" err="1" smtClean="0"/>
-              <a:t>grafica</a:t>
-            </a:r>
-            <a:r>
-              <a:rPr lang="en-US" dirty="0" smtClean="0"/>
-              <a:t> cu </a:t>
-            </a:r>
-            <a:r>
-              <a:rPr lang="en-US" dirty="0" err="1" smtClean="0"/>
+              <a:rPr lang="ro-RO" noProof="1" smtClean="0">
+                <a:latin typeface="Times New Roman" pitchFamily="18" charset="0"/>
+                <a:cs typeface="Times New Roman" pitchFamily="18" charset="0"/>
+              </a:rPr>
+              <a:t> grafica cu </a:t>
+            </a:r>
+            <a:r>
+              <a:rPr lang="ro-RO" noProof="1" smtClean="0">
+                <a:latin typeface="Times New Roman" pitchFamily="18" charset="0"/>
+                <a:cs typeface="Times New Roman" pitchFamily="18" charset="0"/>
+              </a:rPr>
               <a:t>utilizatorul</a:t>
             </a:r>
-            <a:endParaRPr lang="ro-RO" dirty="0"/>
+            <a:endParaRPr lang="ro-RO" noProof="1">
+              <a:latin typeface="Times New Roman" pitchFamily="18" charset="0"/>
+              <a:cs typeface="Times New Roman" pitchFamily="18" charset="0"/>
+            </a:endParaRPr>
+          </a:p>
+        </p:txBody>
+      </p:sp>
+      <p:pic>
+        <p:nvPicPr>
+          <p:cNvPr id="4" name="Picture 3"/>
+          <p:cNvPicPr/>
+          <p:nvPr/>
+        </p:nvPicPr>
+        <p:blipFill>
+          <a:blip r:embed="rId2"/>
+          <a:srcRect/>
+          <a:stretch>
+            <a:fillRect/>
+          </a:stretch>
+        </p:blipFill>
+        <p:spPr bwMode="auto">
+          <a:xfrm>
+            <a:off x="685800" y="1447800"/>
+            <a:ext cx="3429000" cy="2514600"/>
+          </a:xfrm>
+          <a:prstGeom prst="rect">
+            <a:avLst/>
+          </a:prstGeom>
+          <a:noFill/>
+          <a:ln w="9525">
+            <a:noFill/>
+            <a:miter lim="800000"/>
+            <a:headEnd/>
+            <a:tailEnd/>
+          </a:ln>
+        </p:spPr>
+      </p:pic>
+      <p:pic>
+        <p:nvPicPr>
+          <p:cNvPr id="5" name="Picture 4"/>
+          <p:cNvPicPr/>
+          <p:nvPr/>
+        </p:nvPicPr>
+        <p:blipFill>
+          <a:blip r:embed="rId3"/>
+          <a:srcRect/>
+          <a:stretch>
+            <a:fillRect/>
+          </a:stretch>
+        </p:blipFill>
+        <p:spPr bwMode="auto">
+          <a:xfrm>
+            <a:off x="3352800" y="4038600"/>
+            <a:ext cx="3690442" cy="2562447"/>
+          </a:xfrm>
+          <a:prstGeom prst="rect">
+            <a:avLst/>
+          </a:prstGeom>
+          <a:noFill/>
+          <a:ln w="9525">
+            <a:noFill/>
+            <a:miter lim="800000"/>
+            <a:headEnd/>
+            <a:tailEnd/>
+          </a:ln>
+        </p:spPr>
+      </p:pic>
+      <p:sp>
+        <p:nvSpPr>
+          <p:cNvPr id="7" name="Plus 6"/>
+          <p:cNvSpPr/>
+          <p:nvPr/>
+        </p:nvSpPr>
+        <p:spPr>
+          <a:xfrm>
+            <a:off x="4038600" y="2286000"/>
+            <a:ext cx="685800" cy="685800"/>
+          </a:xfrm>
+          <a:prstGeom prst="mathPlus">
+            <a:avLst/>
+          </a:prstGeom>
+          <a:solidFill>
+            <a:schemeClr val="tx1"/>
+          </a:solidFill>
+        </p:spPr>
+        <p:style>
+          <a:lnRef idx="2">
+            <a:schemeClr val="accent1">
+              <a:shade val="50000"/>
+            </a:schemeClr>
+          </a:lnRef>
+          <a:fillRef idx="1">
+            <a:schemeClr val="accent1"/>
+          </a:fillRef>
+          <a:effectRef idx="0">
+            <a:schemeClr val="accent1"/>
+          </a:effectRef>
+          <a:fontRef idx="minor">
+            <a:schemeClr val="lt1"/>
+          </a:fontRef>
+        </p:style>
+        <p:txBody>
+          <a:bodyPr rtlCol="0" anchor="ctr"/>
+          <a:lstStyle/>
+          <a:p>
+            <a:pPr algn="ctr"/>
+            <a:endParaRPr lang="en-US"/>
+          </a:p>
+        </p:txBody>
+      </p:sp>
+      <p:pic>
+        <p:nvPicPr>
+          <p:cNvPr id="2050" name="Picture 2"/>
+          <p:cNvPicPr>
+            <a:picLocks noChangeAspect="1" noChangeArrowheads="1"/>
+          </p:cNvPicPr>
+          <p:nvPr/>
+        </p:nvPicPr>
+        <p:blipFill>
+          <a:blip r:embed="rId4"/>
+          <a:srcRect/>
+          <a:stretch>
+            <a:fillRect/>
+          </a:stretch>
+        </p:blipFill>
+        <p:spPr bwMode="auto">
+          <a:xfrm>
+            <a:off x="4724400" y="1447800"/>
+            <a:ext cx="3734169" cy="2438400"/>
+          </a:xfrm>
+          <a:prstGeom prst="rect">
+            <a:avLst/>
+          </a:prstGeom>
+          <a:noFill/>
+          <a:ln w="9525">
+            <a:noFill/>
+            <a:miter lim="800000"/>
+            <a:headEnd/>
+            <a:tailEnd/>
+          </a:ln>
+          <a:effectLst/>
+        </p:spPr>
+      </p:pic>
+      <p:sp>
+        <p:nvSpPr>
+          <p:cNvPr id="9" name="Equal 8"/>
+          <p:cNvSpPr/>
+          <p:nvPr/>
+        </p:nvSpPr>
+        <p:spPr>
+          <a:xfrm>
+            <a:off x="2133600" y="5105400"/>
+            <a:ext cx="990600" cy="609600"/>
+          </a:xfrm>
+          <a:prstGeom prst="mathEqual">
+            <a:avLst/>
+          </a:prstGeom>
+          <a:solidFill>
+            <a:schemeClr val="tx1"/>
+          </a:solidFill>
+        </p:spPr>
+        <p:style>
+          <a:lnRef idx="2">
+            <a:schemeClr val="accent1">
+              <a:shade val="50000"/>
+            </a:schemeClr>
+          </a:lnRef>
+          <a:fillRef idx="1">
+            <a:schemeClr val="accent1"/>
+          </a:fillRef>
+          <a:effectRef idx="0">
+            <a:schemeClr val="accent1"/>
+          </a:effectRef>
+          <a:fontRef idx="minor">
+            <a:schemeClr val="lt1"/>
+          </a:fontRef>
+        </p:style>
+        <p:txBody>
+          <a:bodyPr rtlCol="0" anchor="ctr"/>
+          <a:lstStyle/>
+          <a:p>
+            <a:pPr algn="ctr"/>
+            <a:endParaRPr lang="en-US">
+              <a:solidFill>
+                <a:schemeClr val="tx1"/>
+              </a:solidFill>
+            </a:endParaRPr>
           </a:p>
         </p:txBody>
       </p:sp>
@@ -3155,6 +4173,13 @@
   <p:transition>
     <p:fade thruBlk="1"/>
   </p:transition>
+  <p:timing>
+    <p:tnLst>
+      <p:par>
+        <p:cTn id="1" dur="indefinite" restart="never" nodeType="tmRoot"/>
+      </p:par>
+    </p:tnLst>
+  </p:timing>
 </p:sld>
 </file>
 
@@ -3190,7 +4215,96 @@
           <a:bodyPr/>
           <a:lstStyle/>
           <a:p>
-            <a:endParaRPr lang="ro-RO"/>
+            <a:r>
+              <a:rPr lang="en-US" sz="2400" b="1" noProof="1" smtClean="0">
+                <a:latin typeface="Times New Roman" pitchFamily="18" charset="0"/>
+                <a:cs typeface="Times New Roman" pitchFamily="18" charset="0"/>
+              </a:rPr>
+              <a:t>Exemplu de vedere arborescenta a clasei </a:t>
+            </a:r>
+          </a:p>
+          <a:p>
+            <a:pPr>
+              <a:buNone/>
+            </a:pPr>
+            <a:r>
+              <a:rPr lang="en-US" sz="2400" b="1" noProof="1" smtClean="0">
+                <a:latin typeface="Times New Roman" pitchFamily="18" charset="0"/>
+                <a:cs typeface="Times New Roman" pitchFamily="18" charset="0"/>
+              </a:rPr>
+              <a:t>	“appWindow” :</a:t>
+            </a:r>
+          </a:p>
+          <a:p>
+            <a:endParaRPr lang="en-US" b="1" noProof="1" smtClean="0">
+              <a:latin typeface="Times New Roman" pitchFamily="18" charset="0"/>
+              <a:cs typeface="Times New Roman" pitchFamily="18" charset="0"/>
+            </a:endParaRPr>
+          </a:p>
+          <a:p>
+            <a:endParaRPr lang="en-US" b="1" noProof="1" smtClean="0">
+              <a:latin typeface="Times New Roman" pitchFamily="18" charset="0"/>
+              <a:cs typeface="Times New Roman" pitchFamily="18" charset="0"/>
+            </a:endParaRPr>
+          </a:p>
+          <a:p>
+            <a:r>
+              <a:rPr lang="en-US" sz="2400" b="1" noProof="1" smtClean="0">
+                <a:latin typeface="Times New Roman" pitchFamily="18" charset="0"/>
+                <a:cs typeface="Times New Roman" pitchFamily="18" charset="0"/>
+              </a:rPr>
+              <a:t>Interactiunea cu celelalte </a:t>
+            </a:r>
+          </a:p>
+          <a:p>
+            <a:pPr>
+              <a:buNone/>
+            </a:pPr>
+            <a:r>
+              <a:rPr lang="en-US" sz="2400" b="1" noProof="1" smtClean="0">
+                <a:latin typeface="Times New Roman" pitchFamily="18" charset="0"/>
+                <a:cs typeface="Times New Roman" pitchFamily="18" charset="0"/>
+              </a:rPr>
+              <a:t>	</a:t>
+            </a:r>
+            <a:r>
+              <a:rPr lang="en-US" sz="2400" b="1" noProof="1" smtClean="0">
+                <a:latin typeface="Times New Roman" pitchFamily="18" charset="0"/>
+                <a:cs typeface="Times New Roman" pitchFamily="18" charset="0"/>
+              </a:rPr>
+              <a:t>componente</a:t>
+            </a:r>
+          </a:p>
+          <a:p>
+            <a:endParaRPr lang="en-US" b="1" noProof="1" smtClean="0">
+              <a:latin typeface="Times New Roman" pitchFamily="18" charset="0"/>
+              <a:cs typeface="Times New Roman" pitchFamily="18" charset="0"/>
+            </a:endParaRPr>
+          </a:p>
+          <a:p>
+            <a:endParaRPr lang="en-US" b="1" noProof="1" smtClean="0">
+              <a:latin typeface="Times New Roman" pitchFamily="18" charset="0"/>
+              <a:cs typeface="Times New Roman" pitchFamily="18" charset="0"/>
+            </a:endParaRPr>
+          </a:p>
+          <a:p>
+            <a:endParaRPr lang="en-US" b="1" noProof="1" smtClean="0">
+              <a:latin typeface="Times New Roman" pitchFamily="18" charset="0"/>
+              <a:cs typeface="Times New Roman" pitchFamily="18" charset="0"/>
+            </a:endParaRPr>
+          </a:p>
+          <a:p>
+            <a:r>
+              <a:rPr lang="en-US" sz="2400" b="1" noProof="1" smtClean="0">
+                <a:latin typeface="Times New Roman" pitchFamily="18" charset="0"/>
+                <a:cs typeface="Times New Roman" pitchFamily="18" charset="0"/>
+              </a:rPr>
+              <a:t>Folosirea tehnicii Double Buffering</a:t>
+            </a:r>
+            <a:endParaRPr lang="ro-RO" sz="2400" b="1" noProof="1">
+              <a:latin typeface="Times New Roman" pitchFamily="18" charset="0"/>
+              <a:cs typeface="Times New Roman" pitchFamily="18" charset="0"/>
+            </a:endParaRPr>
           </a:p>
         </p:txBody>
       </p:sp>
@@ -3210,33 +4324,63 @@
           <a:lstStyle/>
           <a:p>
             <a:r>
-              <a:rPr lang="en-US" dirty="0" err="1" smtClean="0"/>
+              <a:rPr lang="ro-RO" b="1" noProof="1" smtClean="0">
+                <a:latin typeface="Times New Roman" pitchFamily="18" charset="0"/>
+                <a:cs typeface="Times New Roman" pitchFamily="18" charset="0"/>
+              </a:rPr>
               <a:t>Interfata</a:t>
             </a:r>
             <a:r>
-              <a:rPr lang="en-US" dirty="0" smtClean="0"/>
-              <a:t> </a:t>
-            </a:r>
-            <a:r>
-              <a:rPr lang="en-US" dirty="0" err="1" smtClean="0"/>
-              <a:t>grafica</a:t>
-            </a:r>
-            <a:r>
-              <a:rPr lang="en-US" dirty="0" smtClean="0"/>
-              <a:t> cu </a:t>
-            </a:r>
-            <a:r>
-              <a:rPr lang="en-US" dirty="0" err="1" smtClean="0"/>
-              <a:t>utilizatorul</a:t>
-            </a:r>
-            <a:r>
-              <a:rPr lang="en-US" dirty="0" smtClean="0"/>
-              <a:t> (2)</a:t>
-            </a:r>
-            <a:endParaRPr lang="ro-RO" dirty="0"/>
-          </a:p>
-        </p:txBody>
-      </p:sp>
+              <a:rPr lang="ro-RO" b="1" noProof="1" smtClean="0">
+                <a:latin typeface="Times New Roman" pitchFamily="18" charset="0"/>
+                <a:cs typeface="Times New Roman" pitchFamily="18" charset="0"/>
+              </a:rPr>
+              <a:t> grafica cu utilizatorul </a:t>
+            </a:r>
+            <a:r>
+              <a:rPr lang="ro-RO" b="1" noProof="1" smtClean="0">
+                <a:latin typeface="Times New Roman" pitchFamily="18" charset="0"/>
+                <a:cs typeface="Times New Roman" pitchFamily="18" charset="0"/>
+              </a:rPr>
+              <a:t>(2)</a:t>
+            </a:r>
+            <a:endParaRPr lang="ro-RO" b="1" noProof="1">
+              <a:latin typeface="Times New Roman" pitchFamily="18" charset="0"/>
+              <a:cs typeface="Times New Roman" pitchFamily="18" charset="0"/>
+            </a:endParaRPr>
+          </a:p>
+        </p:txBody>
+      </p:sp>
+      <p:pic>
+        <p:nvPicPr>
+          <p:cNvPr id="4" name="Picture 3"/>
+          <p:cNvPicPr/>
+          <p:nvPr/>
+        </p:nvPicPr>
+        <p:blipFill>
+          <a:blip r:embed="rId2"/>
+          <a:srcRect/>
+          <a:stretch>
+            <a:fillRect/>
+          </a:stretch>
+        </p:blipFill>
+        <p:spPr bwMode="auto">
+          <a:xfrm>
+            <a:off x="6477000" y="1676400"/>
+            <a:ext cx="2305050" cy="4148138"/>
+          </a:xfrm>
+          <a:prstGeom prst="rect">
+            <a:avLst/>
+          </a:prstGeom>
+          <a:noFill/>
+          <a:ln w="9525">
+            <a:noFill/>
+            <a:miter lim="800000"/>
+            <a:headEnd/>
+            <a:tailEnd/>
+          </a:ln>
+        </p:spPr>
+      </p:pic>
     </p:spTree>
   </p:cSld>
   <p:clrMapOvr>
@@ -3275,12 +4419,88 @@
             <p:ph type="body" idx="1"/>
           </p:nvPr>
         </p:nvSpPr>
-        <p:spPr/>
+        <p:spPr>
+          <a:xfrm>
+            <a:off x="457200" y="1219200"/>
+            <a:ext cx="8229600" cy="4906963"/>
+          </a:xfrm>
+        </p:spPr>
         <p:txBody>
           <a:bodyPr/>
           <a:lstStyle/>
           <a:p>
-            <a:endParaRPr lang="ro-RO"/>
+            <a:r>
+              <a:rPr lang="en-US" sz="2400" b="1" noProof="1" smtClean="0">
+                <a:latin typeface="Times New Roman" pitchFamily="18" charset="0"/>
+                <a:cs typeface="Times New Roman" pitchFamily="18" charset="0"/>
+              </a:rPr>
+              <a:t>Componenta a aplicatiei parte a functionarii automate</a:t>
+            </a:r>
+          </a:p>
+          <a:p>
+            <a:endParaRPr lang="en-US" sz="2400" b="1" noProof="1" smtClean="0">
+              <a:latin typeface="Times New Roman" pitchFamily="18" charset="0"/>
+              <a:cs typeface="Times New Roman" pitchFamily="18" charset="0"/>
+            </a:endParaRPr>
+          </a:p>
+          <a:p>
+            <a:r>
+              <a:rPr lang="en-US" sz="2400" b="1" noProof="1" smtClean="0">
+                <a:latin typeface="Times New Roman" pitchFamily="18" charset="0"/>
+                <a:cs typeface="Times New Roman" pitchFamily="18" charset="0"/>
+              </a:rPr>
+              <a:t>Categorii de scenarii:</a:t>
+            </a:r>
+          </a:p>
+          <a:p>
+            <a:pPr lvl="1"/>
+            <a:r>
+              <a:rPr lang="ro-RO" sz="2200" dirty="0" smtClean="0"/>
+              <a:t>Scenarii pentru testarea cvasicompleta a functionalitatii (scenarii complexe)</a:t>
+            </a:r>
+            <a:endParaRPr lang="en-US" sz="2200" dirty="0" smtClean="0"/>
+          </a:p>
+          <a:p>
+            <a:pPr lvl="1"/>
+            <a:r>
+              <a:rPr lang="ro-RO" sz="2200" dirty="0" smtClean="0"/>
+              <a:t>Scenarii pentru testarea semnalelor de avertizare</a:t>
+            </a:r>
+            <a:endParaRPr lang="en-US" sz="2200" dirty="0" smtClean="0"/>
+          </a:p>
+          <a:p>
+            <a:pPr lvl="1"/>
+            <a:r>
+              <a:rPr lang="ro-RO" sz="2200" dirty="0" smtClean="0"/>
+              <a:t>Scenarii pentru testarea unor functionalitati specifice ale </a:t>
+            </a:r>
+            <a:r>
+              <a:rPr lang="ro-RO" sz="2200" dirty="0" smtClean="0"/>
+              <a:t>indicatoarelor</a:t>
+            </a:r>
+            <a:endParaRPr lang="en-US" sz="2200" b="1" noProof="1" smtClean="0">
+              <a:latin typeface="Times New Roman" pitchFamily="18" charset="0"/>
+              <a:cs typeface="Times New Roman" pitchFamily="18" charset="0"/>
+            </a:endParaRPr>
+          </a:p>
+          <a:p>
+            <a:r>
+              <a:rPr lang="en-US" sz="2400" b="1" noProof="1" smtClean="0">
+                <a:latin typeface="Times New Roman" pitchFamily="18" charset="0"/>
+                <a:cs typeface="Times New Roman" pitchFamily="18" charset="0"/>
+              </a:rPr>
+              <a:t>Interactiunea cu baza de date</a:t>
+            </a:r>
+          </a:p>
+          <a:p>
+            <a:r>
+              <a:rPr lang="en-US" sz="2400" b="1" noProof="1" smtClean="0">
+                <a:latin typeface="Times New Roman" pitchFamily="18" charset="0"/>
+                <a:cs typeface="Times New Roman" pitchFamily="18" charset="0"/>
+              </a:rPr>
+              <a:t>Urmarirea dinamica a pasilor</a:t>
+            </a:r>
+            <a:endParaRPr lang="en-US" sz="2400" dirty="0" smtClean="0"/>
           </a:p>
         </p:txBody>
       </p:sp>
@@ -3294,27 +4514,74 @@
             <p:ph type="title"/>
           </p:nvPr>
         </p:nvSpPr>
-        <p:spPr/>
+        <p:spPr>
+          <a:xfrm>
+            <a:off x="457200" y="359465"/>
+            <a:ext cx="8229600" cy="783535"/>
+          </a:xfrm>
+        </p:spPr>
         <p:txBody>
           <a:bodyPr/>
           <a:lstStyle/>
           <a:p>
             <a:r>
-              <a:rPr lang="en-US" dirty="0" err="1" smtClean="0"/>
+              <a:rPr lang="ro-RO" b="1" noProof="1" smtClean="0">
+                <a:latin typeface="Times New Roman" pitchFamily="18" charset="0"/>
+                <a:cs typeface="Times New Roman" pitchFamily="18" charset="0"/>
+              </a:rPr>
               <a:t>Modulul</a:t>
             </a:r>
             <a:r>
-              <a:rPr lang="en-US" dirty="0" smtClean="0"/>
+              <a:rPr lang="ro-RO" b="1" noProof="1" smtClean="0">
+                <a:latin typeface="Times New Roman" pitchFamily="18" charset="0"/>
+                <a:cs typeface="Times New Roman" pitchFamily="18" charset="0"/>
+              </a:rPr>
               <a:t> de </a:t>
             </a:r>
             <a:r>
-              <a:rPr lang="en-US" dirty="0" err="1" smtClean="0"/>
+              <a:rPr lang="ro-RO" b="1" noProof="1" smtClean="0">
+                <a:latin typeface="Times New Roman" pitchFamily="18" charset="0"/>
+                <a:cs typeface="Times New Roman" pitchFamily="18" charset="0"/>
+              </a:rPr>
               <a:t>testare</a:t>
             </a:r>
-            <a:endParaRPr lang="ro-RO" dirty="0"/>
-          </a:p>
-        </p:txBody>
-      </p:sp>
+            <a:endParaRPr lang="ro-RO" b="1" noProof="1">
+              <a:latin typeface="Times New Roman" pitchFamily="18" charset="0"/>
+              <a:cs typeface="Times New Roman" pitchFamily="18" charset="0"/>
+            </a:endParaRPr>
+          </a:p>
+        </p:txBody>
+      </p:sp>
+      <p:pic>
+        <p:nvPicPr>
+          <p:cNvPr id="4" name="Picture 3"/>
+          <p:cNvPicPr/>
+          <p:nvPr/>
+        </p:nvPicPr>
+        <p:blipFill>
+          <a:blip r:embed="rId2"/>
+          <a:srcRect/>
+          <a:stretch>
+            <a:fillRect/>
+          </a:stretch>
+        </p:blipFill>
+        <p:spPr bwMode="auto">
+          <a:xfrm>
+            <a:off x="1524000" y="4876800"/>
+            <a:ext cx="5934075" cy="1285875"/>
+          </a:xfrm>
+          <a:prstGeom prst="rect">
+            <a:avLst/>
+          </a:prstGeom>
+          <a:noFill/>
+          <a:ln w="9525">
+            <a:noFill/>
+            <a:miter lim="800000"/>
+            <a:headEnd/>
+            <a:tailEnd/>
+          </a:ln>
+        </p:spPr>
+      </p:pic>
     </p:spTree>
   </p:cSld>
   <p:clrMapOvr>
@@ -3366,11 +4633,11 @@
               </a:buClr>
             </a:pPr>
             <a:r>
-              <a:rPr lang="en-US" noProof="1" smtClean="0"/>
+              <a:rPr lang="en-US" b="1" noProof="1" smtClean="0"/>
               <a:t>Context : </a:t>
             </a:r>
             <a:r>
-              <a:rPr lang="ro-RO" noProof="1" smtClean="0"/>
+              <a:rPr lang="ro-RO" b="1" noProof="1" smtClean="0"/>
               <a:t>Software pentru sisteme embedded</a:t>
             </a:r>
           </a:p>
@@ -3381,7 +4648,7 @@
               </a:buClr>
             </a:pPr>
             <a:r>
-              <a:rPr lang="ro-RO" noProof="1" smtClean="0"/>
+              <a:rPr lang="ro-RO" b="1" noProof="1" smtClean="0"/>
               <a:t>Tehnologii folosite</a:t>
             </a:r>
           </a:p>
@@ -3447,7 +4714,7 @@
               </a:buClr>
             </a:pPr>
             <a:r>
-              <a:rPr lang="en-US" noProof="1" smtClean="0"/>
+              <a:rPr lang="en-US" b="1" noProof="1" smtClean="0"/>
               <a:t>Descrierea proiectului</a:t>
             </a:r>
           </a:p>
@@ -3491,10 +4758,10 @@
               </a:buClr>
             </a:pPr>
             <a:r>
-              <a:rPr lang="en-US" noProof="1" smtClean="0"/>
+              <a:rPr lang="en-US" b="1" noProof="1" smtClean="0"/>
               <a:t>Concluzii</a:t>
             </a:r>
-            <a:endParaRPr lang="ro-RO" noProof="1"/>
+            <a:endParaRPr lang="ro-RO" b="1" noProof="1"/>
           </a:p>
         </p:txBody>
       </p:sp>
@@ -3516,13 +4783,13 @@
           <a:lstStyle/>
           <a:p>
             <a:r>
-              <a:rPr lang="ro-RO" sz="4000" noProof="1" smtClean="0">
+              <a:rPr lang="ro-RO" sz="4000" b="1" noProof="1" smtClean="0">
                 <a:latin typeface="Times New Roman" pitchFamily="18" charset="0"/>
                 <a:cs typeface="Times New Roman" pitchFamily="18" charset="0"/>
               </a:rPr>
               <a:t>Cuprins</a:t>
             </a:r>
-            <a:endParaRPr lang="ro-RO" sz="4000" noProof="1">
+            <a:endParaRPr lang="ro-RO" sz="4000" b="1" noProof="1">
               <a:latin typeface="Times New Roman" pitchFamily="18" charset="0"/>
               <a:cs typeface="Times New Roman" pitchFamily="18" charset="0"/>
             </a:endParaRPr>
@@ -3579,7 +4846,89 @@
           <a:bodyPr/>
           <a:lstStyle/>
           <a:p>
-            <a:endParaRPr lang="ro-RO"/>
+            <a:endParaRPr lang="en-US" b="1" noProof="1" smtClean="0">
+              <a:latin typeface="Times New Roman" pitchFamily="18" charset="0"/>
+              <a:cs typeface="Times New Roman" pitchFamily="18" charset="0"/>
+            </a:endParaRPr>
+          </a:p>
+          <a:p>
+            <a:r>
+              <a:rPr lang="en-US" b="1" noProof="1" smtClean="0">
+                <a:latin typeface="Times New Roman" pitchFamily="18" charset="0"/>
+                <a:cs typeface="Times New Roman" pitchFamily="18" charset="0"/>
+              </a:rPr>
+              <a:t>Ce a urmarit proiectul</a:t>
+            </a:r>
+          </a:p>
+          <a:p>
+            <a:endParaRPr lang="en-US" b="1" noProof="1" smtClean="0">
+              <a:latin typeface="Times New Roman" pitchFamily="18" charset="0"/>
+              <a:cs typeface="Times New Roman" pitchFamily="18" charset="0"/>
+            </a:endParaRPr>
+          </a:p>
+          <a:p>
+            <a:pPr lvl="1"/>
+            <a:r>
+              <a:rPr lang="en-US" sz="2800" b="1" noProof="1" smtClean="0">
+                <a:latin typeface="Times New Roman" pitchFamily="18" charset="0"/>
+                <a:cs typeface="Times New Roman" pitchFamily="18" charset="0"/>
+              </a:rPr>
+              <a:t>Simulare</a:t>
+            </a:r>
+          </a:p>
+          <a:p>
+            <a:pPr lvl="1"/>
+            <a:r>
+              <a:rPr lang="en-US" sz="2800" b="1" noProof="1" smtClean="0">
+                <a:latin typeface="Times New Roman" pitchFamily="18" charset="0"/>
+                <a:cs typeface="Times New Roman" pitchFamily="18" charset="0"/>
+              </a:rPr>
+              <a:t>Testare automata</a:t>
+            </a:r>
+          </a:p>
+          <a:p>
+            <a:pPr lvl="1"/>
+            <a:endParaRPr lang="en-US" b="1" noProof="1">
+              <a:latin typeface="Times New Roman" pitchFamily="18" charset="0"/>
+              <a:cs typeface="Times New Roman" pitchFamily="18" charset="0"/>
+            </a:endParaRPr>
+          </a:p>
+          <a:p>
+            <a:pPr>
+              <a:buNone/>
+            </a:pPr>
+            <a:r>
+              <a:rPr lang="en-US" b="1" noProof="1" smtClean="0">
+                <a:latin typeface="Times New Roman" pitchFamily="18" charset="0"/>
+                <a:cs typeface="Times New Roman" pitchFamily="18" charset="0"/>
+              </a:rPr>
+              <a:t>	</a:t>
+            </a:r>
+            <a:r>
+              <a:rPr lang="en-US" sz="2400" noProof="1" smtClean="0">
+                <a:latin typeface="Times New Roman" pitchFamily="18" charset="0"/>
+                <a:cs typeface="Times New Roman" pitchFamily="18" charset="0"/>
+              </a:rPr>
+              <a:t>a functionalitatilor unui computer de bord</a:t>
+            </a:r>
+          </a:p>
+          <a:p>
+            <a:pPr>
+              <a:buNone/>
+            </a:pPr>
+            <a:endParaRPr lang="en-US" sz="2400" noProof="1" smtClean="0">
+              <a:latin typeface="Times New Roman" pitchFamily="18" charset="0"/>
+              <a:cs typeface="Times New Roman" pitchFamily="18" charset="0"/>
+            </a:endParaRPr>
+          </a:p>
+          <a:p>
+            <a:r>
+              <a:rPr lang="en-US" b="1" noProof="1" smtClean="0">
+                <a:latin typeface="Times New Roman" pitchFamily="18" charset="0"/>
+                <a:cs typeface="Times New Roman" pitchFamily="18" charset="0"/>
+              </a:rPr>
+              <a:t>Dezvoltari viitoare</a:t>
+            </a:r>
           </a:p>
         </p:txBody>
       </p:sp>
@@ -3599,92 +4948,16 @@
           <a:lstStyle/>
           <a:p>
             <a:r>
-              <a:rPr lang="en-US" dirty="0" err="1" smtClean="0"/>
-              <a:t>Modulul</a:t>
-            </a:r>
-            <a:r>
-              <a:rPr lang="en-US" dirty="0" smtClean="0"/>
-              <a:t> de </a:t>
-            </a:r>
-            <a:r>
-              <a:rPr lang="en-US" dirty="0" err="1" smtClean="0"/>
-              <a:t>testare</a:t>
-            </a:r>
-            <a:r>
-              <a:rPr lang="en-US" dirty="0" smtClean="0"/>
-              <a:t> (2)</a:t>
-            </a:r>
-            <a:endParaRPr lang="ro-RO" dirty="0"/>
-          </a:p>
-        </p:txBody>
-      </p:sp>
-    </p:spTree>
-  </p:cSld>
-  <p:clrMapOvr>
-    <a:masterClrMapping/>
-  </p:clrMapOvr>
-  <p:transition>
-    <p:fade thruBlk="1"/>
-  </p:transition>
-</p:sld>
-</file>
-
-<file path=ppt/slides/slide21.xml><?xml version="1.0" encoding="utf-8"?>
-<p:sld xmlns:a="http://schemas.openxmlformats.org/drawingml/2006/main" xmlns:r="http://schemas.openxmlformats.org/officeDocument/2006/relationships" xmlns:p="http://schemas.openxmlformats.org/presentationml/2006/main">
-  <p:cSld>
-    <p:spTree>
-      <p:nvGrpSpPr>
-        <p:cNvPr id="1" name=""/>
-        <p:cNvGrpSpPr/>
-        <p:nvPr/>
-      </p:nvGrpSpPr>
-      <p:grpSpPr>
-        <a:xfrm>
-          <a:off x="0" y="0"/>
-          <a:ext cx="0" cy="0"/>
-          <a:chOff x="0" y="0"/>
-          <a:chExt cx="0" cy="0"/>
-        </a:xfrm>
-      </p:grpSpPr>
-      <p:sp>
-        <p:nvSpPr>
-          <p:cNvPr id="2" name="Text Placeholder 1"/>
-          <p:cNvSpPr>
-            <a:spLocks noGrp="1"/>
-          </p:cNvSpPr>
-          <p:nvPr>
-            <p:ph type="body" idx="1"/>
-          </p:nvPr>
-        </p:nvSpPr>
-        <p:spPr/>
-        <p:txBody>
-          <a:bodyPr/>
-          <a:lstStyle/>
-          <a:p>
-            <a:endParaRPr lang="ro-RO"/>
-          </a:p>
-        </p:txBody>
-      </p:sp>
-      <p:sp>
-        <p:nvSpPr>
-          <p:cNvPr id="3" name="Title 2"/>
-          <p:cNvSpPr>
-            <a:spLocks noGrp="1"/>
-          </p:cNvSpPr>
-          <p:nvPr>
-            <p:ph type="title"/>
-          </p:nvPr>
-        </p:nvSpPr>
-        <p:spPr/>
-        <p:txBody>
-          <a:bodyPr/>
-          <a:lstStyle/>
-          <a:p>
-            <a:r>
-              <a:rPr lang="en-US" dirty="0" err="1" smtClean="0"/>
+              <a:rPr lang="ro-RO" b="1" noProof="1" smtClean="0">
+                <a:latin typeface="Times New Roman" pitchFamily="18" charset="0"/>
+                <a:cs typeface="Times New Roman" pitchFamily="18" charset="0"/>
+              </a:rPr>
               <a:t>Concluzii</a:t>
             </a:r>
-            <a:endParaRPr lang="ro-RO" dirty="0"/>
+            <a:endParaRPr lang="ro-RO" b="1" noProof="1">
+              <a:latin typeface="Times New Roman" pitchFamily="18" charset="0"/>
+              <a:cs typeface="Times New Roman" pitchFamily="18" charset="0"/>
+            </a:endParaRPr>
           </a:p>
         </p:txBody>
       </p:sp>
@@ -3738,26 +5011,8 @@
                 <a:latin typeface="Times New Roman" pitchFamily="18" charset="0"/>
                 <a:cs typeface="Times New Roman" pitchFamily="18" charset="0"/>
               </a:rPr>
-              <a:t>Termenul</a:t>
-            </a:r>
-            <a:r>
-              <a:rPr lang="ro-RO" b="1" noProof="1" smtClean="0">
-                <a:latin typeface="Times New Roman" pitchFamily="18" charset="0"/>
-                <a:cs typeface="Times New Roman" pitchFamily="18" charset="0"/>
-              </a:rPr>
-              <a:t> de </a:t>
-            </a:r>
-            <a:r>
-              <a:rPr lang="ro-RO" b="1" noProof="1" smtClean="0">
-                <a:latin typeface="Times New Roman" pitchFamily="18" charset="0"/>
-                <a:cs typeface="Times New Roman" pitchFamily="18" charset="0"/>
-              </a:rPr>
-              <a:t>firmware</a:t>
-            </a:r>
-            <a:endParaRPr lang="ro-RO" b="1" noProof="1" smtClean="0">
-              <a:latin typeface="Times New Roman" pitchFamily="18" charset="0"/>
-              <a:cs typeface="Times New Roman" pitchFamily="18" charset="0"/>
-            </a:endParaRPr>
+              <a:t>Termenul de firmware</a:t>
+            </a:r>
           </a:p>
           <a:p>
             <a:pPr>
@@ -3775,68 +5030,8 @@
                 <a:latin typeface="Times New Roman" pitchFamily="18" charset="0"/>
                 <a:cs typeface="Times New Roman" pitchFamily="18" charset="0"/>
               </a:rPr>
-              <a:t>În  </a:t>
-            </a:r>
-            <a:r>
-              <a:rPr lang="ro-RO" sz="2400" noProof="1" smtClean="0">
-                <a:latin typeface="Times New Roman" pitchFamily="18" charset="0"/>
-                <a:cs typeface="Times New Roman" pitchFamily="18" charset="0"/>
-              </a:rPr>
-              <a:t>electronica şi </a:t>
-            </a:r>
-            <a:r>
-              <a:rPr lang="ro-RO" sz="2400" noProof="1" smtClean="0">
-                <a:latin typeface="Times New Roman" pitchFamily="18" charset="0"/>
-                <a:cs typeface="Times New Roman" pitchFamily="18" charset="0"/>
-              </a:rPr>
-              <a:t>informatica</a:t>
-            </a:r>
-            <a:r>
-              <a:rPr lang="ro-RO" sz="2400" noProof="1" smtClean="0">
-                <a:latin typeface="Times New Roman" pitchFamily="18" charset="0"/>
-                <a:cs typeface="Times New Roman" pitchFamily="18" charset="0"/>
-              </a:rPr>
-              <a:t>, firmware-ul este un termen folosit adesea pentru a desemna programele </a:t>
-            </a:r>
-            <a:r>
-              <a:rPr lang="ro-RO" sz="2400" noProof="1" smtClean="0">
-                <a:latin typeface="Times New Roman" pitchFamily="18" charset="0"/>
-                <a:cs typeface="Times New Roman" pitchFamily="18" charset="0"/>
-              </a:rPr>
-              <a:t>fixe</a:t>
-            </a:r>
-            <a:r>
-              <a:rPr lang="ro-RO" sz="2400" noProof="1" smtClean="0">
-                <a:latin typeface="Times New Roman" pitchFamily="18" charset="0"/>
-                <a:cs typeface="Times New Roman" pitchFamily="18" charset="0"/>
-              </a:rPr>
-              <a:t>, de obicei destul de </a:t>
-            </a:r>
-            <a:r>
-              <a:rPr lang="ro-RO" sz="2400" noProof="1" smtClean="0">
-                <a:latin typeface="Times New Roman" pitchFamily="18" charset="0"/>
-                <a:cs typeface="Times New Roman" pitchFamily="18" charset="0"/>
-              </a:rPr>
-              <a:t>mici</a:t>
-            </a:r>
-            <a:r>
-              <a:rPr lang="ro-RO" sz="2400" noProof="1" smtClean="0">
-                <a:latin typeface="Times New Roman" pitchFamily="18" charset="0"/>
-                <a:cs typeface="Times New Roman" pitchFamily="18" charset="0"/>
-              </a:rPr>
-              <a:t>, şi structurile de date ce controlează intern diverse dispozitive </a:t>
-            </a:r>
-            <a:r>
-              <a:rPr lang="ro-RO" sz="2400" noProof="1" smtClean="0">
-                <a:latin typeface="Times New Roman" pitchFamily="18" charset="0"/>
-                <a:cs typeface="Times New Roman" pitchFamily="18" charset="0"/>
-              </a:rPr>
-              <a:t>electronice</a:t>
-            </a:r>
-            <a:endParaRPr lang="ro-RO" sz="2400" noProof="1" smtClean="0">
-              <a:latin typeface="Times New Roman" pitchFamily="18" charset="0"/>
-              <a:cs typeface="Times New Roman" pitchFamily="18" charset="0"/>
-            </a:endParaRPr>
+              <a:t>În  electronica şi informatica, firmware-ul este un termen folosit adesea pentru a desemna programele fixe, de obicei destul de mici, şi structurile de date ce controlează intern diverse dispozitive electronice</a:t>
+            </a:r>
           </a:p>
           <a:p>
             <a:r>
@@ -3844,14 +5039,7 @@
                 <a:latin typeface="Times New Roman" pitchFamily="18" charset="0"/>
                 <a:cs typeface="Times New Roman" pitchFamily="18" charset="0"/>
               </a:rPr>
-              <a:t>Firmware in </a:t>
-            </a:r>
-            <a:r>
-              <a:rPr lang="ro-RO" b="1" noProof="1" smtClean="0">
-                <a:latin typeface="Times New Roman" pitchFamily="18" charset="0"/>
-                <a:cs typeface="Times New Roman" pitchFamily="18" charset="0"/>
-              </a:rPr>
-              <a:t>2010</a:t>
+              <a:t>Firmware in 2010</a:t>
             </a:r>
             <a:endParaRPr lang="en-US" b="1" noProof="1" smtClean="0">
               <a:latin typeface="Times New Roman" pitchFamily="18" charset="0"/>
@@ -3874,14 +5062,7 @@
                 <a:latin typeface="Times New Roman" pitchFamily="18" charset="0"/>
                 <a:cs typeface="Times New Roman" pitchFamily="18" charset="0"/>
               </a:rPr>
-              <a:t>Conceptul </a:t>
-            </a:r>
-            <a:r>
-              <a:rPr lang="ro-RO" sz="2600" dirty="0" smtClean="0">
-                <a:latin typeface="Times New Roman" pitchFamily="18" charset="0"/>
-                <a:cs typeface="Times New Roman" pitchFamily="18" charset="0"/>
-              </a:rPr>
-              <a:t>de “firmware” a evoluat in a insemna aproape orice continut programabil al unui dispozitiv hardware, nu doar codul maisna pentru un procesor, dar si configuratii si date pentru circuite integrate specializate destinate aplicatiilor (“application-specific integrated circuits - ASIC”), dispozitive logice programabile, etc.</a:t>
+              <a:t>Conceptul de “firmware” a evoluat in a insemna aproape orice continut programabil al unui dispozitiv hardware, nu doar codul maisna pentru un procesor, dar si configuratii si date pentru circuite integrate specializate destinate aplicatiilor (“application-specific integrated circuits - ASIC”), dispozitive logice programabile, etc.</a:t>
             </a:r>
             <a:endParaRPr lang="ro-RO" sz="2600" b="1" noProof="1">
               <a:latin typeface="Times New Roman" pitchFamily="18" charset="0"/>
@@ -3906,20 +5087,13 @@
           <a:lstStyle/>
           <a:p>
             <a:r>
-              <a:rPr lang="ro-RO" noProof="1" smtClean="0">
-                <a:latin typeface="Times New Roman" pitchFamily="18" charset="0"/>
-                <a:cs typeface="Times New Roman" pitchFamily="18" charset="0"/>
-              </a:rPr>
-              <a:t>Software pentru sisteme </a:t>
-            </a:r>
-            <a:r>
-              <a:rPr lang="ro-RO" noProof="1" smtClean="0">
-                <a:latin typeface="Times New Roman" pitchFamily="18" charset="0"/>
-                <a:cs typeface="Times New Roman" pitchFamily="18" charset="0"/>
-              </a:rPr>
-              <a:t>embedded</a:t>
-            </a:r>
-            <a:endParaRPr lang="ro-RO" noProof="1">
+              <a:rPr lang="ro-RO" b="1" noProof="1" smtClean="0">
+                <a:latin typeface="Times New Roman" pitchFamily="18" charset="0"/>
+                <a:cs typeface="Times New Roman" pitchFamily="18" charset="0"/>
+              </a:rPr>
+              <a:t>Software pentru sisteme embedded</a:t>
+            </a:r>
+            <a:endParaRPr lang="ro-RO" b="1" noProof="1">
               <a:latin typeface="Times New Roman" pitchFamily="18" charset="0"/>
               <a:cs typeface="Times New Roman" pitchFamily="18" charset="0"/>
             </a:endParaRPr>
@@ -3985,10 +5159,6 @@
               </a:rPr>
               <a:t>Dezvoltarea softwareului pentru sisteme integrate</a:t>
             </a:r>
-            <a:endParaRPr lang="ro-RO" b="1" noProof="1" smtClean="0">
-              <a:latin typeface="Times New Roman" pitchFamily="18" charset="0"/>
-              <a:cs typeface="Times New Roman" pitchFamily="18" charset="0"/>
-            </a:endParaRPr>
           </a:p>
           <a:p>
             <a:pPr lvl="1"/>
@@ -3997,26 +5167,37 @@
                 <a:latin typeface="Times New Roman" pitchFamily="18" charset="0"/>
                 <a:cs typeface="Times New Roman" pitchFamily="18" charset="0"/>
               </a:rPr>
-              <a:t>Masinile gazda </a:t>
-            </a:r>
+              <a:t>Masinile gazda si tinta</a:t>
+            </a:r>
+          </a:p>
+          <a:p>
+            <a:pPr lvl="1"/>
             <a:r>
               <a:rPr lang="ro-RO" noProof="1" smtClean="0">
                 <a:latin typeface="Times New Roman" pitchFamily="18" charset="0"/>
                 <a:cs typeface="Times New Roman" pitchFamily="18" charset="0"/>
               </a:rPr>
-              <a:t>si </a:t>
-            </a:r>
+              <a:t>Compilatoare de trecere</a:t>
+            </a:r>
+          </a:p>
+          <a:p>
+            <a:pPr lvl="1"/>
             <a:r>
               <a:rPr lang="ro-RO" noProof="1" smtClean="0">
                 <a:latin typeface="Times New Roman" pitchFamily="18" charset="0"/>
                 <a:cs typeface="Times New Roman" pitchFamily="18" charset="0"/>
               </a:rPr>
-              <a:t>tinta</a:t>
-            </a:r>
-            <a:endParaRPr lang="ro-RO" noProof="1" smtClean="0">
-              <a:latin typeface="Times New Roman" pitchFamily="18" charset="0"/>
-              <a:cs typeface="Times New Roman" pitchFamily="18" charset="0"/>
-            </a:endParaRPr>
+              <a:t>Introducerea softwareului integrat in sistemul tinta</a:t>
+            </a:r>
+          </a:p>
+          <a:p>
+            <a:r>
+              <a:rPr lang="ro-RO" b="1" noProof="1" smtClean="0">
+                <a:latin typeface="Times New Roman" pitchFamily="18" charset="0"/>
+                <a:cs typeface="Times New Roman" pitchFamily="18" charset="0"/>
+              </a:rPr>
+              <a:t>Arhitecturi software pentru sisteme embedded</a:t>
+            </a:r>
           </a:p>
           <a:p>
             <a:pPr lvl="1"/>
@@ -4025,19 +5206,18 @@
                 <a:latin typeface="Times New Roman" pitchFamily="18" charset="0"/>
                 <a:cs typeface="Times New Roman" pitchFamily="18" charset="0"/>
               </a:rPr>
-              <a:t>Compilatoare de </a:t>
-            </a:r>
+              <a:t>Round-Robin	</a:t>
+            </a:r>
+          </a:p>
+          <a:p>
+            <a:pPr lvl="1"/>
             <a:r>
               <a:rPr lang="ro-RO" noProof="1" smtClean="0">
                 <a:latin typeface="Times New Roman" pitchFamily="18" charset="0"/>
                 <a:cs typeface="Times New Roman" pitchFamily="18" charset="0"/>
               </a:rPr>
-              <a:t>trecere</a:t>
-            </a:r>
-            <a:endParaRPr lang="ro-RO" noProof="1" smtClean="0">
-              <a:latin typeface="Times New Roman" pitchFamily="18" charset="0"/>
-              <a:cs typeface="Times New Roman" pitchFamily="18" charset="0"/>
-            </a:endParaRPr>
+              <a:t>Round-Robin cu intreruperi	</a:t>
+            </a:r>
           </a:p>
           <a:p>
             <a:pPr lvl="1"/>
@@ -4046,192 +5226,66 @@
                 <a:latin typeface="Times New Roman" pitchFamily="18" charset="0"/>
                 <a:cs typeface="Times New Roman" pitchFamily="18" charset="0"/>
               </a:rPr>
-              <a:t>Introducerea softwareului integrat in sistemul </a:t>
-            </a:r>
+              <a:t>Function Queue Scheduling</a:t>
+            </a:r>
+          </a:p>
+          <a:p>
+            <a:pPr lvl="1"/>
             <a:r>
               <a:rPr lang="ro-RO" noProof="1" smtClean="0">
                 <a:latin typeface="Times New Roman" pitchFamily="18" charset="0"/>
                 <a:cs typeface="Times New Roman" pitchFamily="18" charset="0"/>
               </a:rPr>
-              <a:t>tinta</a:t>
-            </a:r>
-            <a:endParaRPr lang="ro-RO" noProof="1" smtClean="0">
-              <a:latin typeface="Times New Roman" pitchFamily="18" charset="0"/>
-              <a:cs typeface="Times New Roman" pitchFamily="18" charset="0"/>
-            </a:endParaRPr>
-          </a:p>
+              <a:t>Sisteme de operare in timp real (RTOS)	</a:t>
+            </a:r>
+          </a:p>
+          <a:p>
+            <a:r>
+              <a:rPr lang="en-US" b="1" noProof="1" smtClean="0">
+                <a:latin typeface="Times New Roman" pitchFamily="18" charset="0"/>
+                <a:cs typeface="Times New Roman" pitchFamily="18" charset="0"/>
+              </a:rPr>
+              <a:t>Problema partajarii datelor</a:t>
+            </a:r>
+          </a:p>
+          <a:p>
+            <a:r>
+              <a:rPr lang="en-US" b="1" noProof="1" smtClean="0">
+                <a:latin typeface="Times New Roman" pitchFamily="18" charset="0"/>
+                <a:cs typeface="Times New Roman" pitchFamily="18" charset="0"/>
+              </a:rPr>
+              <a:t>Exemple de sisteme embedded</a:t>
+            </a:r>
+            <a:endParaRPr lang="ro-RO" b="1" noProof="1">
+              <a:latin typeface="Times New Roman" pitchFamily="18" charset="0"/>
+              <a:cs typeface="Times New Roman" pitchFamily="18" charset="0"/>
+            </a:endParaRPr>
+          </a:p>
+        </p:txBody>
+      </p:sp>
+      <p:sp>
+        <p:nvSpPr>
+          <p:cNvPr id="3" name="Title 2"/>
+          <p:cNvSpPr>
+            <a:spLocks noGrp="1"/>
+          </p:cNvSpPr>
+          <p:nvPr>
+            <p:ph type="title"/>
+          </p:nvPr>
+        </p:nvSpPr>
+        <p:spPr/>
+        <p:txBody>
+          <a:bodyPr/>
+          <a:lstStyle/>
           <a:p>
             <a:r>
               <a:rPr lang="ro-RO" b="1" noProof="1" smtClean="0">
                 <a:latin typeface="Times New Roman" pitchFamily="18" charset="0"/>
                 <a:cs typeface="Times New Roman" pitchFamily="18" charset="0"/>
               </a:rPr>
-              <a:t>Arhitecturi software pentru sisteme </a:t>
-            </a:r>
-            <a:r>
-              <a:rPr lang="ro-RO" b="1" noProof="1" smtClean="0">
-                <a:latin typeface="Times New Roman" pitchFamily="18" charset="0"/>
-                <a:cs typeface="Times New Roman" pitchFamily="18" charset="0"/>
-              </a:rPr>
-              <a:t>embedded</a:t>
-            </a:r>
-            <a:endParaRPr lang="ro-RO" b="1" noProof="1" smtClean="0">
-              <a:latin typeface="Times New Roman" pitchFamily="18" charset="0"/>
-              <a:cs typeface="Times New Roman" pitchFamily="18" charset="0"/>
-            </a:endParaRPr>
-          </a:p>
-          <a:p>
-            <a:pPr lvl="1"/>
-            <a:r>
-              <a:rPr lang="ro-RO" noProof="1" smtClean="0">
-                <a:latin typeface="Times New Roman" pitchFamily="18" charset="0"/>
-                <a:cs typeface="Times New Roman" pitchFamily="18" charset="0"/>
-              </a:rPr>
-              <a:t>Round-Robin</a:t>
-            </a:r>
-            <a:r>
-              <a:rPr lang="ro-RO" noProof="1" smtClean="0">
-                <a:latin typeface="Times New Roman" pitchFamily="18" charset="0"/>
-                <a:cs typeface="Times New Roman" pitchFamily="18" charset="0"/>
-              </a:rPr>
-              <a:t>	</a:t>
-            </a:r>
-            <a:endParaRPr lang="ro-RO" noProof="1" smtClean="0">
-              <a:latin typeface="Times New Roman" pitchFamily="18" charset="0"/>
-              <a:cs typeface="Times New Roman" pitchFamily="18" charset="0"/>
-            </a:endParaRPr>
-          </a:p>
-          <a:p>
-            <a:pPr lvl="1"/>
-            <a:r>
-              <a:rPr lang="ro-RO" noProof="1" smtClean="0">
-                <a:latin typeface="Times New Roman" pitchFamily="18" charset="0"/>
-                <a:cs typeface="Times New Roman" pitchFamily="18" charset="0"/>
-              </a:rPr>
-              <a:t>Round-Robin cu </a:t>
-            </a:r>
-            <a:r>
-              <a:rPr lang="ro-RO" noProof="1" smtClean="0">
-                <a:latin typeface="Times New Roman" pitchFamily="18" charset="0"/>
-                <a:cs typeface="Times New Roman" pitchFamily="18" charset="0"/>
-              </a:rPr>
-              <a:t>intreruperi</a:t>
-            </a:r>
-            <a:r>
-              <a:rPr lang="ro-RO" noProof="1" smtClean="0">
-                <a:latin typeface="Times New Roman" pitchFamily="18" charset="0"/>
-                <a:cs typeface="Times New Roman" pitchFamily="18" charset="0"/>
-              </a:rPr>
-              <a:t>	</a:t>
-            </a:r>
-            <a:endParaRPr lang="ro-RO" noProof="1" smtClean="0">
-              <a:latin typeface="Times New Roman" pitchFamily="18" charset="0"/>
-              <a:cs typeface="Times New Roman" pitchFamily="18" charset="0"/>
-            </a:endParaRPr>
-          </a:p>
-          <a:p>
-            <a:pPr lvl="1"/>
-            <a:r>
-              <a:rPr lang="ro-RO" noProof="1" smtClean="0">
-                <a:latin typeface="Times New Roman" pitchFamily="18" charset="0"/>
-                <a:cs typeface="Times New Roman" pitchFamily="18" charset="0"/>
-              </a:rPr>
-              <a:t>Function Queue </a:t>
-            </a:r>
-            <a:r>
-              <a:rPr lang="ro-RO" noProof="1" smtClean="0">
-                <a:latin typeface="Times New Roman" pitchFamily="18" charset="0"/>
-                <a:cs typeface="Times New Roman" pitchFamily="18" charset="0"/>
-              </a:rPr>
-              <a:t>Scheduling</a:t>
-            </a:r>
-            <a:endParaRPr lang="ro-RO" noProof="1" smtClean="0">
-              <a:latin typeface="Times New Roman" pitchFamily="18" charset="0"/>
-              <a:cs typeface="Times New Roman" pitchFamily="18" charset="0"/>
-            </a:endParaRPr>
-          </a:p>
-          <a:p>
-            <a:pPr lvl="1"/>
-            <a:r>
-              <a:rPr lang="ro-RO" noProof="1" smtClean="0">
-                <a:latin typeface="Times New Roman" pitchFamily="18" charset="0"/>
-                <a:cs typeface="Times New Roman" pitchFamily="18" charset="0"/>
-              </a:rPr>
-              <a:t>Sisteme de operare in timp real </a:t>
-            </a:r>
-            <a:r>
-              <a:rPr lang="ro-RO" noProof="1" smtClean="0">
-                <a:latin typeface="Times New Roman" pitchFamily="18" charset="0"/>
-                <a:cs typeface="Times New Roman" pitchFamily="18" charset="0"/>
-              </a:rPr>
-              <a:t>(RTOS)</a:t>
-            </a:r>
-            <a:r>
-              <a:rPr lang="ro-RO" noProof="1" smtClean="0">
-                <a:latin typeface="Times New Roman" pitchFamily="18" charset="0"/>
-                <a:cs typeface="Times New Roman" pitchFamily="18" charset="0"/>
-              </a:rPr>
-              <a:t>	</a:t>
-            </a:r>
-            <a:endParaRPr lang="ro-RO" noProof="1" smtClean="0">
-              <a:latin typeface="Times New Roman" pitchFamily="18" charset="0"/>
-              <a:cs typeface="Times New Roman" pitchFamily="18" charset="0"/>
-            </a:endParaRPr>
-          </a:p>
-          <a:p>
-            <a:r>
-              <a:rPr lang="en-US" b="1" noProof="1" smtClean="0">
-                <a:latin typeface="Times New Roman" pitchFamily="18" charset="0"/>
-                <a:cs typeface="Times New Roman" pitchFamily="18" charset="0"/>
-              </a:rPr>
-              <a:t>Problema partajarii datelor</a:t>
-            </a:r>
-          </a:p>
-          <a:p>
-            <a:r>
-              <a:rPr lang="en-US" b="1" noProof="1" smtClean="0">
-                <a:latin typeface="Times New Roman" pitchFamily="18" charset="0"/>
-                <a:cs typeface="Times New Roman" pitchFamily="18" charset="0"/>
-              </a:rPr>
-              <a:t>Exemple de sisteme embedded</a:t>
+              <a:t>Software pentru sisteme embedded (2)</a:t>
             </a:r>
             <a:endParaRPr lang="ro-RO" b="1" noProof="1">
-              <a:latin typeface="Times New Roman" pitchFamily="18" charset="0"/>
-              <a:cs typeface="Times New Roman" pitchFamily="18" charset="0"/>
-            </a:endParaRPr>
-          </a:p>
-        </p:txBody>
-      </p:sp>
-      <p:sp>
-        <p:nvSpPr>
-          <p:cNvPr id="3" name="Title 2"/>
-          <p:cNvSpPr>
-            <a:spLocks noGrp="1"/>
-          </p:cNvSpPr>
-          <p:nvPr>
-            <p:ph type="title"/>
-          </p:nvPr>
-        </p:nvSpPr>
-        <p:spPr/>
-        <p:txBody>
-          <a:bodyPr/>
-          <a:lstStyle/>
-          <a:p>
-            <a:r>
-              <a:rPr lang="ro-RO" noProof="1" smtClean="0">
-                <a:latin typeface="Times New Roman" pitchFamily="18" charset="0"/>
-                <a:cs typeface="Times New Roman" pitchFamily="18" charset="0"/>
-              </a:rPr>
-              <a:t>Software pentru sisteme embedded </a:t>
-            </a:r>
-            <a:r>
-              <a:rPr lang="ro-RO" noProof="1" smtClean="0">
-                <a:latin typeface="Times New Roman" pitchFamily="18" charset="0"/>
-                <a:cs typeface="Times New Roman" pitchFamily="18" charset="0"/>
-              </a:rPr>
-              <a:t>(2)</a:t>
-            </a:r>
-            <a:endParaRPr lang="ro-RO" noProof="1">
               <a:latin typeface="Times New Roman" pitchFamily="18" charset="0"/>
               <a:cs typeface="Times New Roman" pitchFamily="18" charset="0"/>
             </a:endParaRPr>
@@ -4440,204 +5494,165 @@
           <a:lstStyle/>
           <a:p>
             <a:r>
+              <a:rPr lang="ro-RO" b="1" noProof="1" smtClean="0">
+                <a:latin typeface="Times New Roman" pitchFamily="18" charset="0"/>
+                <a:cs typeface="Times New Roman" pitchFamily="18" charset="0"/>
+              </a:rPr>
+              <a:t>Programarea orientată pe obiecte </a:t>
+            </a:r>
+            <a:r>
               <a:rPr lang="ro-RO" noProof="1" smtClean="0">
                 <a:latin typeface="Times New Roman" pitchFamily="18" charset="0"/>
                 <a:cs typeface="Times New Roman" pitchFamily="18" charset="0"/>
               </a:rPr>
-              <a:t>Programarea orientată pe obiecte (POO, uneori </a:t>
+              <a:t>(POO, uneori </a:t>
             </a:r>
             <a:r>
               <a:rPr lang="ro-RO" noProof="1" smtClean="0">
                 <a:latin typeface="Times New Roman" pitchFamily="18" charset="0"/>
                 <a:cs typeface="Times New Roman" pitchFamily="18" charset="0"/>
               </a:rPr>
-              <a:t>şi </a:t>
-            </a:r>
+              <a:t>şi Programarea orientată obiect) </a:t>
+            </a:r>
+            <a:r>
+              <a:rPr lang="ro-RO" noProof="1" smtClean="0">
+                <a:latin typeface="Times New Roman" pitchFamily="18" charset="0"/>
+                <a:cs typeface="Times New Roman" pitchFamily="18" charset="0"/>
+              </a:rPr>
+              <a:t>este o paradigma de programare. Termenul </a:t>
+            </a:r>
+            <a:r>
+              <a:rPr lang="ro-RO" noProof="1" smtClean="0">
+                <a:latin typeface="Times New Roman" pitchFamily="18" charset="0"/>
+                <a:cs typeface="Times New Roman" pitchFamily="18" charset="0"/>
+              </a:rPr>
+              <a:t>englez </a:t>
+            </a:r>
+            <a:r>
+              <a:rPr lang="ro-RO" noProof="1" smtClean="0">
+                <a:latin typeface="Times New Roman" pitchFamily="18" charset="0"/>
+                <a:cs typeface="Times New Roman" pitchFamily="18" charset="0"/>
+              </a:rPr>
+              <a:t>corespunzător este </a:t>
+            </a:r>
+            <a:r>
+              <a:rPr lang="ro-RO" i="1" noProof="1" smtClean="0">
+                <a:latin typeface="Times New Roman" pitchFamily="18" charset="0"/>
+                <a:cs typeface="Times New Roman" pitchFamily="18" charset="0"/>
+              </a:rPr>
+              <a:t>Object Oriented Programming (OOP)</a:t>
+            </a:r>
+            <a:r>
+              <a:rPr lang="ro-RO" noProof="1" smtClean="0">
+                <a:latin typeface="Times New Roman" pitchFamily="18" charset="0"/>
+                <a:cs typeface="Times New Roman" pitchFamily="18" charset="0"/>
+              </a:rPr>
+              <a:t>.</a:t>
+            </a:r>
+          </a:p>
+          <a:p>
+            <a:r>
+              <a:rPr lang="en-US" b="1" noProof="1" smtClean="0">
+                <a:latin typeface="Times New Roman" pitchFamily="18" charset="0"/>
+                <a:cs typeface="Times New Roman" pitchFamily="18" charset="0"/>
+              </a:rPr>
+              <a:t>Clase si obiecte</a:t>
+            </a:r>
+          </a:p>
+          <a:p>
+            <a:r>
+              <a:rPr lang="en-US" b="1" noProof="1" smtClean="0">
+                <a:latin typeface="Times New Roman" pitchFamily="18" charset="0"/>
+                <a:cs typeface="Times New Roman" pitchFamily="18" charset="0"/>
+              </a:rPr>
+              <a:t>Comunicarea intre obiecte</a:t>
+            </a:r>
+          </a:p>
+          <a:p>
+            <a:r>
+              <a:rPr lang="en-US" b="1" noProof="1" smtClean="0">
+                <a:latin typeface="Times New Roman" pitchFamily="18" charset="0"/>
+                <a:cs typeface="Times New Roman" pitchFamily="18" charset="0"/>
+              </a:rPr>
+              <a:t>Comportarea claselor</a:t>
+            </a:r>
+          </a:p>
+          <a:p>
+            <a:r>
+              <a:rPr lang="en-US" b="1" noProof="1" smtClean="0">
+                <a:latin typeface="Times New Roman" pitchFamily="18" charset="0"/>
+                <a:cs typeface="Times New Roman" pitchFamily="18" charset="0"/>
+              </a:rPr>
+              <a:t>Principii de baza</a:t>
+            </a:r>
+          </a:p>
+          <a:p>
+            <a:pPr lvl="1"/>
+            <a:r>
+              <a:rPr lang="en-US" noProof="1" smtClean="0">
+                <a:latin typeface="Times New Roman" pitchFamily="18" charset="0"/>
+                <a:cs typeface="Times New Roman" pitchFamily="18" charset="0"/>
+              </a:rPr>
+              <a:t>Abstractizarea</a:t>
+            </a:r>
+          </a:p>
+          <a:p>
+            <a:pPr lvl="1"/>
+            <a:r>
+              <a:rPr lang="en-US" noProof="1" smtClean="0">
+                <a:latin typeface="Times New Roman" pitchFamily="18" charset="0"/>
+                <a:cs typeface="Times New Roman" pitchFamily="18" charset="0"/>
+              </a:rPr>
+              <a:t>Incapsularea</a:t>
+            </a:r>
+          </a:p>
+          <a:p>
+            <a:pPr lvl="1"/>
+            <a:r>
+              <a:rPr lang="en-US" noProof="1" smtClean="0">
+                <a:latin typeface="Times New Roman" pitchFamily="18" charset="0"/>
+                <a:cs typeface="Times New Roman" pitchFamily="18" charset="0"/>
+              </a:rPr>
+              <a:t>Polimorfismul</a:t>
+            </a:r>
+          </a:p>
+          <a:p>
+            <a:pPr lvl="1"/>
+            <a:r>
+              <a:rPr lang="en-US" noProof="1" smtClean="0">
+                <a:latin typeface="Times New Roman" pitchFamily="18" charset="0"/>
+                <a:cs typeface="Times New Roman" pitchFamily="18" charset="0"/>
+              </a:rPr>
+              <a:t>Mostenirea</a:t>
+            </a:r>
+            <a:endParaRPr lang="ro-RO" noProof="1">
+              <a:latin typeface="Times New Roman" pitchFamily="18" charset="0"/>
+              <a:cs typeface="Times New Roman" pitchFamily="18" charset="0"/>
+            </a:endParaRPr>
+          </a:p>
+        </p:txBody>
+      </p:sp>
+      <p:sp>
+        <p:nvSpPr>
+          <p:cNvPr id="3" name="Title 2"/>
+          <p:cNvSpPr>
+            <a:spLocks noGrp="1"/>
+          </p:cNvSpPr>
+          <p:nvPr>
+            <p:ph type="title"/>
+          </p:nvPr>
+        </p:nvSpPr>
+        <p:spPr/>
+        <p:txBody>
+          <a:bodyPr/>
+          <a:lstStyle/>
+          <a:p>
             <a:r>
               <a:rPr lang="ro-RO" b="1" noProof="1" smtClean="0">
                 <a:latin typeface="Times New Roman" pitchFamily="18" charset="0"/>
                 <a:cs typeface="Times New Roman" pitchFamily="18" charset="0"/>
               </a:rPr>
-              <a:t>Programarea orientată </a:t>
-            </a:r>
-            <a:r>
-              <a:rPr lang="ro-RO" b="1" noProof="1" smtClean="0">
-                <a:latin typeface="Times New Roman" pitchFamily="18" charset="0"/>
-                <a:cs typeface="Times New Roman" pitchFamily="18" charset="0"/>
-              </a:rPr>
-              <a:t>obiect</a:t>
-            </a:r>
-            <a:r>
-              <a:rPr lang="ro-RO" noProof="1" smtClean="0">
-                <a:latin typeface="Times New Roman" pitchFamily="18" charset="0"/>
-                <a:cs typeface="Times New Roman" pitchFamily="18" charset="0"/>
-              </a:rPr>
-              <a:t>) </a:t>
-            </a:r>
-            <a:r>
-              <a:rPr lang="ro-RO" noProof="1" smtClean="0">
-                <a:latin typeface="Times New Roman" pitchFamily="18" charset="0"/>
-                <a:cs typeface="Times New Roman" pitchFamily="18" charset="0"/>
-              </a:rPr>
-              <a:t>este o paradigma de </a:t>
-            </a:r>
-            <a:r>
-              <a:rPr lang="ro-RO" noProof="1" smtClean="0">
-                <a:latin typeface="Times New Roman" pitchFamily="18" charset="0"/>
-                <a:cs typeface="Times New Roman" pitchFamily="18" charset="0"/>
-              </a:rPr>
-              <a:t>programare</a:t>
-            </a:r>
-            <a:r>
-              <a:rPr lang="ro-RO" noProof="1" smtClean="0">
-                <a:latin typeface="Times New Roman" pitchFamily="18" charset="0"/>
-                <a:cs typeface="Times New Roman" pitchFamily="18" charset="0"/>
-              </a:rPr>
-              <a:t>. Termenul englez corespunzător este </a:t>
-            </a:r>
-            <a:r>
-              <a:rPr lang="ro-RO" i="1" noProof="1" smtClean="0">
-                <a:latin typeface="Times New Roman" pitchFamily="18" charset="0"/>
-                <a:cs typeface="Times New Roman" pitchFamily="18" charset="0"/>
-              </a:rPr>
-              <a:t>Object Oriented Programming </a:t>
-            </a:r>
-            <a:r>
-              <a:rPr lang="ro-RO" i="1" noProof="1" smtClean="0">
-                <a:latin typeface="Times New Roman" pitchFamily="18" charset="0"/>
-                <a:cs typeface="Times New Roman" pitchFamily="18" charset="0"/>
-              </a:rPr>
-              <a:t>(OOP)</a:t>
-            </a:r>
-            <a:r>
-              <a:rPr lang="ro-RO" noProof="1" smtClean="0">
-                <a:latin typeface="Times New Roman" pitchFamily="18" charset="0"/>
-                <a:cs typeface="Times New Roman" pitchFamily="18" charset="0"/>
-              </a:rPr>
-              <a:t>.</a:t>
-            </a:r>
-            <a:endParaRPr lang="ro-RO" noProof="1" smtClean="0">
-              <a:latin typeface="Times New Roman" pitchFamily="18" charset="0"/>
-              <a:cs typeface="Times New Roman" pitchFamily="18" charset="0"/>
-            </a:endParaRPr>
-          </a:p>
-          <a:p>
-            <a:r>
-              <a:rPr lang="en-US" b="1" noProof="1" smtClean="0">
-                <a:latin typeface="Times New Roman" pitchFamily="18" charset="0"/>
-                <a:cs typeface="Times New Roman" pitchFamily="18" charset="0"/>
-              </a:rPr>
-              <a:t>Clase si obiecte</a:t>
-            </a:r>
-          </a:p>
-          <a:p>
-            <a:r>
-              <a:rPr lang="en-US" b="1" noProof="1" smtClean="0">
-                <a:latin typeface="Times New Roman" pitchFamily="18" charset="0"/>
-                <a:cs typeface="Times New Roman" pitchFamily="18" charset="0"/>
-              </a:rPr>
-              <a:t>Comunicarea intre obiecte</a:t>
-            </a:r>
-          </a:p>
-          <a:p>
-            <a:r>
-              <a:rPr lang="en-US" b="1" noProof="1" smtClean="0">
-                <a:latin typeface="Times New Roman" pitchFamily="18" charset="0"/>
-                <a:cs typeface="Times New Roman" pitchFamily="18" charset="0"/>
-              </a:rPr>
-              <a:t>Comportarea claselor</a:t>
-            </a:r>
-          </a:p>
-          <a:p>
-            <a:r>
-              <a:rPr lang="en-US" b="1" noProof="1" smtClean="0">
-                <a:latin typeface="Times New Roman" pitchFamily="18" charset="0"/>
-                <a:cs typeface="Times New Roman" pitchFamily="18" charset="0"/>
-              </a:rPr>
-              <a:t>Principii de baza</a:t>
-            </a:r>
-          </a:p>
-          <a:p>
-            <a:pPr lvl="1"/>
-            <a:r>
-              <a:rPr lang="en-US" noProof="1" smtClean="0">
-                <a:latin typeface="Times New Roman" pitchFamily="18" charset="0"/>
-                <a:cs typeface="Times New Roman" pitchFamily="18" charset="0"/>
-              </a:rPr>
-              <a:t>Abstractizarea</a:t>
-            </a:r>
-          </a:p>
-          <a:p>
-            <a:pPr lvl="1"/>
-            <a:r>
-              <a:rPr lang="en-US" noProof="1" smtClean="0">
-                <a:latin typeface="Times New Roman" pitchFamily="18" charset="0"/>
-                <a:cs typeface="Times New Roman" pitchFamily="18" charset="0"/>
-              </a:rPr>
-              <a:t>Incapsularea</a:t>
-            </a:r>
-          </a:p>
-          <a:p>
-            <a:pPr lvl="1"/>
-            <a:r>
-              <a:rPr lang="en-US" noProof="1" smtClean="0">
-                <a:latin typeface="Times New Roman" pitchFamily="18" charset="0"/>
-                <a:cs typeface="Times New Roman" pitchFamily="18" charset="0"/>
-              </a:rPr>
-              <a:t>Polimorfismul</a:t>
-            </a:r>
-          </a:p>
-          <a:p>
-            <a:pPr lvl="1"/>
-            <a:r>
-              <a:rPr lang="en-US" noProof="1" smtClean="0">
-                <a:latin typeface="Times New Roman" pitchFamily="18" charset="0"/>
-                <a:cs typeface="Times New Roman" pitchFamily="18" charset="0"/>
-              </a:rPr>
-              <a:t>Mostenirea</a:t>
-            </a:r>
-            <a:endParaRPr lang="ro-RO" noProof="1">
-              <a:latin typeface="Times New Roman" pitchFamily="18" charset="0"/>
-              <a:cs typeface="Times New Roman" pitchFamily="18" charset="0"/>
-            </a:endParaRPr>
-          </a:p>
-        </p:txBody>
-      </p:sp>
-      <p:sp>
-        <p:nvSpPr>
-          <p:cNvPr id="3" name="Title 2"/>
-          <p:cNvSpPr>
-            <a:spLocks noGrp="1"/>
-          </p:cNvSpPr>
-          <p:nvPr>
-            <p:ph type="title"/>
-          </p:nvPr>
-        </p:nvSpPr>
-        <p:spPr/>
-        <p:txBody>
-          <a:bodyPr/>
-          <a:lstStyle/>
-          <a:p>
-            <a:r>
-              <a:rPr lang="ro-RO" b="1" noProof="1" smtClean="0">
-                <a:latin typeface="Times New Roman" pitchFamily="18" charset="0"/>
-                <a:cs typeface="Times New Roman" pitchFamily="18" charset="0"/>
-              </a:rPr>
-              <a:t>Programarea</a:t>
-            </a:r>
-            <a:r>
-              <a:rPr lang="ro-RO" b="1" noProof="1" smtClean="0">
-                <a:latin typeface="Times New Roman" pitchFamily="18" charset="0"/>
-                <a:cs typeface="Times New Roman" pitchFamily="18" charset="0"/>
-              </a:rPr>
-              <a:t> orientata pe </a:t>
-            </a:r>
-            <a:r>
-              <a:rPr lang="ro-RO" b="1" noProof="1" smtClean="0">
-                <a:latin typeface="Times New Roman" pitchFamily="18" charset="0"/>
-                <a:cs typeface="Times New Roman" pitchFamily="18" charset="0"/>
-              </a:rPr>
-              <a:t>obiecte</a:t>
+              <a:t>Programarea orientata pe obiecte</a:t>
             </a:r>
             <a:endParaRPr lang="ro-RO" b="1" noProof="1">
               <a:latin typeface="Times New Roman" pitchFamily="18" charset="0"/>
@@ -4701,21 +5716,7 @@
                 <a:latin typeface="Times New Roman" pitchFamily="18" charset="0"/>
                 <a:cs typeface="Times New Roman" pitchFamily="18" charset="0"/>
               </a:rPr>
-              <a:t>Modelul</a:t>
-            </a:r>
-            <a:r>
-              <a:rPr lang="ro-RO" b="1" noProof="1" smtClean="0">
-                <a:latin typeface="Times New Roman" pitchFamily="18" charset="0"/>
-                <a:cs typeface="Times New Roman" pitchFamily="18" charset="0"/>
-              </a:rPr>
-              <a:t> </a:t>
-            </a:r>
-            <a:r>
-              <a:rPr lang="ro-RO" b="1" noProof="1" smtClean="0">
-                <a:latin typeface="Times New Roman" pitchFamily="18" charset="0"/>
-                <a:cs typeface="Times New Roman" pitchFamily="18" charset="0"/>
-              </a:rPr>
-              <a:t>relational</a:t>
+              <a:t>Modelul relational</a:t>
             </a:r>
             <a:endParaRPr lang="en-US" b="1" noProof="1" smtClean="0">
               <a:latin typeface="Times New Roman" pitchFamily="18" charset="0"/>
@@ -4741,132 +5742,96 @@
                 <a:latin typeface="Times New Roman" pitchFamily="18" charset="0"/>
                 <a:cs typeface="Times New Roman" pitchFamily="18" charset="0"/>
               </a:rPr>
-              <a:t>	</a:t>
-            </a:r>
+              <a:t>	(Domeniul, Tabela,  Atributul, Cheia, Tuplul, Schema baxei de date, Schema tabelei)</a:t>
+            </a:r>
+          </a:p>
+          <a:p>
+            <a:r>
+              <a:rPr lang="en-US" b="1" noProof="1" smtClean="0">
+                <a:latin typeface="Times New Roman" pitchFamily="18" charset="0"/>
+                <a:cs typeface="Times New Roman" pitchFamily="18" charset="0"/>
+              </a:rPr>
+              <a:t>Algebra relationala</a:t>
+            </a:r>
+          </a:p>
+          <a:p>
+            <a:r>
+              <a:rPr lang="en-US" b="1" noProof="1" smtClean="0">
+                <a:latin typeface="Times New Roman" pitchFamily="18" charset="0"/>
+                <a:cs typeface="Times New Roman" pitchFamily="18" charset="0"/>
+              </a:rPr>
+              <a:t>Calculul relational</a:t>
+            </a:r>
+          </a:p>
+          <a:p>
+            <a:r>
+              <a:rPr lang="en-US" b="1" noProof="1" smtClean="0">
+                <a:latin typeface="Times New Roman" pitchFamily="18" charset="0"/>
+                <a:cs typeface="Times New Roman" pitchFamily="18" charset="0"/>
+              </a:rPr>
+              <a:t>Avantajele BDR</a:t>
+            </a:r>
+            <a:endParaRPr lang="ro-RO" b="1" noProof="1" smtClean="0">
+              <a:latin typeface="Times New Roman" pitchFamily="18" charset="0"/>
+              <a:cs typeface="Times New Roman" pitchFamily="18" charset="0"/>
+            </a:endParaRPr>
+          </a:p>
+          <a:p>
+            <a:r>
+              <a:rPr lang="ro-RO" b="1" noProof="1" smtClean="0">
+                <a:latin typeface="Times New Roman" pitchFamily="18" charset="0"/>
+                <a:cs typeface="Times New Roman" pitchFamily="18" charset="0"/>
+              </a:rPr>
+              <a:t>Apache Derby Network server</a:t>
+            </a:r>
+          </a:p>
+          <a:p>
+            <a:pPr lvl="1"/>
             <a:r>
               <a:rPr lang="en-US" noProof="1" smtClean="0">
                 <a:latin typeface="Times New Roman" pitchFamily="18" charset="0"/>
                 <a:cs typeface="Times New Roman" pitchFamily="18" charset="0"/>
               </a:rPr>
-              <a:t>(Domeniul, Tabela,  Atributul, Cheia, Tuplul, Schema baxei de date, Schema tabelei)</a:t>
-            </a:r>
-            <a:endParaRPr lang="en-US" noProof="1" smtClean="0">
-              <a:latin typeface="Times New Roman" pitchFamily="18" charset="0"/>
-              <a:cs typeface="Times New Roman" pitchFamily="18" charset="0"/>
-            </a:endParaRPr>
-          </a:p>
-          <a:p>
-            <a:r>
-              <a:rPr lang="en-US" b="1" noProof="1" smtClean="0">
-                <a:latin typeface="Times New Roman" pitchFamily="18" charset="0"/>
-                <a:cs typeface="Times New Roman" pitchFamily="18" charset="0"/>
-              </a:rPr>
-              <a:t>Algebra relationala</a:t>
-            </a:r>
-          </a:p>
-          <a:p>
-            <a:r>
-              <a:rPr lang="en-US" b="1" noProof="1" smtClean="0">
-                <a:latin typeface="Times New Roman" pitchFamily="18" charset="0"/>
-                <a:cs typeface="Times New Roman" pitchFamily="18" charset="0"/>
-              </a:rPr>
-              <a:t>Calculul relational</a:t>
-            </a:r>
-          </a:p>
-          <a:p>
-            <a:r>
-              <a:rPr lang="en-US" b="1" noProof="1" smtClean="0">
-                <a:latin typeface="Times New Roman" pitchFamily="18" charset="0"/>
-                <a:cs typeface="Times New Roman" pitchFamily="18" charset="0"/>
-              </a:rPr>
-              <a:t>Avantajele BDR</a:t>
-            </a:r>
-            <a:endParaRPr lang="ro-RO" b="1" noProof="1" smtClean="0">
-              <a:latin typeface="Times New Roman" pitchFamily="18" charset="0"/>
-              <a:cs typeface="Times New Roman" pitchFamily="18" charset="0"/>
-            </a:endParaRPr>
-          </a:p>
+              <a:t>Server de retea integrat</a:t>
+            </a:r>
+          </a:p>
+          <a:p>
+            <a:pPr lvl="1"/>
+            <a:r>
+              <a:rPr lang="en-US" noProof="1" smtClean="0">
+                <a:latin typeface="Times New Roman" pitchFamily="18" charset="0"/>
+                <a:cs typeface="Times New Roman" pitchFamily="18" charset="0"/>
+              </a:rPr>
+              <a:t>Comparatie cu alte baze de date integrate SQL</a:t>
+            </a:r>
+            <a:endParaRPr lang="ro-RO" noProof="1">
+              <a:latin typeface="Times New Roman" pitchFamily="18" charset="0"/>
+              <a:cs typeface="Times New Roman" pitchFamily="18" charset="0"/>
+            </a:endParaRPr>
+          </a:p>
+        </p:txBody>
+      </p:sp>
+      <p:sp>
+        <p:nvSpPr>
+          <p:cNvPr id="3" name="Title 2"/>
+          <p:cNvSpPr>
+            <a:spLocks noGrp="1"/>
+          </p:cNvSpPr>
+          <p:nvPr>
+            <p:ph type="title"/>
+          </p:nvPr>
+        </p:nvSpPr>
+        <p:spPr/>
+        <p:txBody>
+          <a:bodyPr/>
+          <a:lstStyle/>
           <a:p>
             <a:r>
               <a:rPr lang="ro-RO" b="1" noProof="1" smtClean="0">
                 <a:latin typeface="Times New Roman" pitchFamily="18" charset="0"/>
                 <a:cs typeface="Times New Roman" pitchFamily="18" charset="0"/>
               </a:rPr>
-              <a:t>Apache Derby Network </a:t>
-            </a:r>
-            <a:r>
-              <a:rPr lang="ro-RO" b="1" noProof="1" smtClean="0">
-                <a:latin typeface="Times New Roman" pitchFamily="18" charset="0"/>
-                <a:cs typeface="Times New Roman" pitchFamily="18" charset="0"/>
-              </a:rPr>
-              <a:t>server</a:t>
-            </a:r>
-            <a:endParaRPr lang="ro-RO" b="1" noProof="1" smtClean="0">
-              <a:latin typeface="Times New Roman" pitchFamily="18" charset="0"/>
-              <a:cs typeface="Times New Roman" pitchFamily="18" charset="0"/>
-            </a:endParaRPr>
-          </a:p>
-          <a:p>
-            <a:pPr lvl="1"/>
-            <a:r>
-              <a:rPr lang="en-US" noProof="1" smtClean="0">
-                <a:latin typeface="Times New Roman" pitchFamily="18" charset="0"/>
-                <a:cs typeface="Times New Roman" pitchFamily="18" charset="0"/>
-              </a:rPr>
-              <a:t>Server de retea integrat</a:t>
-            </a:r>
-          </a:p>
-          <a:p>
-            <a:pPr lvl="1"/>
-            <a:r>
-              <a:rPr lang="en-US" noProof="1" smtClean="0">
-                <a:latin typeface="Times New Roman" pitchFamily="18" charset="0"/>
-                <a:cs typeface="Times New Roman" pitchFamily="18" charset="0"/>
-              </a:rPr>
-              <a:t>Comparatie cu alte baze de date integrate SQL</a:t>
-            </a:r>
-            <a:endParaRPr lang="ro-RO" noProof="1">
-              <a:latin typeface="Times New Roman" pitchFamily="18" charset="0"/>
-              <a:cs typeface="Times New Roman" pitchFamily="18" charset="0"/>
-            </a:endParaRPr>
-          </a:p>
-        </p:txBody>
-      </p:sp>
-      <p:sp>
-        <p:nvSpPr>
-          <p:cNvPr id="3" name="Title 2"/>
-          <p:cNvSpPr>
-            <a:spLocks noGrp="1"/>
-          </p:cNvSpPr>
-          <p:nvPr>
-            <p:ph type="title"/>
-          </p:nvPr>
-        </p:nvSpPr>
-        <p:spPr/>
-        <p:txBody>
-          <a:bodyPr/>
-          <a:lstStyle/>
-          <a:p>
-            <a:r>
-              <a:rPr lang="ro-RO" b="1" noProof="1" smtClean="0">
-                <a:latin typeface="Times New Roman" pitchFamily="18" charset="0"/>
-                <a:cs typeface="Times New Roman" pitchFamily="18" charset="0"/>
-              </a:rPr>
-              <a:t>Baze</a:t>
-            </a:r>
-            <a:r>
-              <a:rPr lang="ro-RO" b="1" noProof="1" smtClean="0">
-                <a:latin typeface="Times New Roman" pitchFamily="18" charset="0"/>
-                <a:cs typeface="Times New Roman" pitchFamily="18" charset="0"/>
-              </a:rPr>
-              <a:t> de </a:t>
-            </a:r>
-            <a:r>
-              <a:rPr lang="ro-RO" b="1" noProof="1" smtClean="0">
-                <a:latin typeface="Times New Roman" pitchFamily="18" charset="0"/>
-                <a:cs typeface="Times New Roman" pitchFamily="18" charset="0"/>
-              </a:rPr>
-              <a:t>date</a:t>
+              <a:t>Baze de date</a:t>
             </a:r>
             <a:endParaRPr lang="ro-RO" b="1" noProof="1">
               <a:latin typeface="Times New Roman" pitchFamily="18" charset="0"/>
@@ -5002,26 +5967,8 @@
                 <a:latin typeface="Times New Roman" pitchFamily="18" charset="0"/>
                 <a:cs typeface="Times New Roman" pitchFamily="18" charset="0"/>
               </a:rPr>
-              <a:t>Dezvoltarea catre </a:t>
-            </a:r>
-            <a:r>
-              <a:rPr lang="en-US" sz="2600" noProof="1" smtClean="0">
-                <a:latin typeface="Times New Roman" pitchFamily="18" charset="0"/>
-                <a:cs typeface="Times New Roman" pitchFamily="18" charset="0"/>
-              </a:rPr>
-              <a:t>UML </a:t>
-            </a:r>
-            <a:r>
-              <a:rPr lang="en-US" sz="2600" noProof="1" smtClean="0">
-                <a:latin typeface="Times New Roman" pitchFamily="18" charset="0"/>
-                <a:cs typeface="Times New Roman" pitchFamily="18" charset="0"/>
-              </a:rPr>
-              <a:t>2.0</a:t>
-            </a:r>
-            <a:endParaRPr lang="en-US" sz="2600" noProof="1" smtClean="0">
-              <a:latin typeface="Times New Roman" pitchFamily="18" charset="0"/>
-              <a:cs typeface="Times New Roman" pitchFamily="18" charset="0"/>
-            </a:endParaRPr>
+              <a:t>Dezvoltarea catre UML 2.0</a:t>
+            </a:r>
           </a:p>
           <a:p>
             <a:r>
@@ -5029,21 +5976,7 @@
                 <a:latin typeface="Times New Roman" pitchFamily="18" charset="0"/>
                 <a:cs typeface="Times New Roman" pitchFamily="18" charset="0"/>
               </a:rPr>
-              <a:t>Metode de dezvoltare </a:t>
-            </a:r>
-            <a:r>
-              <a:rPr lang="en-US" b="1" noProof="1" smtClean="0">
-                <a:latin typeface="Times New Roman" pitchFamily="18" charset="0"/>
-                <a:cs typeface="Times New Roman" pitchFamily="18" charset="0"/>
-              </a:rPr>
-              <a:t>pentru </a:t>
-            </a:r>
-            <a:r>
-              <a:rPr lang="en-US" b="1" noProof="1" smtClean="0">
-                <a:latin typeface="Times New Roman" pitchFamily="18" charset="0"/>
-                <a:cs typeface="Times New Roman" pitchFamily="18" charset="0"/>
-              </a:rPr>
-              <a:t>software</a:t>
+              <a:t>Metode de dezvoltare pentru software</a:t>
             </a:r>
           </a:p>
           <a:p>
@@ -5202,15 +6135,7 @@
           <a:p>
             <a:r>
               <a:rPr lang="ro-RO" b="1" noProof="1" smtClean="0"/>
-              <a:t>Privire</a:t>
-            </a:r>
-            <a:r>
-              <a:rPr lang="ro-RO" b="1" noProof="1" smtClean="0"/>
-              <a:t> de ansamblu a </a:t>
-            </a:r>
-            <a:r>
-              <a:rPr lang="ro-RO" b="1" noProof="1" smtClean="0"/>
-              <a:t>diagramelor</a:t>
+              <a:t>Privire de ansamblu a diagramelor</a:t>
             </a:r>
             <a:endParaRPr lang="ro-RO" b="1" noProof="1"/>
           </a:p>

--- a/Office documents/Prezentare Completa.pptx
+++ b/Office documents/Prezentare Completa.pptx
@@ -18,13 +18,13 @@
     <p:sldId id="276" r:id="rId12"/>
     <p:sldId id="275" r:id="rId13"/>
     <p:sldId id="264" r:id="rId14"/>
-    <p:sldId id="283" r:id="rId15"/>
-    <p:sldId id="279" r:id="rId16"/>
-    <p:sldId id="280" r:id="rId17"/>
-    <p:sldId id="281" r:id="rId18"/>
-    <p:sldId id="282" r:id="rId19"/>
-    <p:sldId id="284" r:id="rId20"/>
-    <p:sldId id="285" r:id="rId21"/>
+    <p:sldId id="286" r:id="rId15"/>
+    <p:sldId id="287" r:id="rId16"/>
+    <p:sldId id="288" r:id="rId17"/>
+    <p:sldId id="289" r:id="rId18"/>
+    <p:sldId id="290" r:id="rId19"/>
+    <p:sldId id="291" r:id="rId20"/>
+    <p:sldId id="292" r:id="rId21"/>
   </p:sldIdLst>
   <p:sldSz cx="9144000" cy="6858000" type="screen4x3"/>
   <p:notesSz cx="6858000" cy="9144000"/>
@@ -377,7 +377,7 @@
             <a:fld id="{DC32BC8C-447D-48B7-85E7-C44104B6F7C5}" type="datetimeFigureOut">
               <a:rPr lang="en-US" smtClean="0"/>
               <a:pPr/>
-              <a:t>6/27/2010</a:t>
+              <a:t>7/5/2010</a:t>
             </a:fld>
             <a:endParaRPr lang="en-US"/>
           </a:p>
@@ -554,7 +554,7 @@
             <a:fld id="{DC32BC8C-447D-48B7-85E7-C44104B6F7C5}" type="datetimeFigureOut">
               <a:rPr lang="en-US" smtClean="0"/>
               <a:pPr/>
-              <a:t>6/27/2010</a:t>
+              <a:t>7/5/2010</a:t>
             </a:fld>
             <a:endParaRPr lang="en-US"/>
           </a:p>
@@ -680,7 +680,7 @@
             <a:fld id="{DC32BC8C-447D-48B7-85E7-C44104B6F7C5}" type="datetimeFigureOut">
               <a:rPr lang="en-US" smtClean="0"/>
               <a:pPr/>
-              <a:t>6/27/2010</a:t>
+              <a:t>7/5/2010</a:t>
             </a:fld>
             <a:endParaRPr lang="en-US"/>
           </a:p>
@@ -772,7 +772,7 @@
             <a:fld id="{DC32BC8C-447D-48B7-85E7-C44104B6F7C5}" type="datetimeFigureOut">
               <a:rPr lang="en-US" smtClean="0"/>
               <a:pPr/>
-              <a:t>6/27/2010</a:t>
+              <a:t>7/5/2010</a:t>
             </a:fld>
             <a:endParaRPr lang="en-US"/>
           </a:p>
@@ -1010,7 +1010,7 @@
             <a:fld id="{DC32BC8C-447D-48B7-85E7-C44104B6F7C5}" type="datetimeFigureOut">
               <a:rPr lang="en-US" smtClean="0"/>
               <a:pPr/>
-              <a:t>6/27/2010</a:t>
+              <a:t>7/5/2010</a:t>
             </a:fld>
             <a:endParaRPr lang="en-US"/>
           </a:p>
@@ -1187,7 +1187,7 @@
             <a:fld id="{DC32BC8C-447D-48B7-85E7-C44104B6F7C5}" type="datetimeFigureOut">
               <a:rPr lang="en-US" smtClean="0"/>
               <a:pPr/>
-              <a:t>6/27/2010</a:t>
+              <a:t>7/5/2010</a:t>
             </a:fld>
             <a:endParaRPr lang="en-US"/>
           </a:p>
@@ -1425,7 +1425,7 @@
             <a:fld id="{DC32BC8C-447D-48B7-85E7-C44104B6F7C5}" type="datetimeFigureOut">
               <a:rPr lang="en-US" smtClean="0"/>
               <a:pPr/>
-              <a:t>6/27/2010</a:t>
+              <a:t>7/5/2010</a:t>
             </a:fld>
             <a:endParaRPr lang="en-US"/>
           </a:p>
@@ -1698,7 +1698,7 @@
             <a:fld id="{DC32BC8C-447D-48B7-85E7-C44104B6F7C5}" type="datetimeFigureOut">
               <a:rPr lang="en-US" smtClean="0"/>
               <a:pPr/>
-              <a:t>6/27/2010</a:t>
+              <a:t>7/5/2010</a:t>
             </a:fld>
             <a:endParaRPr lang="en-US"/>
           </a:p>
@@ -1895,8 +1895,22 @@
 </file>
 
 <file path=ppt/slides/slide1.xml><?xml version="1.0" encoding="utf-8"?>
-<p:sld xmlns:a="http://schemas.openxmlformats.org/drawingml/2006/main" xmlns:r="http://schemas.openxmlformats.org/officeDocument/2006/relationships" xmlns:p="http://schemas.openxmlformats.org/presentationml/2006/main">
+<p:sld xmlns:a="http://schemas.openxmlformats.org/drawingml/2006/main" xmlns:r="http://schemas.openxmlformats.org/officeDocument/2006/relationships" xmlns:p="http://schemas.openxmlformats.org/presentationml/2006/main" showMasterSp="0">
   <p:cSld>
+    <p:bg>
+      <p:bgPr>
+        <a:blipFill dpi="0" rotWithShape="1">
+          <a:blip r:embed="rId2">
+            <a:lum/>
+          </a:blip>
+          <a:srcRect/>
+          <a:stretch>
+            <a:fillRect/>
+          </a:stretch>
+        </a:blipFill>
+        <a:effectLst/>
+      </p:bgPr>
+    </p:bg>
     <p:spTree>
       <p:nvGrpSpPr>
         <p:cNvPr id="1" name=""/>
@@ -1921,41 +1935,10 @@
             <p:ph type="subTitle" idx="1"/>
           </p:nvPr>
         </p:nvSpPr>
-        <p:spPr/>
-        <p:txBody>
-          <a:bodyPr/>
-          <a:lstStyle/>
-          <a:p>
-            <a:r>
-              <a:rPr lang="ro-RO" b="1" noProof="1" smtClean="0"/>
-              <a:t>Popescu</a:t>
-            </a:r>
-            <a:r>
-              <a:rPr lang="ro-RO" b="1" noProof="1" smtClean="0"/>
-              <a:t> </a:t>
-            </a:r>
-            <a:r>
-              <a:rPr lang="ro-RO" b="1" noProof="1" smtClean="0"/>
-              <a:t>Alexandru</a:t>
-            </a:r>
-            <a:endParaRPr lang="ro-RO" b="1" noProof="1"/>
-          </a:p>
-        </p:txBody>
-      </p:sp>
-      <p:sp>
-        <p:nvSpPr>
-          <p:cNvPr id="2" name="Title 1"/>
-          <p:cNvSpPr>
-            <a:spLocks noGrp="1"/>
-          </p:cNvSpPr>
-          <p:nvPr>
-            <p:ph type="ctrTitle"/>
-          </p:nvPr>
-        </p:nvSpPr>
         <p:spPr>
           <a:xfrm>
-            <a:off x="1066800" y="2438400"/>
-            <a:ext cx="7577814" cy="1470025"/>
+            <a:off x="0" y="4572000"/>
+            <a:ext cx="2612666" cy="772823"/>
           </a:xfrm>
         </p:spPr>
         <p:txBody>
@@ -1967,26 +1950,61 @@
             <a:pPr algn="ctr"/>
             <a:r>
               <a:rPr lang="ro-RO" b="1" noProof="1" smtClean="0">
-                <a:latin typeface="Times New Roman" pitchFamily="18" charset="0"/>
-                <a:cs typeface="Times New Roman" pitchFamily="18" charset="0"/>
-              </a:rPr>
-              <a:t>Sistem de simulare si testare automata a functionalitatilor unui computer </a:t>
-            </a:r>
+                <a:solidFill>
+                  <a:schemeClr val="bg1"/>
+                </a:solidFill>
+                <a:latin typeface="Times New Roman" pitchFamily="18" charset="0"/>
+                <a:cs typeface="Times New Roman" pitchFamily="18" charset="0"/>
+              </a:rPr>
+              <a:t>Popescu Alexandru</a:t>
+            </a:r>
+            <a:endParaRPr lang="ro-RO" b="1" noProof="1">
+              <a:solidFill>
+                <a:schemeClr val="bg1"/>
+              </a:solidFill>
+              <a:latin typeface="Times New Roman" pitchFamily="18" charset="0"/>
+              <a:cs typeface="Times New Roman" pitchFamily="18" charset="0"/>
+            </a:endParaRPr>
+          </a:p>
+        </p:txBody>
+      </p:sp>
+      <p:sp>
+        <p:nvSpPr>
+          <p:cNvPr id="2" name="Title 1"/>
+          <p:cNvSpPr>
+            <a:spLocks noGrp="1"/>
+          </p:cNvSpPr>
+          <p:nvPr>
+            <p:ph type="ctrTitle"/>
+          </p:nvPr>
+        </p:nvSpPr>
+        <p:spPr>
+          <a:xfrm>
+            <a:off x="990600" y="1676400"/>
+            <a:ext cx="7577814" cy="1470025"/>
+          </a:xfrm>
+        </p:spPr>
+        <p:txBody>
+          <a:bodyPr>
+            <a:noAutofit/>
+          </a:bodyPr>
+          <a:lstStyle/>
+          <a:p>
+            <a:pPr algn="ctr"/>
             <a:r>
               <a:rPr lang="ro-RO" b="1" noProof="1" smtClean="0">
-                <a:latin typeface="Times New Roman" pitchFamily="18" charset="0"/>
-                <a:cs typeface="Times New Roman" pitchFamily="18" charset="0"/>
-              </a:rPr>
-              <a:t>de </a:t>
-            </a:r>
-            <a:r>
-              <a:rPr lang="ro-RO" b="1" noProof="1" smtClean="0">
-                <a:latin typeface="Times New Roman" pitchFamily="18" charset="0"/>
-                <a:cs typeface="Times New Roman" pitchFamily="18" charset="0"/>
-              </a:rPr>
-              <a:t>bord</a:t>
+                <a:solidFill>
+                  <a:schemeClr val="bg1"/>
+                </a:solidFill>
+                <a:latin typeface="Times New Roman" pitchFamily="18" charset="0"/>
+                <a:cs typeface="Times New Roman" pitchFamily="18" charset="0"/>
+              </a:rPr>
+              <a:t>Sistem de simulare si testare automata a functionalitatilor unui computer de bord</a:t>
             </a:r>
             <a:endParaRPr lang="ro-RO" b="1" noProof="1">
+              <a:solidFill>
+                <a:schemeClr val="bg1"/>
+              </a:solidFill>
               <a:latin typeface="Times New Roman" pitchFamily="18" charset="0"/>
               <a:cs typeface="Times New Roman" pitchFamily="18" charset="0"/>
             </a:endParaRPr>
@@ -2012,8 +2030,22 @@
 </file>
 
 <file path=ppt/slides/slide10.xml><?xml version="1.0" encoding="utf-8"?>
-<p:sld xmlns:a="http://schemas.openxmlformats.org/drawingml/2006/main" xmlns:r="http://schemas.openxmlformats.org/officeDocument/2006/relationships" xmlns:p="http://schemas.openxmlformats.org/presentationml/2006/main">
+<p:sld xmlns:a="http://schemas.openxmlformats.org/drawingml/2006/main" xmlns:r="http://schemas.openxmlformats.org/officeDocument/2006/relationships" xmlns:p="http://schemas.openxmlformats.org/presentationml/2006/main" showMasterSp="0">
   <p:cSld>
+    <p:bg>
+      <p:bgPr>
+        <a:blipFill dpi="0" rotWithShape="1">
+          <a:blip r:embed="rId2">
+            <a:lum/>
+          </a:blip>
+          <a:srcRect/>
+          <a:stretch>
+            <a:fillRect/>
+          </a:stretch>
+        </a:blipFill>
+        <a:effectLst/>
+      </p:bgPr>
+    </p:bg>
     <p:spTree>
       <p:nvGrpSpPr>
         <p:cNvPr id="1" name=""/>
@@ -2038,7 +2070,12 @@
             <p:ph type="body" idx="1"/>
           </p:nvPr>
         </p:nvSpPr>
-        <p:spPr/>
+        <p:spPr>
+          <a:xfrm>
+            <a:off x="457200" y="2057400"/>
+            <a:ext cx="8229600" cy="4800600"/>
+          </a:xfrm>
+        </p:spPr>
         <p:txBody>
           <a:bodyPr/>
           <a:lstStyle/>
@@ -2130,7 +2167,7 @@
       </p:sp>
       <p:sp>
         <p:nvSpPr>
-          <p:cNvPr id="3" name="Title 2"/>
+          <p:cNvPr id="5" name="Title 2"/>
           <p:cNvSpPr>
             <a:spLocks noGrp="1"/>
           </p:cNvSpPr>
@@ -2138,19 +2175,33 @@
             <p:ph type="title"/>
           </p:nvPr>
         </p:nvSpPr>
-        <p:spPr/>
-        <p:txBody>
-          <a:bodyPr/>
-          <a:lstStyle/>
-          <a:p>
-            <a:r>
-              <a:rPr lang="ro-RO" b="1" noProof="1" smtClean="0">
+        <p:spPr>
+          <a:xfrm>
+            <a:off x="3124200" y="914400"/>
+            <a:ext cx="5562600" cy="740465"/>
+          </a:xfrm>
+        </p:spPr>
+        <p:txBody>
+          <a:bodyPr>
+            <a:normAutofit/>
+          </a:bodyPr>
+          <a:lstStyle/>
+          <a:p>
+            <a:pPr algn="ctr"/>
+            <a:r>
+              <a:rPr lang="ro-RO" sz="3200" b="1" noProof="1" smtClean="0">
+                <a:solidFill>
+                  <a:schemeClr val="bg1"/>
+                </a:solidFill>
                 <a:latin typeface="Times New Roman" pitchFamily="18" charset="0"/>
                 <a:cs typeface="Times New Roman" pitchFamily="18" charset="0"/>
               </a:rPr>
               <a:t>Platforma Netbeans</a:t>
             </a:r>
-            <a:endParaRPr lang="ro-RO" b="1" noProof="1">
+            <a:endParaRPr lang="ro-RO" sz="3200" b="1" noProof="1">
+              <a:solidFill>
+                <a:schemeClr val="bg1"/>
+              </a:solidFill>
               <a:latin typeface="Times New Roman" pitchFamily="18" charset="0"/>
               <a:cs typeface="Times New Roman" pitchFamily="18" charset="0"/>
             </a:endParaRPr>
@@ -2176,8 +2227,22 @@
 </file>
 
 <file path=ppt/slides/slide11.xml><?xml version="1.0" encoding="utf-8"?>
-<p:sld xmlns:a="http://schemas.openxmlformats.org/drawingml/2006/main" xmlns:r="http://schemas.openxmlformats.org/officeDocument/2006/relationships" xmlns:p="http://schemas.openxmlformats.org/presentationml/2006/main">
+<p:sld xmlns:a="http://schemas.openxmlformats.org/drawingml/2006/main" xmlns:r="http://schemas.openxmlformats.org/officeDocument/2006/relationships" xmlns:p="http://schemas.openxmlformats.org/presentationml/2006/main" showMasterSp="0">
   <p:cSld>
+    <p:bg>
+      <p:bgPr>
+        <a:blipFill dpi="0" rotWithShape="1">
+          <a:blip r:embed="rId2">
+            <a:lum/>
+          </a:blip>
+          <a:srcRect/>
+          <a:stretch>
+            <a:fillRect/>
+          </a:stretch>
+        </a:blipFill>
+        <a:effectLst/>
+      </p:bgPr>
+    </p:bg>
     <p:spTree>
       <p:nvGrpSpPr>
         <p:cNvPr id="1" name=""/>
@@ -2204,8 +2269,161 @@
         </p:nvSpPr>
         <p:spPr>
           <a:xfrm>
-            <a:off x="457200" y="1219200"/>
-            <a:ext cx="8229600" cy="5334000"/>
+            <a:off x="457200" y="1981200"/>
+            <a:ext cx="8229600" cy="4876800"/>
+          </a:xfrm>
+        </p:spPr>
+        <p:txBody>
+          <a:bodyPr>
+            <a:normAutofit lnSpcReduction="10000"/>
+          </a:bodyPr>
+          <a:lstStyle/>
+          <a:p>
+            <a:r>
+              <a:rPr lang="ro-RO" b="1" noProof="1" smtClean="0">
+                <a:latin typeface="Times New Roman" pitchFamily="18" charset="0"/>
+                <a:cs typeface="Times New Roman" pitchFamily="18" charset="0"/>
+              </a:rPr>
+              <a:t>Caracteristici ale platformei Netbeans</a:t>
+            </a:r>
+          </a:p>
+          <a:p>
+            <a:pPr lvl="1"/>
+            <a:r>
+              <a:rPr lang="ro-RO" sz="2200" noProof="1" smtClean="0">
+                <a:latin typeface="Times New Roman" pitchFamily="18" charset="0"/>
+                <a:cs typeface="Times New Roman" pitchFamily="18" charset="0"/>
+              </a:rPr>
+              <a:t>Infrastructura interfetei cu utilizatorul</a:t>
+            </a:r>
+          </a:p>
+          <a:p>
+            <a:pPr lvl="1"/>
+            <a:r>
+              <a:rPr lang="ro-RO" sz="2200" noProof="1" smtClean="0">
+                <a:latin typeface="Times New Roman" pitchFamily="18" charset="0"/>
+                <a:cs typeface="Times New Roman" pitchFamily="18" charset="0"/>
+              </a:rPr>
+              <a:t>Editorul de date</a:t>
+            </a:r>
+          </a:p>
+          <a:p>
+            <a:pPr lvl="1"/>
+            <a:r>
+              <a:rPr lang="ro-RO" sz="2200" noProof="1" smtClean="0">
+                <a:latin typeface="Times New Roman" pitchFamily="18" charset="0"/>
+                <a:cs typeface="Times New Roman" pitchFamily="18" charset="0"/>
+              </a:rPr>
+              <a:t>Afisajul particularizabil</a:t>
+            </a:r>
+          </a:p>
+          <a:p>
+            <a:pPr lvl="1"/>
+            <a:r>
+              <a:rPr lang="ro-RO" sz="2200" noProof="1" smtClean="0">
+                <a:latin typeface="Times New Roman" pitchFamily="18" charset="0"/>
+                <a:cs typeface="Times New Roman" pitchFamily="18" charset="0"/>
+              </a:rPr>
+              <a:t>Infratructura Wizard</a:t>
+            </a:r>
+          </a:p>
+          <a:p>
+            <a:pPr lvl="1"/>
+            <a:r>
+              <a:rPr lang="ro-RO" sz="2200" noProof="1" smtClean="0">
+                <a:latin typeface="Times New Roman" pitchFamily="18" charset="0"/>
+                <a:cs typeface="Times New Roman" pitchFamily="18" charset="0"/>
+              </a:rPr>
+              <a:t>Sisteme de date</a:t>
+            </a:r>
+          </a:p>
+          <a:p>
+            <a:pPr lvl="1"/>
+            <a:r>
+              <a:rPr lang="ro-RO" sz="2200" noProof="1" smtClean="0">
+                <a:latin typeface="Times New Roman" pitchFamily="18" charset="0"/>
+                <a:cs typeface="Times New Roman" pitchFamily="18" charset="0"/>
+              </a:rPr>
+              <a:t>Internationalizare</a:t>
+            </a:r>
+          </a:p>
+          <a:p>
+            <a:pPr lvl="1"/>
+            <a:r>
+              <a:rPr lang="ro-RO" sz="2200" noProof="1" smtClean="0">
+                <a:latin typeface="Times New Roman" pitchFamily="18" charset="0"/>
+                <a:cs typeface="Times New Roman" pitchFamily="18" charset="0"/>
+              </a:rPr>
+              <a:t>Sistem de ajutor</a:t>
+            </a:r>
+          </a:p>
+          <a:p>
+            <a:r>
+              <a:rPr lang="ro-RO" b="1" noProof="1" smtClean="0">
+                <a:latin typeface="Times New Roman" pitchFamily="18" charset="0"/>
+                <a:cs typeface="Times New Roman" pitchFamily="18" charset="0"/>
+              </a:rPr>
+              <a:t>Infrastructura interfetei cu utilizatorul</a:t>
+            </a:r>
+            <a:endParaRPr lang="en-US" b="1" noProof="1" smtClean="0">
+              <a:latin typeface="Times New Roman" pitchFamily="18" charset="0"/>
+              <a:cs typeface="Times New Roman" pitchFamily="18" charset="0"/>
+            </a:endParaRPr>
+          </a:p>
+          <a:p>
+            <a:endParaRPr lang="ro-RO" b="1" noProof="1" smtClean="0">
+              <a:latin typeface="Times New Roman" pitchFamily="18" charset="0"/>
+              <a:cs typeface="Times New Roman" pitchFamily="18" charset="0"/>
+            </a:endParaRPr>
+          </a:p>
+          <a:p>
+            <a:r>
+              <a:rPr lang="ro-RO" b="1" noProof="1" smtClean="0">
+                <a:latin typeface="Times New Roman" pitchFamily="18" charset="0"/>
+                <a:cs typeface="Times New Roman" pitchFamily="18" charset="0"/>
+              </a:rPr>
+              <a:t>Structura platformei </a:t>
+            </a:r>
+            <a:endParaRPr lang="en-US" b="1" noProof="1" smtClean="0">
+              <a:latin typeface="Times New Roman" pitchFamily="18" charset="0"/>
+              <a:cs typeface="Times New Roman" pitchFamily="18" charset="0"/>
+            </a:endParaRPr>
+          </a:p>
+          <a:p>
+            <a:endParaRPr lang="ro-RO" b="1" noProof="1" smtClean="0">
+              <a:latin typeface="Times New Roman" pitchFamily="18" charset="0"/>
+              <a:cs typeface="Times New Roman" pitchFamily="18" charset="0"/>
+            </a:endParaRPr>
+          </a:p>
+          <a:p>
+            <a:r>
+              <a:rPr lang="ro-RO" b="1" noProof="1" smtClean="0">
+                <a:latin typeface="Times New Roman" pitchFamily="18" charset="0"/>
+                <a:cs typeface="Times New Roman" pitchFamily="18" charset="0"/>
+              </a:rPr>
+              <a:t>Arhitectura platformei. </a:t>
+            </a:r>
+            <a:endParaRPr lang="ro-RO" b="1" noProof="1">
+              <a:latin typeface="Times New Roman" pitchFamily="18" charset="0"/>
+              <a:cs typeface="Times New Roman" pitchFamily="18" charset="0"/>
+            </a:endParaRPr>
+          </a:p>
+        </p:txBody>
+      </p:sp>
+      <p:sp>
+        <p:nvSpPr>
+          <p:cNvPr id="3" name="Title 2"/>
+          <p:cNvSpPr>
+            <a:spLocks noGrp="1"/>
+          </p:cNvSpPr>
+          <p:nvPr>
+            <p:ph type="title"/>
+          </p:nvPr>
+        </p:nvSpPr>
+        <p:spPr>
+          <a:xfrm>
+            <a:off x="3581400" y="914400"/>
+            <a:ext cx="5029200" cy="783535"/>
           </a:xfrm>
         </p:spPr>
         <p:txBody>
@@ -2214,167 +2432,21 @@
           </a:bodyPr>
           <a:lstStyle/>
           <a:p>
-            <a:r>
-              <a:rPr lang="ro-RO" b="1" noProof="1" smtClean="0">
-                <a:latin typeface="Times New Roman" pitchFamily="18" charset="0"/>
-                <a:cs typeface="Times New Roman" pitchFamily="18" charset="0"/>
-              </a:rPr>
-              <a:t>Caracteristici ale platformei Netbeans</a:t>
-            </a:r>
-          </a:p>
-          <a:p>
-            <a:pPr lvl="1"/>
-            <a:r>
-              <a:rPr lang="ro-RO" sz="2200" noProof="1" smtClean="0">
-                <a:latin typeface="Times New Roman" pitchFamily="18" charset="0"/>
-                <a:cs typeface="Times New Roman" pitchFamily="18" charset="0"/>
-              </a:rPr>
-              <a:t>Infrastructura interfetei cu utilizatorul</a:t>
-            </a:r>
-          </a:p>
-          <a:p>
-            <a:pPr lvl="1"/>
-            <a:r>
-              <a:rPr lang="ro-RO" sz="2200" noProof="1" smtClean="0">
-                <a:latin typeface="Times New Roman" pitchFamily="18" charset="0"/>
-                <a:cs typeface="Times New Roman" pitchFamily="18" charset="0"/>
-              </a:rPr>
-              <a:t>Editorul de date</a:t>
-            </a:r>
-          </a:p>
-          <a:p>
-            <a:pPr lvl="1"/>
-            <a:r>
-              <a:rPr lang="ro-RO" sz="2200" noProof="1" smtClean="0">
-                <a:latin typeface="Times New Roman" pitchFamily="18" charset="0"/>
-                <a:cs typeface="Times New Roman" pitchFamily="18" charset="0"/>
-              </a:rPr>
-              <a:t>Afisajul particularizabil</a:t>
-            </a:r>
-          </a:p>
-          <a:p>
-            <a:pPr lvl="1"/>
-            <a:r>
-              <a:rPr lang="ro-RO" sz="2200" noProof="1" smtClean="0">
-                <a:latin typeface="Times New Roman" pitchFamily="18" charset="0"/>
-                <a:cs typeface="Times New Roman" pitchFamily="18" charset="0"/>
-              </a:rPr>
-              <a:t>Infratructura Wizard</a:t>
-            </a:r>
-          </a:p>
-          <a:p>
-            <a:pPr lvl="1"/>
-            <a:r>
-              <a:rPr lang="ro-RO" sz="2200" noProof="1" smtClean="0">
-                <a:latin typeface="Times New Roman" pitchFamily="18" charset="0"/>
-                <a:cs typeface="Times New Roman" pitchFamily="18" charset="0"/>
-              </a:rPr>
-              <a:t>Sisteme de date</a:t>
-            </a:r>
-          </a:p>
-          <a:p>
-            <a:pPr lvl="1"/>
-            <a:r>
-              <a:rPr lang="ro-RO" sz="2200" noProof="1" smtClean="0">
-                <a:latin typeface="Times New Roman" pitchFamily="18" charset="0"/>
-                <a:cs typeface="Times New Roman" pitchFamily="18" charset="0"/>
-              </a:rPr>
-              <a:t>Internationalizare</a:t>
-            </a:r>
-          </a:p>
-          <a:p>
-            <a:pPr lvl="1"/>
-            <a:r>
-              <a:rPr lang="ro-RO" sz="2200" noProof="1" smtClean="0">
-                <a:latin typeface="Times New Roman" pitchFamily="18" charset="0"/>
-                <a:cs typeface="Times New Roman" pitchFamily="18" charset="0"/>
-              </a:rPr>
-              <a:t>Sistem de ajutor</a:t>
-            </a:r>
-          </a:p>
-          <a:p>
-            <a:r>
-              <a:rPr lang="ro-RO" b="1" noProof="1" smtClean="0">
-                <a:latin typeface="Times New Roman" pitchFamily="18" charset="0"/>
-                <a:cs typeface="Times New Roman" pitchFamily="18" charset="0"/>
-              </a:rPr>
-              <a:t>Infrastructura interfetei cu utilizatorul</a:t>
-            </a:r>
-            <a:endParaRPr lang="en-US" b="1" noProof="1" smtClean="0">
-              <a:latin typeface="Times New Roman" pitchFamily="18" charset="0"/>
-              <a:cs typeface="Times New Roman" pitchFamily="18" charset="0"/>
-            </a:endParaRPr>
-          </a:p>
-          <a:p>
-            <a:endParaRPr lang="ro-RO" b="1" noProof="1" smtClean="0">
-              <a:latin typeface="Times New Roman" pitchFamily="18" charset="0"/>
-              <a:cs typeface="Times New Roman" pitchFamily="18" charset="0"/>
-            </a:endParaRPr>
-          </a:p>
-          <a:p>
-            <a:r>
-              <a:rPr lang="ro-RO" b="1" noProof="1" smtClean="0">
-                <a:latin typeface="Times New Roman" pitchFamily="18" charset="0"/>
-                <a:cs typeface="Times New Roman" pitchFamily="18" charset="0"/>
-              </a:rPr>
-              <a:t>Structura platformei </a:t>
-            </a:r>
-            <a:endParaRPr lang="en-US" b="1" noProof="1" smtClean="0">
-              <a:latin typeface="Times New Roman" pitchFamily="18" charset="0"/>
-              <a:cs typeface="Times New Roman" pitchFamily="18" charset="0"/>
-            </a:endParaRPr>
-          </a:p>
-          <a:p>
-            <a:endParaRPr lang="ro-RO" b="1" noProof="1" smtClean="0">
-              <a:latin typeface="Times New Roman" pitchFamily="18" charset="0"/>
-              <a:cs typeface="Times New Roman" pitchFamily="18" charset="0"/>
-            </a:endParaRPr>
-          </a:p>
-          <a:p>
-            <a:r>
-              <a:rPr lang="ro-RO" b="1" noProof="1" smtClean="0">
-                <a:latin typeface="Times New Roman" pitchFamily="18" charset="0"/>
-                <a:cs typeface="Times New Roman" pitchFamily="18" charset="0"/>
-              </a:rPr>
-              <a:t>Arhitectura platformei. </a:t>
-            </a:r>
-            <a:endParaRPr lang="ro-RO" b="1" noProof="1">
-              <a:latin typeface="Times New Roman" pitchFamily="18" charset="0"/>
-              <a:cs typeface="Times New Roman" pitchFamily="18" charset="0"/>
-            </a:endParaRPr>
-          </a:p>
-        </p:txBody>
-      </p:sp>
-      <p:sp>
-        <p:nvSpPr>
-          <p:cNvPr id="3" name="Title 2"/>
-          <p:cNvSpPr>
-            <a:spLocks noGrp="1"/>
-          </p:cNvSpPr>
-          <p:nvPr>
-            <p:ph type="title"/>
-          </p:nvPr>
-        </p:nvSpPr>
-        <p:spPr>
-          <a:xfrm>
-            <a:off x="457200" y="304800"/>
-            <a:ext cx="8229600" cy="783535"/>
-          </a:xfrm>
-        </p:spPr>
-        <p:txBody>
-          <a:bodyPr>
-            <a:normAutofit/>
-          </a:bodyPr>
-          <a:lstStyle/>
-          <a:p>
-            <a:r>
-              <a:rPr lang="ro-RO" b="1" noProof="1" smtClean="0">
+            <a:pPr algn="ctr"/>
+            <a:r>
+              <a:rPr lang="ro-RO" sz="3200" b="1" noProof="1" smtClean="0">
+                <a:solidFill>
+                  <a:schemeClr val="bg1"/>
+                </a:solidFill>
                 <a:latin typeface="Times New Roman" pitchFamily="18" charset="0"/>
                 <a:cs typeface="Times New Roman" pitchFamily="18" charset="0"/>
               </a:rPr>
               <a:t>Platforma Netbeans(2) </a:t>
             </a:r>
-            <a:endParaRPr lang="ro-RO" b="1" noProof="1">
+            <a:endParaRPr lang="ro-RO" sz="3200" b="1" noProof="1">
+              <a:solidFill>
+                <a:schemeClr val="bg1"/>
+              </a:solidFill>
               <a:latin typeface="Times New Roman" pitchFamily="18" charset="0"/>
               <a:cs typeface="Times New Roman" pitchFamily="18" charset="0"/>
             </a:endParaRPr>
@@ -2386,12 +2458,36 @@
   <p:clrMapOvr>
     <a:masterClrMapping/>
   </p:clrMapOvr>
+  <p:transition>
+    <p:fade thruBlk="1"/>
+  </p:transition>
+  <p:timing>
+    <p:tnLst>
+      <p:par>
+        <p:cTn id="1" dur="indefinite" restart="never" nodeType="tmRoot"/>
+      </p:par>
+    </p:tnLst>
+  </p:timing>
 </p:sld>
 </file>
 
 <file path=ppt/slides/slide12.xml><?xml version="1.0" encoding="utf-8"?>
-<p:sld xmlns:a="http://schemas.openxmlformats.org/drawingml/2006/main" xmlns:r="http://schemas.openxmlformats.org/officeDocument/2006/relationships" xmlns:p="http://schemas.openxmlformats.org/presentationml/2006/main">
+<p:sld xmlns:a="http://schemas.openxmlformats.org/drawingml/2006/main" xmlns:r="http://schemas.openxmlformats.org/officeDocument/2006/relationships" xmlns:p="http://schemas.openxmlformats.org/presentationml/2006/main" showMasterSp="0">
   <p:cSld>
+    <p:bg>
+      <p:bgPr>
+        <a:blipFill dpi="0" rotWithShape="1">
+          <a:blip r:embed="rId2">
+            <a:lum/>
+          </a:blip>
+          <a:srcRect/>
+          <a:stretch>
+            <a:fillRect/>
+          </a:stretch>
+        </a:blipFill>
+        <a:effectLst/>
+      </p:bgPr>
+    </p:bg>
     <p:spTree>
       <p:nvGrpSpPr>
         <p:cNvPr id="1" name=""/>
@@ -2448,21 +2544,33 @@
             <p:ph type="title"/>
           </p:nvPr>
         </p:nvSpPr>
-        <p:spPr/>
+        <p:spPr>
+          <a:xfrm>
+            <a:off x="3276600" y="533400"/>
+            <a:ext cx="5715000" cy="1219199"/>
+          </a:xfrm>
+        </p:spPr>
         <p:txBody>
           <a:bodyPr>
-            <a:normAutofit fontScale="90000"/>
+            <a:normAutofit/>
           </a:bodyPr>
           <a:lstStyle/>
           <a:p>
-            <a:r>
-              <a:rPr lang="ro-RO" b="1" noProof="1" smtClean="0">
+            <a:pPr algn="ctr"/>
+            <a:r>
+              <a:rPr lang="ro-RO" sz="2800" b="1" noProof="1" smtClean="0">
+                <a:solidFill>
+                  <a:schemeClr val="bg1"/>
+                </a:solidFill>
                 <a:latin typeface="Times New Roman" pitchFamily="18" charset="0"/>
                 <a:cs typeface="Times New Roman" pitchFamily="18" charset="0"/>
               </a:rPr>
               <a:t>Structura conceptuala a IDE-ului Netbeans</a:t>
             </a:r>
-            <a:endParaRPr lang="ro-RO" b="1" noProof="1">
+            <a:endParaRPr lang="ro-RO" sz="2800" b="1" noProof="1">
+              <a:solidFill>
+                <a:schemeClr val="bg1"/>
+              </a:solidFill>
               <a:latin typeface="Times New Roman" pitchFamily="18" charset="0"/>
               <a:cs typeface="Times New Roman" pitchFamily="18" charset="0"/>
             </a:endParaRPr>
@@ -2476,7 +2584,7 @@
           <p:nvPr/>
         </p:nvPicPr>
         <p:blipFill>
-          <a:blip r:embed="rId2"/>
+          <a:blip r:embed="rId3"/>
           <a:srcRect/>
           <a:stretch>
             <a:fillRect/>
@@ -2484,7 +2592,7 @@
         </p:blipFill>
         <p:spPr bwMode="auto">
           <a:xfrm>
-            <a:off x="609600" y="1752600"/>
+            <a:off x="609600" y="2057400"/>
             <a:ext cx="8001000" cy="4648200"/>
           </a:xfrm>
           <a:prstGeom prst="rect">
@@ -2518,8 +2626,22 @@
 </file>
 
 <file path=ppt/slides/slide13.xml><?xml version="1.0" encoding="utf-8"?>
-<p:sld xmlns:a="http://schemas.openxmlformats.org/drawingml/2006/main" xmlns:r="http://schemas.openxmlformats.org/officeDocument/2006/relationships" xmlns:p="http://schemas.openxmlformats.org/presentationml/2006/main">
+<p:sld xmlns:a="http://schemas.openxmlformats.org/drawingml/2006/main" xmlns:r="http://schemas.openxmlformats.org/officeDocument/2006/relationships" xmlns:p="http://schemas.openxmlformats.org/presentationml/2006/main" showMasterSp="0">
   <p:cSld>
+    <p:bg>
+      <p:bgPr>
+        <a:blipFill dpi="0" rotWithShape="1">
+          <a:blip r:embed="rId2">
+            <a:lum/>
+          </a:blip>
+          <a:srcRect/>
+          <a:stretch>
+            <a:fillRect/>
+          </a:stretch>
+        </a:blipFill>
+        <a:effectLst/>
+      </p:bgPr>
+    </p:bg>
     <p:spTree>
       <p:nvGrpSpPr>
         <p:cNvPr id="1" name=""/>
@@ -2544,7 +2666,12 @@
             <p:ph type="body" idx="1"/>
           </p:nvPr>
         </p:nvSpPr>
-        <p:spPr/>
+        <p:spPr>
+          <a:xfrm>
+            <a:off x="457200" y="2057400"/>
+            <a:ext cx="8229600" cy="4495800"/>
+          </a:xfrm>
+        </p:spPr>
         <p:txBody>
           <a:bodyPr/>
           <a:lstStyle/>
@@ -2554,94 +2681,40 @@
                 <a:latin typeface="Times New Roman" pitchFamily="18" charset="0"/>
                 <a:cs typeface="Times New Roman" pitchFamily="18" charset="0"/>
               </a:rPr>
-              <a:t>Inlocuirea AWT </a:t>
-            </a:r>
+              <a:t>Inlocuirea AWT cu Swing</a:t>
+            </a:r>
+          </a:p>
+          <a:p>
             <a:r>
               <a:rPr lang="ro-RO" b="1" noProof="1" smtClean="0">
                 <a:latin typeface="Times New Roman" pitchFamily="18" charset="0"/>
                 <a:cs typeface="Times New Roman" pitchFamily="18" charset="0"/>
               </a:rPr>
-              <a:t>cu </a:t>
-            </a:r>
+              <a:t>Interfata cu utilizatorul</a:t>
+            </a:r>
+          </a:p>
+          <a:p>
             <a:r>
               <a:rPr lang="ro-RO" b="1" noProof="1" smtClean="0">
                 <a:latin typeface="Times New Roman" pitchFamily="18" charset="0"/>
                 <a:cs typeface="Times New Roman" pitchFamily="18" charset="0"/>
               </a:rPr>
-              <a:t>Swing</a:t>
-            </a:r>
-            <a:endParaRPr lang="ro-RO" b="1" noProof="1" smtClean="0">
-              <a:latin typeface="Times New Roman" pitchFamily="18" charset="0"/>
-              <a:cs typeface="Times New Roman" pitchFamily="18" charset="0"/>
-            </a:endParaRPr>
-          </a:p>
-          <a:p>
-            <a:r>
-              <a:rPr lang="ro-RO" b="1" noProof="1" smtClean="0">
-                <a:latin typeface="Times New Roman" pitchFamily="18" charset="0"/>
-                <a:cs typeface="Times New Roman" pitchFamily="18" charset="0"/>
-              </a:rPr>
-              <a:t>Interfata cu </a:t>
-            </a:r>
-            <a:r>
-              <a:rPr lang="ro-RO" b="1" noProof="1" smtClean="0">
-                <a:latin typeface="Times New Roman" pitchFamily="18" charset="0"/>
-                <a:cs typeface="Times New Roman" pitchFamily="18" charset="0"/>
-              </a:rPr>
-              <a:t>utilizatorul</a:t>
-            </a:r>
-            <a:endParaRPr lang="ro-RO" b="1" noProof="1" smtClean="0">
-              <a:latin typeface="Times New Roman" pitchFamily="18" charset="0"/>
-              <a:cs typeface="Times New Roman" pitchFamily="18" charset="0"/>
-            </a:endParaRPr>
-          </a:p>
-          <a:p>
-            <a:r>
-              <a:rPr lang="ro-RO" b="1" noProof="1" smtClean="0">
-                <a:latin typeface="Times New Roman" pitchFamily="18" charset="0"/>
-                <a:cs typeface="Times New Roman" pitchFamily="18" charset="0"/>
-              </a:rPr>
-              <a:t>Componentele </a:t>
-            </a:r>
-            <a:r>
-              <a:rPr lang="ro-RO" b="1" noProof="1" smtClean="0">
-                <a:latin typeface="Times New Roman" pitchFamily="18" charset="0"/>
-                <a:cs typeface="Times New Roman" pitchFamily="18" charset="0"/>
-              </a:rPr>
-              <a:t>Swing</a:t>
-            </a:r>
-            <a:endParaRPr lang="ro-RO" b="1" noProof="1" smtClean="0">
-              <a:latin typeface="Times New Roman" pitchFamily="18" charset="0"/>
-              <a:cs typeface="Times New Roman" pitchFamily="18" charset="0"/>
-            </a:endParaRPr>
+              <a:t>Componentele Swing</a:t>
+            </a:r>
           </a:p>
           <a:p>
             <a:pPr lvl="1"/>
             <a:r>
               <a:rPr lang="ro-RO" noProof="1" smtClean="0"/>
-              <a:t>Componente</a:t>
-            </a:r>
+              <a:t>Componente atomice</a:t>
+            </a:r>
+          </a:p>
+          <a:p>
+            <a:pPr lvl="1"/>
             <a:r>
               <a:rPr lang="ro-RO" noProof="1" smtClean="0"/>
-              <a:t> </a:t>
-            </a:r>
-            <a:r>
-              <a:rPr lang="ro-RO" noProof="1" smtClean="0"/>
-              <a:t>atomice</a:t>
-            </a:r>
-            <a:endParaRPr lang="ro-RO" noProof="1" smtClean="0"/>
-          </a:p>
-          <a:p>
-            <a:pPr lvl="1"/>
-            <a:r>
-              <a:rPr lang="ro-RO" noProof="1" smtClean="0"/>
-              <a:t>Componente </a:t>
-            </a:r>
-            <a:r>
-              <a:rPr lang="ro-RO" noProof="1" smtClean="0"/>
-              <a:t>complexe</a:t>
-            </a:r>
-            <a:endParaRPr lang="ro-RO" noProof="1" smtClean="0"/>
+              <a:t>Componente complexe</a:t>
+            </a:r>
           </a:p>
           <a:p>
             <a:pPr lvl="1"/>
@@ -2649,7 +2722,6 @@
               <a:rPr lang="ro-RO" noProof="1" smtClean="0"/>
               <a:t>Componente pentru editare de text </a:t>
             </a:r>
-            <a:endParaRPr lang="ro-RO" noProof="1" smtClean="0"/>
           </a:p>
           <a:p>
             <a:pPr lvl="1"/>
@@ -2657,19 +2729,13 @@
               <a:rPr lang="ro-RO" noProof="1" smtClean="0"/>
               <a:t>Meniuri</a:t>
             </a:r>
-            <a:endParaRPr lang="ro-RO" noProof="1" smtClean="0"/>
           </a:p>
           <a:p>
             <a:pPr lvl="1"/>
             <a:r>
               <a:rPr lang="ro-RO" noProof="1" smtClean="0"/>
-              <a:t>Containere </a:t>
-            </a:r>
-            <a:r>
-              <a:rPr lang="ro-RO" noProof="1" smtClean="0"/>
-              <a:t>intermediare</a:t>
-            </a:r>
-            <a:endParaRPr lang="ro-RO" noProof="1" smtClean="0"/>
+              <a:t>Containere intermediare</a:t>
+            </a:r>
           </a:p>
           <a:p>
             <a:pPr lvl="1"/>
@@ -2684,6 +2750,10 @@
             <a:endParaRPr lang="en-US" noProof="1" smtClean="0"/>
           </a:p>
           <a:p>
+            <a:pPr lvl="1"/>
+            <a:endParaRPr lang="en-US" noProof="1" smtClean="0"/>
+          </a:p>
+          <a:p>
             <a:r>
               <a:rPr lang="en-US" b="1" noProof="1" smtClean="0"/>
               <a:t>Arhitectura Swing: MVC (Model–View–Controller)</a:t>
@@ -2694,7 +2764,7 @@
       </p:sp>
       <p:sp>
         <p:nvSpPr>
-          <p:cNvPr id="3" name="Title 2"/>
+          <p:cNvPr id="5" name="Title 2"/>
           <p:cNvSpPr>
             <a:spLocks noGrp="1"/>
           </p:cNvSpPr>
@@ -2702,26 +2772,33 @@
             <p:ph type="title"/>
           </p:nvPr>
         </p:nvSpPr>
-        <p:spPr/>
-        <p:txBody>
-          <a:bodyPr/>
-          <a:lstStyle/>
-          <a:p>
-            <a:r>
-              <a:rPr lang="ro-RO" b="1" noProof="1" smtClean="0">
-                <a:latin typeface="Times New Roman" pitchFamily="18" charset="0"/>
-                <a:cs typeface="Times New Roman" pitchFamily="18" charset="0"/>
-              </a:rPr>
-              <a:t>Java </a:t>
-            </a:r>
-            <a:r>
-              <a:rPr lang="ro-RO" b="1" noProof="1" smtClean="0">
-                <a:latin typeface="Times New Roman" pitchFamily="18" charset="0"/>
-                <a:cs typeface="Times New Roman" pitchFamily="18" charset="0"/>
-              </a:rPr>
-              <a:t>Swing</a:t>
-            </a:r>
-            <a:endParaRPr lang="ro-RO" b="1" noProof="1">
+        <p:spPr>
+          <a:xfrm>
+            <a:off x="3733800" y="990600"/>
+            <a:ext cx="4953000" cy="664265"/>
+          </a:xfrm>
+        </p:spPr>
+        <p:txBody>
+          <a:bodyPr>
+            <a:normAutofit/>
+          </a:bodyPr>
+          <a:lstStyle/>
+          <a:p>
+            <a:pPr algn="ctr"/>
+            <a:r>
+              <a:rPr lang="ro-RO" sz="3200" b="1" noProof="1" smtClean="0">
+                <a:solidFill>
+                  <a:schemeClr val="bg1"/>
+                </a:solidFill>
+                <a:latin typeface="Times New Roman" pitchFamily="18" charset="0"/>
+                <a:cs typeface="Times New Roman" pitchFamily="18" charset="0"/>
+              </a:rPr>
+              <a:t>Java Swing</a:t>
+            </a:r>
+            <a:endParaRPr lang="ro-RO" sz="3200" b="1" noProof="1">
+              <a:solidFill>
+                <a:schemeClr val="bg1"/>
+              </a:solidFill>
               <a:latin typeface="Times New Roman" pitchFamily="18" charset="0"/>
               <a:cs typeface="Times New Roman" pitchFamily="18" charset="0"/>
             </a:endParaRPr>
@@ -2747,8 +2824,22 @@
 </file>
 
 <file path=ppt/slides/slide14.xml><?xml version="1.0" encoding="utf-8"?>
-<p:sld xmlns:a="http://schemas.openxmlformats.org/drawingml/2006/main" xmlns:r="http://schemas.openxmlformats.org/officeDocument/2006/relationships" xmlns:p="http://schemas.openxmlformats.org/presentationml/2006/main">
+<p:sld xmlns:a="http://schemas.openxmlformats.org/drawingml/2006/main" xmlns:r="http://schemas.openxmlformats.org/officeDocument/2006/relationships" xmlns:p="http://schemas.openxmlformats.org/presentationml/2006/main" showMasterSp="0">
   <p:cSld>
+    <p:bg>
+      <p:bgPr>
+        <a:blipFill dpi="0" rotWithShape="1">
+          <a:blip r:embed="rId2">
+            <a:lum/>
+          </a:blip>
+          <a:srcRect/>
+          <a:stretch>
+            <a:fillRect/>
+          </a:stretch>
+        </a:blipFill>
+        <a:effectLst/>
+      </p:bgPr>
+    </p:bg>
     <p:spTree>
       <p:nvGrpSpPr>
         <p:cNvPr id="1" name=""/>
@@ -2775,36 +2866,52 @@
         </p:nvSpPr>
         <p:spPr>
           <a:xfrm>
-            <a:off x="457200" y="1066800"/>
-            <a:ext cx="8229600" cy="5257800"/>
+            <a:off x="457200" y="1676400"/>
+            <a:ext cx="8229600" cy="5181600"/>
           </a:xfrm>
         </p:spPr>
         <p:txBody>
           <a:bodyPr>
-            <a:normAutofit/>
+            <a:normAutofit lnSpcReduction="10000"/>
           </a:bodyPr>
           <a:lstStyle/>
           <a:p>
+            <a:pPr>
+              <a:buNone/>
+            </a:pPr>
+            <a:endParaRPr lang="en-US" sz="2400" noProof="1" smtClean="0">
+              <a:latin typeface="Times New Roman" pitchFamily="18" charset="0"/>
+              <a:cs typeface="Times New Roman" pitchFamily="18" charset="0"/>
+            </a:endParaRPr>
+          </a:p>
+          <a:p>
             <a:r>
               <a:rPr lang="ro-RO" sz="2400" noProof="1" smtClean="0">
                 <a:latin typeface="Times New Roman" pitchFamily="18" charset="0"/>
                 <a:cs typeface="Times New Roman" pitchFamily="18" charset="0"/>
               </a:rPr>
-              <a:t>O vedere generala asupra proiectului poate fi descrisa de figura de mai jos, in care sunt prezentate 4 componente principale denumite </a:t>
+              <a:t>O vedere generala asupra proiectului poate fi descrisa de figura de mai jos, in care sunt prezentate 4 componente principale denumite generic </a:t>
+            </a:r>
+            <a:r>
+              <a:rPr lang="ro-RO" sz="2400" b="1" noProof="1" smtClean="0">
+                <a:latin typeface="Times New Roman" pitchFamily="18" charset="0"/>
+                <a:cs typeface="Times New Roman" pitchFamily="18" charset="0"/>
+              </a:rPr>
+              <a:t>Simulator</a:t>
             </a:r>
             <a:r>
               <a:rPr lang="ro-RO" sz="2400" noProof="1" smtClean="0">
                 <a:latin typeface="Times New Roman" pitchFamily="18" charset="0"/>
                 <a:cs typeface="Times New Roman" pitchFamily="18" charset="0"/>
               </a:rPr>
-              <a:t>generic </a:t>
+              <a:t>, </a:t>
             </a:r>
             <a:r>
               <a:rPr lang="ro-RO" sz="2400" b="1" noProof="1" smtClean="0">
                 <a:latin typeface="Times New Roman" pitchFamily="18" charset="0"/>
                 <a:cs typeface="Times New Roman" pitchFamily="18" charset="0"/>
               </a:rPr>
-              <a:t>Simulator</a:t>
+              <a:t>Interfata cu utilizatorul</a:t>
             </a:r>
             <a:r>
               <a:rPr lang="ro-RO" sz="2400" noProof="1" smtClean="0">
@@ -2818,99 +2925,36 @@
                 <a:latin typeface="Times New Roman" pitchFamily="18" charset="0"/>
                 <a:cs typeface="Times New Roman" pitchFamily="18" charset="0"/>
               </a:rPr>
-              <a:t>Interfata </a:t>
+              <a:t>Modulul de testare </a:t>
+            </a:r>
+            <a:r>
+              <a:rPr lang="ro-RO" sz="2400" noProof="1" smtClean="0">
+                <a:latin typeface="Times New Roman" pitchFamily="18" charset="0"/>
+                <a:cs typeface="Times New Roman" pitchFamily="18" charset="0"/>
+              </a:rPr>
+              <a:t>si </a:t>
             </a:r>
             <a:r>
               <a:rPr lang="ro-RO" sz="2400" b="1" noProof="1" smtClean="0">
                 <a:latin typeface="Times New Roman" pitchFamily="18" charset="0"/>
                 <a:cs typeface="Times New Roman" pitchFamily="18" charset="0"/>
               </a:rPr>
-              <a:t>cu </a:t>
+              <a:t>Baza de date</a:t>
+            </a:r>
+            <a:r>
+              <a:rPr lang="ro-RO" sz="2400" noProof="1" smtClean="0">
+                <a:latin typeface="Times New Roman" pitchFamily="18" charset="0"/>
+                <a:cs typeface="Times New Roman" pitchFamily="18" charset="0"/>
+              </a:rPr>
+              <a:t>.</a:t>
             </a:r>
             <a:r>
               <a:rPr lang="ro-RO" sz="2400" b="1" noProof="1" smtClean="0">
                 <a:latin typeface="Times New Roman" pitchFamily="18" charset="0"/>
                 <a:cs typeface="Times New Roman" pitchFamily="18" charset="0"/>
               </a:rPr>
-              <a:t>utilizatorul</a:t>
-            </a:r>
-            <a:r>
-              <a:rPr lang="ro-RO" sz="2400" noProof="1" smtClean="0">
-                <a:latin typeface="Times New Roman" pitchFamily="18" charset="0"/>
-                <a:cs typeface="Times New Roman" pitchFamily="18" charset="0"/>
-              </a:rPr>
-              <a:t>, </a:t>
-            </a:r>
-            <a:r>
-              <a:rPr lang="ro-RO" sz="2400" b="1" noProof="1" smtClean="0">
-                <a:latin typeface="Times New Roman" pitchFamily="18" charset="0"/>
-                <a:cs typeface="Times New Roman" pitchFamily="18" charset="0"/>
-              </a:rPr>
-              <a:t>Modulul de </a:t>
-            </a:r>
-            <a:r>
-              <a:rPr lang="ro-RO" sz="2400" b="1" noProof="1" smtClean="0">
-                <a:latin typeface="Times New Roman" pitchFamily="18" charset="0"/>
-                <a:cs typeface="Times New Roman" pitchFamily="18" charset="0"/>
-              </a:rPr>
-              <a:t>testare</a:t>
-            </a:r>
-            <a:r>
-              <a:rPr lang="ro-RO" sz="2400" b="1" noProof="1" smtClean="0">
-                <a:latin typeface="Times New Roman" pitchFamily="18" charset="0"/>
-                <a:cs typeface="Times New Roman" pitchFamily="18" charset="0"/>
-              </a:rPr>
               <a:t> </a:t>
             </a:r>
-            <a:r>
-              <a:rPr lang="ro-RO" sz="2400" noProof="1" smtClean="0">
-                <a:latin typeface="Times New Roman" pitchFamily="18" charset="0"/>
-                <a:cs typeface="Times New Roman" pitchFamily="18" charset="0"/>
-              </a:rPr>
-              <a:t>si</a:t>
-            </a:r>
-            <a:r>
-              <a:rPr lang="ro-RO" sz="2400" noProof="1" smtClean="0">
-                <a:latin typeface="Times New Roman" pitchFamily="18" charset="0"/>
-                <a:cs typeface="Times New Roman" pitchFamily="18" charset="0"/>
-              </a:rPr>
-              <a:t> </a:t>
-            </a:r>
-            <a:r>
-              <a:rPr lang="ro-RO" sz="2400" b="1" noProof="1" smtClean="0">
-                <a:latin typeface="Times New Roman" pitchFamily="18" charset="0"/>
-                <a:cs typeface="Times New Roman" pitchFamily="18" charset="0"/>
-              </a:rPr>
-              <a:t>Baza </a:t>
-            </a:r>
-            <a:r>
-              <a:rPr lang="ro-RO" sz="2400" b="1" noProof="1" smtClean="0">
-                <a:latin typeface="Times New Roman" pitchFamily="18" charset="0"/>
-                <a:cs typeface="Times New Roman" pitchFamily="18" charset="0"/>
-              </a:rPr>
-              <a:t>de </a:t>
-            </a:r>
-            <a:r>
-              <a:rPr lang="ro-RO" sz="2400" b="1" noProof="1" smtClean="0">
-                <a:latin typeface="Times New Roman" pitchFamily="18" charset="0"/>
-                <a:cs typeface="Times New Roman" pitchFamily="18" charset="0"/>
-              </a:rPr>
-              <a:t>date</a:t>
-            </a:r>
-            <a:r>
-              <a:rPr lang="ro-RO" sz="2400" noProof="1" smtClean="0">
-                <a:latin typeface="Times New Roman" pitchFamily="18" charset="0"/>
-                <a:cs typeface="Times New Roman" pitchFamily="18" charset="0"/>
-              </a:rPr>
-              <a:t>.</a:t>
-            </a:r>
-            <a:r>
-              <a:rPr lang="ro-RO" sz="2400" b="1" noProof="1" smtClean="0">
-                <a:latin typeface="Times New Roman" pitchFamily="18" charset="0"/>
-                <a:cs typeface="Times New Roman" pitchFamily="18" charset="0"/>
-              </a:rPr>
-              <a:t> </a:t>
-            </a:r>
             <a:endParaRPr lang="en-US" sz="2400" b="1" noProof="1" smtClean="0">
               <a:latin typeface="Times New Roman" pitchFamily="18" charset="0"/>
               <a:cs typeface="Times New Roman" pitchFamily="18" charset="0"/>
@@ -2997,29 +3041,31 @@
         </p:nvSpPr>
         <p:spPr>
           <a:xfrm>
-            <a:off x="457200" y="304800"/>
-            <a:ext cx="8229600" cy="783535"/>
-          </a:xfrm>
-        </p:spPr>
-        <p:txBody>
-          <a:bodyPr/>
-          <a:lstStyle/>
-          <a:p>
-            <a:r>
-              <a:rPr lang="ro-RO" b="1" noProof="1" smtClean="0">
-                <a:latin typeface="Times New Roman" pitchFamily="18" charset="0"/>
-                <a:cs typeface="Times New Roman" pitchFamily="18" charset="0"/>
-              </a:rPr>
-              <a:t>Descrierea </a:t>
-            </a:r>
-            <a:r>
-              <a:rPr lang="ro-RO" b="1" noProof="1" smtClean="0">
-                <a:latin typeface="Times New Roman" pitchFamily="18" charset="0"/>
-                <a:cs typeface="Times New Roman" pitchFamily="18" charset="0"/>
-              </a:rPr>
-              <a:t>aplicatiei proiectului</a:t>
-            </a:r>
-            <a:endParaRPr lang="ro-RO" b="1" noProof="1">
+            <a:off x="3048000" y="838200"/>
+            <a:ext cx="6096000" cy="783535"/>
+          </a:xfrm>
+        </p:spPr>
+        <p:txBody>
+          <a:bodyPr>
+            <a:noAutofit/>
+          </a:bodyPr>
+          <a:lstStyle/>
+          <a:p>
+            <a:pPr algn="ctr"/>
+            <a:r>
+              <a:rPr lang="ro-RO" sz="3200" b="1" noProof="1" smtClean="0">
+                <a:solidFill>
+                  <a:schemeClr val="bg1"/>
+                </a:solidFill>
+                <a:latin typeface="Times New Roman" pitchFamily="18" charset="0"/>
+                <a:cs typeface="Times New Roman" pitchFamily="18" charset="0"/>
+              </a:rPr>
+              <a:t>Descrierea aplicatiei proiectului</a:t>
+            </a:r>
+            <a:endParaRPr lang="ro-RO" sz="3200" b="1" noProof="1">
+              <a:solidFill>
+                <a:schemeClr val="bg1"/>
+              </a:solidFill>
               <a:latin typeface="Times New Roman" pitchFamily="18" charset="0"/>
               <a:cs typeface="Times New Roman" pitchFamily="18" charset="0"/>
             </a:endParaRPr>
@@ -3034,8 +3080,8 @@
         </p:nvSpPr>
         <p:spPr>
           <a:xfrm>
-            <a:off x="3352800" y="2667000"/>
-            <a:ext cx="2133600" cy="1143000"/>
+            <a:off x="3276600" y="3581400"/>
+            <a:ext cx="1981200" cy="914400"/>
           </a:xfrm>
           <a:prstGeom prst="roundRect">
             <a:avLst/>
@@ -3063,14 +3109,14 @@
           <a:p>
             <a:pPr algn="ctr"/>
             <a:r>
-              <a:rPr lang="ro-RO" sz="2800" noProof="1" smtClean="0">
+              <a:rPr lang="ro-RO" sz="2400" noProof="1" smtClean="0">
                 <a:solidFill>
                   <a:schemeClr val="bg1"/>
                 </a:solidFill>
               </a:rPr>
               <a:t>Simulatorul</a:t>
             </a:r>
-            <a:endParaRPr lang="ro-RO" sz="2800" noProof="1">
+            <a:endParaRPr lang="ro-RO" sz="2400" noProof="1">
               <a:solidFill>
                 <a:schemeClr val="bg1"/>
               </a:solidFill>
@@ -3086,8 +3132,8 @@
         </p:nvSpPr>
         <p:spPr>
           <a:xfrm>
-            <a:off x="5943600" y="2667000"/>
-            <a:ext cx="2133600" cy="1143000"/>
+            <a:off x="5715000" y="3581400"/>
+            <a:ext cx="1905000" cy="914400"/>
           </a:xfrm>
           <a:prstGeom prst="roundRect">
             <a:avLst/>
@@ -3115,33 +3161,21 @@
           <a:p>
             <a:pPr algn="ctr"/>
             <a:r>
-              <a:rPr lang="ro-RO" sz="2800" noProof="1" smtClean="0">
+              <a:rPr lang="ro-RO" sz="2400" noProof="1" smtClean="0">
                 <a:solidFill>
                   <a:schemeClr val="bg1"/>
                 </a:solidFill>
-              </a:rPr>
-              <a:t>Interfata</a:t>
-            </a:r>
-            <a:r>
-              <a:rPr lang="ro-RO" sz="2800" noProof="1" smtClean="0">
-                <a:solidFill>
-                  <a:schemeClr val="bg1"/>
-                </a:solidFill>
-              </a:rPr>
-              <a:t> cu </a:t>
-            </a:r>
-            <a:r>
-              <a:rPr lang="ro-RO" sz="2800" noProof="1" smtClean="0">
-                <a:solidFill>
-                  <a:schemeClr val="bg1"/>
-                </a:solidFill>
-              </a:rPr>
-              <a:t>utilizatorul</a:t>
-            </a:r>
-            <a:endParaRPr lang="ro-RO" sz="2800" noProof="1">
+                <a:latin typeface="Times New Roman" pitchFamily="18" charset="0"/>
+                <a:cs typeface="Times New Roman" pitchFamily="18" charset="0"/>
+              </a:rPr>
+              <a:t>Interfata cu utilizatorul</a:t>
+            </a:r>
+            <a:endParaRPr lang="ro-RO" sz="2400" noProof="1">
               <a:solidFill>
                 <a:schemeClr val="bg1"/>
               </a:solidFill>
+              <a:latin typeface="Times New Roman" pitchFamily="18" charset="0"/>
+              <a:cs typeface="Times New Roman" pitchFamily="18" charset="0"/>
             </a:endParaRPr>
           </a:p>
         </p:txBody>
@@ -3154,8 +3188,8 @@
         </p:nvSpPr>
         <p:spPr>
           <a:xfrm>
-            <a:off x="3429000" y="4343400"/>
-            <a:ext cx="2133600" cy="1143000"/>
+            <a:off x="3352800" y="5105400"/>
+            <a:ext cx="1905000" cy="990600"/>
           </a:xfrm>
           <a:prstGeom prst="roundRect">
             <a:avLst/>
@@ -3183,33 +3217,21 @@
           <a:p>
             <a:pPr algn="ctr"/>
             <a:r>
-              <a:rPr lang="ro-RO" sz="2800" noProof="1" smtClean="0">
+              <a:rPr lang="ro-RO" sz="2400" noProof="1" smtClean="0">
                 <a:solidFill>
                   <a:schemeClr val="bg1"/>
                 </a:solidFill>
-              </a:rPr>
-              <a:t>Modul</a:t>
-            </a:r>
-            <a:r>
-              <a:rPr lang="ro-RO" sz="2800" noProof="1" smtClean="0">
-                <a:solidFill>
-                  <a:schemeClr val="bg1"/>
-                </a:solidFill>
-              </a:rPr>
-              <a:t> de </a:t>
-            </a:r>
-            <a:r>
-              <a:rPr lang="ro-RO" sz="2800" noProof="1" smtClean="0">
-                <a:solidFill>
-                  <a:schemeClr val="bg1"/>
-                </a:solidFill>
-              </a:rPr>
-              <a:t>testare</a:t>
-            </a:r>
-            <a:endParaRPr lang="ro-RO" sz="2800" noProof="1">
+                <a:latin typeface="Times New Roman" pitchFamily="18" charset="0"/>
+                <a:cs typeface="Times New Roman" pitchFamily="18" charset="0"/>
+              </a:rPr>
+              <a:t>Modul de testare</a:t>
+            </a:r>
+            <a:endParaRPr lang="ro-RO" sz="2400" noProof="1">
               <a:solidFill>
                 <a:schemeClr val="bg1"/>
               </a:solidFill>
+              <a:latin typeface="Times New Roman" pitchFamily="18" charset="0"/>
+              <a:cs typeface="Times New Roman" pitchFamily="18" charset="0"/>
             </a:endParaRPr>
           </a:p>
         </p:txBody>
@@ -3222,8 +3244,8 @@
         </p:nvSpPr>
         <p:spPr>
           <a:xfrm>
-            <a:off x="762000" y="4343400"/>
-            <a:ext cx="2133600" cy="1143000"/>
+            <a:off x="838200" y="5105400"/>
+            <a:ext cx="1981200" cy="990600"/>
           </a:xfrm>
           <a:prstGeom prst="roundRect">
             <a:avLst/>
@@ -3251,17 +3273,21 @@
           <a:p>
             <a:pPr algn="ctr"/>
             <a:r>
-              <a:rPr lang="ro-RO" sz="2800" noProof="1" smtClean="0">
+              <a:rPr lang="ro-RO" sz="2400" noProof="1" smtClean="0">
                 <a:solidFill>
                   <a:schemeClr val="bg1"/>
                 </a:solidFill>
+                <a:latin typeface="Times New Roman" pitchFamily="18" charset="0"/>
+                <a:cs typeface="Times New Roman" pitchFamily="18" charset="0"/>
               </a:rPr>
               <a:t>Simulatorul</a:t>
             </a:r>
-            <a:endParaRPr lang="ro-RO" sz="2800" noProof="1">
+            <a:endParaRPr lang="ro-RO" sz="2400" noProof="1">
               <a:solidFill>
                 <a:schemeClr val="bg1"/>
               </a:solidFill>
+              <a:latin typeface="Times New Roman" pitchFamily="18" charset="0"/>
+              <a:cs typeface="Times New Roman" pitchFamily="18" charset="0"/>
             </a:endParaRPr>
           </a:p>
         </p:txBody>
@@ -3274,7 +3300,7 @@
         </p:nvSpPr>
         <p:spPr>
           <a:xfrm>
-            <a:off x="5486400" y="3048000"/>
+            <a:off x="5257800" y="3886200"/>
             <a:ext cx="609600" cy="381000"/>
           </a:xfrm>
           <a:prstGeom prst="rightArrow">
@@ -3317,7 +3343,7 @@
         </p:nvSpPr>
         <p:spPr>
           <a:xfrm>
-            <a:off x="2895600" y="4800600"/>
+            <a:off x="2819400" y="5410200"/>
             <a:ext cx="609600" cy="381000"/>
           </a:xfrm>
           <a:prstGeom prst="rightArrow">
@@ -3360,7 +3386,7 @@
         </p:nvSpPr>
         <p:spPr>
           <a:xfrm>
-            <a:off x="4191000" y="3733800"/>
+            <a:off x="3962400" y="4419600"/>
             <a:ext cx="609600" cy="762000"/>
           </a:xfrm>
           <a:prstGeom prst="upDownArrow">
@@ -3403,12 +3429,33 @@
   <p:transition>
     <p:fade thruBlk="1"/>
   </p:transition>
+  <p:timing>
+    <p:tnLst>
+      <p:par>
+        <p:cTn id="1" dur="indefinite" restart="never" nodeType="tmRoot"/>
+      </p:par>
+    </p:tnLst>
+  </p:timing>
 </p:sld>
 </file>
 
 <file path=ppt/slides/slide15.xml><?xml version="1.0" encoding="utf-8"?>
-<p:sld xmlns:a="http://schemas.openxmlformats.org/drawingml/2006/main" xmlns:r="http://schemas.openxmlformats.org/officeDocument/2006/relationships" xmlns:p="http://schemas.openxmlformats.org/presentationml/2006/main">
+<p:sld xmlns:a="http://schemas.openxmlformats.org/drawingml/2006/main" xmlns:r="http://schemas.openxmlformats.org/officeDocument/2006/relationships" xmlns:p="http://schemas.openxmlformats.org/presentationml/2006/main" showMasterSp="0">
   <p:cSld>
+    <p:bg>
+      <p:bgPr>
+        <a:blipFill dpi="0" rotWithShape="1">
+          <a:blip r:embed="rId2">
+            <a:lum/>
+          </a:blip>
+          <a:srcRect/>
+          <a:stretch>
+            <a:fillRect/>
+          </a:stretch>
+        </a:blipFill>
+        <a:effectLst/>
+      </p:bgPr>
+    </p:bg>
     <p:spTree>
       <p:nvGrpSpPr>
         <p:cNvPr id="1" name=""/>
@@ -3433,7 +3480,12 @@
             <p:ph type="body" idx="1"/>
           </p:nvPr>
         </p:nvSpPr>
-        <p:spPr/>
+        <p:spPr>
+          <a:xfrm>
+            <a:off x="457200" y="2133600"/>
+            <a:ext cx="8229600" cy="4343400"/>
+          </a:xfrm>
+        </p:spPr>
         <p:txBody>
           <a:bodyPr/>
           <a:lstStyle/>
@@ -3445,10 +3497,6 @@
               </a:rPr>
               <a:t>Atributii principale:</a:t>
             </a:r>
-            <a:endParaRPr lang="en-US" b="1" noProof="1" smtClean="0">
-              <a:latin typeface="Times New Roman" pitchFamily="18" charset="0"/>
-              <a:cs typeface="Times New Roman" pitchFamily="18" charset="0"/>
-            </a:endParaRPr>
           </a:p>
           <a:p>
             <a:pPr lvl="1"/>
@@ -3545,19 +3593,33 @@
             <p:ph type="title"/>
           </p:nvPr>
         </p:nvSpPr>
-        <p:spPr/>
-        <p:txBody>
-          <a:bodyPr/>
-          <a:lstStyle/>
-          <a:p>
-            <a:r>
-              <a:rPr lang="ro-RO" b="1" noProof="1" smtClean="0">
+        <p:spPr>
+          <a:xfrm>
+            <a:off x="3200400" y="914400"/>
+            <a:ext cx="5486400" cy="740465"/>
+          </a:xfrm>
+        </p:spPr>
+        <p:txBody>
+          <a:bodyPr>
+            <a:normAutofit/>
+          </a:bodyPr>
+          <a:lstStyle/>
+          <a:p>
+            <a:pPr algn="ctr"/>
+            <a:r>
+              <a:rPr lang="ro-RO" sz="3200" b="1" noProof="1" smtClean="0">
+                <a:solidFill>
+                  <a:schemeClr val="bg1"/>
+                </a:solidFill>
                 <a:latin typeface="Times New Roman" pitchFamily="18" charset="0"/>
                 <a:cs typeface="Times New Roman" pitchFamily="18" charset="0"/>
               </a:rPr>
               <a:t>Simulatorul</a:t>
             </a:r>
-            <a:endParaRPr lang="ro-RO" b="1" noProof="1">
+            <a:endParaRPr lang="ro-RO" sz="3200" b="1" noProof="1">
+              <a:solidFill>
+                <a:schemeClr val="bg1"/>
+              </a:solidFill>
               <a:latin typeface="Times New Roman" pitchFamily="18" charset="0"/>
               <a:cs typeface="Times New Roman" pitchFamily="18" charset="0"/>
             </a:endParaRPr>
@@ -3572,12 +3634,33 @@
   <p:transition>
     <p:fade thruBlk="1"/>
   </p:transition>
+  <p:timing>
+    <p:tnLst>
+      <p:par>
+        <p:cTn id="1" dur="indefinite" restart="never" nodeType="tmRoot"/>
+      </p:par>
+    </p:tnLst>
+  </p:timing>
 </p:sld>
 </file>
 
 <file path=ppt/slides/slide16.xml><?xml version="1.0" encoding="utf-8"?>
-<p:sld xmlns:a="http://schemas.openxmlformats.org/drawingml/2006/main" xmlns:r="http://schemas.openxmlformats.org/officeDocument/2006/relationships" xmlns:p="http://schemas.openxmlformats.org/presentationml/2006/main">
+<p:sld xmlns:a="http://schemas.openxmlformats.org/drawingml/2006/main" xmlns:r="http://schemas.openxmlformats.org/officeDocument/2006/relationships" xmlns:p="http://schemas.openxmlformats.org/presentationml/2006/main" showMasterSp="0">
   <p:cSld>
+    <p:bg>
+      <p:bgPr>
+        <a:blipFill dpi="0" rotWithShape="1">
+          <a:blip r:embed="rId2">
+            <a:lum/>
+          </a:blip>
+          <a:srcRect/>
+          <a:stretch>
+            <a:fillRect/>
+          </a:stretch>
+        </a:blipFill>
+        <a:effectLst/>
+      </p:bgPr>
+    </p:bg>
     <p:spTree>
       <p:nvGrpSpPr>
         <p:cNvPr id="1" name=""/>
@@ -3604,54 +3687,70 @@
         </p:nvSpPr>
         <p:spPr>
           <a:xfrm>
-            <a:off x="457200" y="685800"/>
-            <a:ext cx="8229600" cy="5867400"/>
+            <a:off x="5029200" y="2133600"/>
+            <a:ext cx="3962400" cy="4419600"/>
           </a:xfrm>
         </p:spPr>
         <p:txBody>
           <a:bodyPr>
-            <a:normAutofit lnSpcReduction="10000"/>
+            <a:normAutofit/>
           </a:bodyPr>
           <a:lstStyle/>
           <a:p>
+            <a:pPr lvl="8" algn="l">
+              <a:buNone/>
+            </a:pPr>
+            <a:r>
+              <a:rPr lang="en-US" noProof="1" smtClean="0">
+                <a:latin typeface="Times New Roman" pitchFamily="18" charset="0"/>
+                <a:cs typeface="Times New Roman" pitchFamily="18" charset="0"/>
+              </a:rPr>
+              <a:t>	</a:t>
+            </a:r>
+          </a:p>
+          <a:p>
             <a:r>
               <a:rPr lang="en-US" b="1" noProof="1" smtClean="0">
                 <a:latin typeface="Times New Roman" pitchFamily="18" charset="0"/>
                 <a:cs typeface="Times New Roman" pitchFamily="18" charset="0"/>
               </a:rPr>
-              <a:t>I</a:t>
-            </a:r>
-            <a:r>
-              <a:rPr lang="en-US" sz="2400" b="1" noProof="1" smtClean="0">
-                <a:latin typeface="Times New Roman" pitchFamily="18" charset="0"/>
-                <a:cs typeface="Times New Roman" pitchFamily="18" charset="0"/>
-              </a:rPr>
-              <a:t>mpartirea in zone a simulatorului</a:t>
-            </a:r>
-          </a:p>
-          <a:p>
-            <a:endParaRPr lang="en-US" noProof="1" smtClean="0">
-              <a:latin typeface="Times New Roman" pitchFamily="18" charset="0"/>
-              <a:cs typeface="Times New Roman" pitchFamily="18" charset="0"/>
-            </a:endParaRPr>
-          </a:p>
-          <a:p>
-            <a:endParaRPr lang="en-US" noProof="1" smtClean="0">
-              <a:latin typeface="Times New Roman" pitchFamily="18" charset="0"/>
-              <a:cs typeface="Times New Roman" pitchFamily="18" charset="0"/>
-            </a:endParaRPr>
-          </a:p>
-          <a:p>
-            <a:endParaRPr lang="en-US" noProof="1" smtClean="0">
-              <a:latin typeface="Times New Roman" pitchFamily="18" charset="0"/>
-              <a:cs typeface="Times New Roman" pitchFamily="18" charset="0"/>
-            </a:endParaRPr>
-          </a:p>
-          <a:p>
-            <a:endParaRPr lang="en-US" noProof="1" smtClean="0">
-              <a:latin typeface="Times New Roman" pitchFamily="18" charset="0"/>
-              <a:cs typeface="Times New Roman" pitchFamily="18" charset="0"/>
-            </a:endParaRPr>
+              <a:t>Impartirea in zone a simulatorului</a:t>
+            </a:r>
+          </a:p>
+          <a:p>
+            <a:endParaRPr lang="en-US" b="1" noProof="1" smtClean="0">
+              <a:latin typeface="Times New Roman" pitchFamily="18" charset="0"/>
+              <a:cs typeface="Times New Roman" pitchFamily="18" charset="0"/>
+            </a:endParaRPr>
+          </a:p>
+          <a:p>
+            <a:pPr algn="l"/>
+            <a:r>
+              <a:rPr lang="en-US" b="1" noProof="1" smtClean="0">
+                <a:latin typeface="Times New Roman" pitchFamily="18" charset="0"/>
+                <a:cs typeface="Times New Roman" pitchFamily="18" charset="0"/>
+              </a:rPr>
+              <a:t>Integrarea mesajelor vocale</a:t>
+            </a:r>
+          </a:p>
+          <a:p>
+            <a:pPr algn="l">
+              <a:buNone/>
+            </a:pPr>
+            <a:endParaRPr lang="en-US" b="1" noProof="1" smtClean="0">
+              <a:latin typeface="Times New Roman" pitchFamily="18" charset="0"/>
+              <a:cs typeface="Times New Roman" pitchFamily="18" charset="0"/>
+            </a:endParaRPr>
+          </a:p>
+          <a:p>
+            <a:pPr algn="l"/>
+            <a:r>
+              <a:rPr lang="en-US" b="1" noProof="1" smtClean="0">
+                <a:latin typeface="Times New Roman" pitchFamily="18" charset="0"/>
+                <a:cs typeface="Times New Roman" pitchFamily="18" charset="0"/>
+              </a:rPr>
+              <a:t>Regresia polinomiala</a:t>
+            </a:r>
           </a:p>
           <a:p>
             <a:endParaRPr lang="en-US" noProof="1" smtClean="0">
@@ -3678,19 +3777,6 @@
             </a:endParaRPr>
           </a:p>
           <a:p>
-            <a:r>
-              <a:rPr lang="en-US" sz="2400" b="1" noProof="1" smtClean="0">
-                <a:latin typeface="Times New Roman" pitchFamily="18" charset="0"/>
-                <a:cs typeface="Times New Roman" pitchFamily="18" charset="0"/>
-              </a:rPr>
-              <a:t>Regresia polinomiala</a:t>
-            </a:r>
-            <a:endParaRPr lang="en-US" sz="2400" b="1" noProof="1" smtClean="0">
-              <a:latin typeface="Times New Roman" pitchFamily="18" charset="0"/>
-              <a:cs typeface="Times New Roman" pitchFamily="18" charset="0"/>
-            </a:endParaRPr>
-          </a:p>
-          <a:p>
             <a:endParaRPr lang="en-US" noProof="1" smtClean="0">
               <a:latin typeface="Times New Roman" pitchFamily="18" charset="0"/>
               <a:cs typeface="Times New Roman" pitchFamily="18" charset="0"/>
@@ -3721,15 +3807,6 @@
             </a:endParaRPr>
           </a:p>
           <a:p>
-            <a:r>
-              <a:rPr lang="en-US" sz="2400" b="1" noProof="1" smtClean="0">
-                <a:latin typeface="Times New Roman" pitchFamily="18" charset="0"/>
-                <a:cs typeface="Times New Roman" pitchFamily="18" charset="0"/>
-              </a:rPr>
-              <a:t>Integrarea mesajelor vocale</a:t>
-            </a:r>
-          </a:p>
-          <a:p>
             <a:endParaRPr lang="en-US" noProof="1" smtClean="0">
               <a:latin typeface="Times New Roman" pitchFamily="18" charset="0"/>
               <a:cs typeface="Times New Roman" pitchFamily="18" charset="0"/>
@@ -3761,36 +3838,31 @@
         </p:nvSpPr>
         <p:spPr>
           <a:xfrm>
-            <a:off x="457200" y="0"/>
-            <a:ext cx="8229600" cy="707335"/>
-          </a:xfrm>
-        </p:spPr>
-        <p:txBody>
-          <a:bodyPr/>
-          <a:lstStyle/>
-          <a:p>
-            <a:r>
-              <a:rPr lang="ro-RO" b="1" noProof="1" smtClean="0">
-                <a:latin typeface="Times New Roman" pitchFamily="18" charset="0"/>
-                <a:cs typeface="Times New Roman" pitchFamily="18" charset="0"/>
-              </a:rPr>
-              <a:t>Simulatorul</a:t>
-            </a:r>
-            <a:r>
-              <a:rPr lang="ro-RO" b="1" noProof="1" smtClean="0">
-                <a:latin typeface="Times New Roman" pitchFamily="18" charset="0"/>
-                <a:cs typeface="Times New Roman" pitchFamily="18" charset="0"/>
-              </a:rPr>
-              <a:t> </a:t>
-            </a:r>
-            <a:r>
-              <a:rPr lang="ro-RO" b="1" noProof="1" smtClean="0">
-                <a:latin typeface="Times New Roman" pitchFamily="18" charset="0"/>
-                <a:cs typeface="Times New Roman" pitchFamily="18" charset="0"/>
-              </a:rPr>
-              <a:t>(2)</a:t>
-            </a:r>
-            <a:endParaRPr lang="ro-RO" b="1" noProof="1">
+            <a:off x="4114800" y="914400"/>
+            <a:ext cx="4495800" cy="707335"/>
+          </a:xfrm>
+        </p:spPr>
+        <p:txBody>
+          <a:bodyPr>
+            <a:normAutofit/>
+          </a:bodyPr>
+          <a:lstStyle/>
+          <a:p>
+            <a:pPr algn="ctr"/>
+            <a:r>
+              <a:rPr lang="ro-RO" sz="3200" b="1" noProof="1" smtClean="0">
+                <a:solidFill>
+                  <a:schemeClr val="bg1"/>
+                </a:solidFill>
+                <a:latin typeface="Times New Roman" pitchFamily="18" charset="0"/>
+                <a:cs typeface="Times New Roman" pitchFamily="18" charset="0"/>
+              </a:rPr>
+              <a:t>Simulatorul (2)</a:t>
+            </a:r>
+            <a:endParaRPr lang="ro-RO" sz="3200" b="1" noProof="1">
+              <a:solidFill>
+                <a:schemeClr val="bg1"/>
+              </a:solidFill>
               <a:latin typeface="Times New Roman" pitchFamily="18" charset="0"/>
               <a:cs typeface="Times New Roman" pitchFamily="18" charset="0"/>
             </a:endParaRPr>
@@ -3800,39 +3872,6 @@
       <p:pic>
         <p:nvPicPr>
           <p:cNvPr id="1026" name="Picture 2"/>
-          <p:cNvPicPr>
-            <a:picLocks noChangeAspect="1" noChangeArrowheads="1"/>
-          </p:cNvPicPr>
-          <p:nvPr/>
-        </p:nvPicPr>
-        <p:blipFill>
-          <a:blip r:embed="rId2"/>
-          <a:srcRect/>
-          <a:stretch>
-            <a:fillRect/>
-          </a:stretch>
-        </p:blipFill>
-        <p:spPr bwMode="auto">
-          <a:xfrm>
-            <a:off x="1981201" y="1219200"/>
-            <a:ext cx="4495800" cy="2441019"/>
-          </a:xfrm>
-          <a:prstGeom prst="rect">
-            <a:avLst/>
-          </a:prstGeom>
-          <a:noFill/>
-          <a:ln w="9525">
-            <a:noFill/>
-            <a:miter lim="800000"/>
-            <a:headEnd/>
-            <a:tailEnd/>
-          </a:ln>
-          <a:effectLst/>
-        </p:spPr>
-      </p:pic>
-      <p:pic>
-        <p:nvPicPr>
-          <p:cNvPr id="1027" name="Picture 3"/>
           <p:cNvPicPr>
             <a:picLocks noChangeAspect="1" noChangeArrowheads="1"/>
           </p:cNvPicPr>
@@ -3847,8 +3886,41 @@
         </p:blipFill>
         <p:spPr bwMode="auto">
           <a:xfrm>
-            <a:off x="2438400" y="4191000"/>
-            <a:ext cx="4038600" cy="1812482"/>
+            <a:off x="380999" y="2057400"/>
+            <a:ext cx="4631319" cy="2438400"/>
+          </a:xfrm>
+          <a:prstGeom prst="rect">
+            <a:avLst/>
+          </a:prstGeom>
+          <a:noFill/>
+          <a:ln w="9525">
+            <a:noFill/>
+            <a:miter lim="800000"/>
+            <a:headEnd/>
+            <a:tailEnd/>
+          </a:ln>
+          <a:effectLst/>
+        </p:spPr>
+      </p:pic>
+      <p:pic>
+        <p:nvPicPr>
+          <p:cNvPr id="1027" name="Picture 3"/>
+          <p:cNvPicPr>
+            <a:picLocks noChangeAspect="1" noChangeArrowheads="1"/>
+          </p:cNvPicPr>
+          <p:nvPr/>
+        </p:nvPicPr>
+        <p:blipFill>
+          <a:blip r:embed="rId4"/>
+          <a:srcRect/>
+          <a:stretch>
+            <a:fillRect/>
+          </a:stretch>
+        </p:blipFill>
+        <p:spPr bwMode="auto">
+          <a:xfrm>
+            <a:off x="381000" y="4648199"/>
+            <a:ext cx="4648200" cy="2010207"/>
           </a:xfrm>
           <a:prstGeom prst="rect">
             <a:avLst/>
@@ -3882,8 +3954,22 @@
 </file>
 
 <file path=ppt/slides/slide17.xml><?xml version="1.0" encoding="utf-8"?>
-<p:sld xmlns:a="http://schemas.openxmlformats.org/drawingml/2006/main" xmlns:r="http://schemas.openxmlformats.org/officeDocument/2006/relationships" xmlns:p="http://schemas.openxmlformats.org/presentationml/2006/main">
+<p:sld xmlns:a="http://schemas.openxmlformats.org/drawingml/2006/main" xmlns:r="http://schemas.openxmlformats.org/officeDocument/2006/relationships" xmlns:p="http://schemas.openxmlformats.org/presentationml/2006/main" showMasterSp="0">
   <p:cSld>
+    <p:bg>
+      <p:bgPr>
+        <a:blipFill dpi="0" rotWithShape="1">
+          <a:blip r:embed="rId2">
+            <a:lum/>
+          </a:blip>
+          <a:srcRect/>
+          <a:stretch>
+            <a:fillRect/>
+          </a:stretch>
+        </a:blipFill>
+        <a:effectLst/>
+      </p:bgPr>
+    </p:bg>
     <p:spTree>
       <p:nvGrpSpPr>
         <p:cNvPr id="1" name=""/>
@@ -3910,8 +3996,8 @@
         </p:nvSpPr>
         <p:spPr>
           <a:xfrm>
-            <a:off x="457200" y="990600"/>
-            <a:ext cx="8229600" cy="5135563"/>
+            <a:off x="5105400" y="4572000"/>
+            <a:ext cx="4038600" cy="2286000"/>
           </a:xfrm>
         </p:spPr>
         <p:txBody>
@@ -3921,13 +4007,13 @@
           <a:lstStyle/>
           <a:p>
             <a:r>
-              <a:rPr lang="en-US" sz="2400" b="1" noProof="1" smtClean="0">
+              <a:rPr lang="en-US" b="1" noProof="1" smtClean="0">
                 <a:latin typeface="Times New Roman" pitchFamily="18" charset="0"/>
                 <a:cs typeface="Times New Roman" pitchFamily="18" charset="0"/>
               </a:rPr>
               <a:t>Componentele Swing folosite</a:t>
             </a:r>
-            <a:endParaRPr lang="ro-RO" sz="2400" b="1" noProof="1">
+            <a:endParaRPr lang="ro-RO" b="1" noProof="1">
               <a:latin typeface="Times New Roman" pitchFamily="18" charset="0"/>
               <a:cs typeface="Times New Roman" pitchFamily="18" charset="0"/>
             </a:endParaRPr>
@@ -3946,36 +4032,31 @@
         </p:nvSpPr>
         <p:spPr>
           <a:xfrm>
-            <a:off x="381000" y="228600"/>
-            <a:ext cx="8229600" cy="707335"/>
-          </a:xfrm>
-        </p:spPr>
-        <p:txBody>
-          <a:bodyPr/>
-          <a:lstStyle/>
-          <a:p>
-            <a:r>
-              <a:rPr lang="ro-RO" noProof="1" smtClean="0">
-                <a:latin typeface="Times New Roman" pitchFamily="18" charset="0"/>
-                <a:cs typeface="Times New Roman" pitchFamily="18" charset="0"/>
-              </a:rPr>
-              <a:t>Interfata</a:t>
-            </a:r>
-            <a:r>
-              <a:rPr lang="ro-RO" noProof="1" smtClean="0">
-                <a:latin typeface="Times New Roman" pitchFamily="18" charset="0"/>
-                <a:cs typeface="Times New Roman" pitchFamily="18" charset="0"/>
-              </a:rPr>
-              <a:t> grafica cu </a:t>
-            </a:r>
-            <a:r>
-              <a:rPr lang="ro-RO" noProof="1" smtClean="0">
-                <a:latin typeface="Times New Roman" pitchFamily="18" charset="0"/>
-                <a:cs typeface="Times New Roman" pitchFamily="18" charset="0"/>
-              </a:rPr>
-              <a:t>utilizatorul</a:t>
-            </a:r>
-            <a:endParaRPr lang="ro-RO" noProof="1">
+            <a:off x="2743200" y="914400"/>
+            <a:ext cx="6400800" cy="707335"/>
+          </a:xfrm>
+        </p:spPr>
+        <p:txBody>
+          <a:bodyPr>
+            <a:normAutofit/>
+          </a:bodyPr>
+          <a:lstStyle/>
+          <a:p>
+            <a:pPr algn="ctr"/>
+            <a:r>
+              <a:rPr lang="ro-RO" sz="3200" b="1" noProof="1" smtClean="0">
+                <a:solidFill>
+                  <a:schemeClr val="bg1"/>
+                </a:solidFill>
+                <a:latin typeface="Times New Roman" pitchFamily="18" charset="0"/>
+                <a:cs typeface="Times New Roman" pitchFamily="18" charset="0"/>
+              </a:rPr>
+              <a:t>Interfata grafica cu utilizatorul</a:t>
+            </a:r>
+            <a:endParaRPr lang="ro-RO" sz="3200" b="1" noProof="1">
+              <a:solidFill>
+                <a:schemeClr val="bg1"/>
+              </a:solidFill>
               <a:latin typeface="Times New Roman" pitchFamily="18" charset="0"/>
               <a:cs typeface="Times New Roman" pitchFamily="18" charset="0"/>
             </a:endParaRPr>
@@ -3985,36 +4066,6 @@
       <p:pic>
         <p:nvPicPr>
           <p:cNvPr id="4" name="Picture 3"/>
-          <p:cNvPicPr/>
-          <p:nvPr/>
-        </p:nvPicPr>
-        <p:blipFill>
-          <a:blip r:embed="rId2"/>
-          <a:srcRect/>
-          <a:stretch>
-            <a:fillRect/>
-          </a:stretch>
-        </p:blipFill>
-        <p:spPr bwMode="auto">
-          <a:xfrm>
-            <a:off x="685800" y="1447800"/>
-            <a:ext cx="3429000" cy="2514600"/>
-          </a:xfrm>
-          <a:prstGeom prst="rect">
-            <a:avLst/>
-          </a:prstGeom>
-          <a:noFill/>
-          <a:ln w="9525">
-            <a:noFill/>
-            <a:miter lim="800000"/>
-            <a:headEnd/>
-            <a:tailEnd/>
-          </a:ln>
-        </p:spPr>
-      </p:pic>
-      <p:pic>
-        <p:nvPicPr>
-          <p:cNvPr id="5" name="Picture 4"/>
           <p:cNvPicPr/>
           <p:nvPr/>
         </p:nvPicPr>
@@ -4027,8 +4078,8 @@
         </p:blipFill>
         <p:spPr bwMode="auto">
           <a:xfrm>
-            <a:off x="3352800" y="4038600"/>
-            <a:ext cx="3690442" cy="2562447"/>
+            <a:off x="533400" y="2057400"/>
+            <a:ext cx="3429000" cy="2362200"/>
           </a:xfrm>
           <a:prstGeom prst="rect">
             <a:avLst/>
@@ -4042,6 +4093,36 @@
           </a:ln>
         </p:spPr>
       </p:pic>
+      <p:pic>
+        <p:nvPicPr>
+          <p:cNvPr id="5" name="Picture 4"/>
+          <p:cNvPicPr/>
+          <p:nvPr/>
+        </p:nvPicPr>
+        <p:blipFill>
+          <a:blip r:embed="rId4"/>
+          <a:srcRect/>
+          <a:stretch>
+            <a:fillRect/>
+          </a:stretch>
+        </p:blipFill>
+        <p:spPr bwMode="auto">
+          <a:xfrm>
+            <a:off x="1524000" y="4572000"/>
+            <a:ext cx="3276600" cy="2133600"/>
+          </a:xfrm>
+          <a:prstGeom prst="rect">
+            <a:avLst/>
+          </a:prstGeom>
+          <a:noFill/>
+          <a:ln w="9525">
+            <a:noFill/>
+            <a:miter lim="800000"/>
+            <a:headEnd/>
+            <a:tailEnd/>
+          </a:ln>
+        </p:spPr>
+      </p:pic>
       <p:sp>
         <p:nvSpPr>
           <p:cNvPr id="7" name="Plus 6"/>
@@ -4050,7 +4131,7 @@
         </p:nvSpPr>
         <p:spPr>
           <a:xfrm>
-            <a:off x="4038600" y="2286000"/>
+            <a:off x="4114800" y="2819400"/>
             <a:ext cx="685800" cy="685800"/>
           </a:xfrm>
           <a:prstGeom prst="mathPlus">
@@ -4094,7 +4175,7 @@
           <p:nvPr/>
         </p:nvPicPr>
         <p:blipFill>
-          <a:blip r:embed="rId4"/>
+          <a:blip r:embed="rId5"/>
           <a:srcRect/>
           <a:stretch>
             <a:fillRect/>
@@ -4102,8 +4183,8 @@
         </p:blipFill>
         <p:spPr bwMode="auto">
           <a:xfrm>
-            <a:off x="4724400" y="1447800"/>
-            <a:ext cx="3734169" cy="2438400"/>
+            <a:off x="4876800" y="2057400"/>
+            <a:ext cx="3617477" cy="2362200"/>
           </a:xfrm>
           <a:prstGeom prst="rect">
             <a:avLst/>
@@ -4126,7 +4207,7 @@
         </p:nvSpPr>
         <p:spPr>
           <a:xfrm>
-            <a:off x="2133600" y="5105400"/>
+            <a:off x="533400" y="5257800"/>
             <a:ext cx="990600" cy="609600"/>
           </a:xfrm>
           <a:prstGeom prst="mathEqual">
@@ -4184,8 +4265,22 @@
 </file>
 
 <file path=ppt/slides/slide18.xml><?xml version="1.0" encoding="utf-8"?>
-<p:sld xmlns:a="http://schemas.openxmlformats.org/drawingml/2006/main" xmlns:r="http://schemas.openxmlformats.org/officeDocument/2006/relationships" xmlns:p="http://schemas.openxmlformats.org/presentationml/2006/main">
+<p:sld xmlns:a="http://schemas.openxmlformats.org/drawingml/2006/main" xmlns:r="http://schemas.openxmlformats.org/officeDocument/2006/relationships" xmlns:p="http://schemas.openxmlformats.org/presentationml/2006/main" showMasterSp="0">
   <p:cSld>
+    <p:bg>
+      <p:bgPr>
+        <a:blipFill dpi="0" rotWithShape="1">
+          <a:blip r:embed="rId2">
+            <a:lum/>
+          </a:blip>
+          <a:srcRect/>
+          <a:stretch>
+            <a:fillRect/>
+          </a:stretch>
+        </a:blipFill>
+        <a:effectLst/>
+      </p:bgPr>
+    </p:bg>
     <p:spTree>
       <p:nvGrpSpPr>
         <p:cNvPr id="1" name=""/>
@@ -4210,9 +4305,16 @@
             <p:ph type="body" idx="1"/>
           </p:nvPr>
         </p:nvSpPr>
-        <p:spPr/>
-        <p:txBody>
-          <a:bodyPr/>
+        <p:spPr>
+          <a:xfrm>
+            <a:off x="457200" y="2209800"/>
+            <a:ext cx="8229600" cy="4343400"/>
+          </a:xfrm>
+        </p:spPr>
+        <p:txBody>
+          <a:bodyPr>
+            <a:normAutofit/>
+          </a:bodyPr>
           <a:lstStyle/>
           <a:p>
             <a:r>
@@ -4265,40 +4367,33 @@
                 <a:latin typeface="Times New Roman" pitchFamily="18" charset="0"/>
                 <a:cs typeface="Times New Roman" pitchFamily="18" charset="0"/>
               </a:rPr>
-              <a:t>	</a:t>
-            </a:r>
+              <a:t>	componente</a:t>
+            </a:r>
+          </a:p>
+          <a:p>
+            <a:endParaRPr lang="en-US" b="1" noProof="1" smtClean="0">
+              <a:latin typeface="Times New Roman" pitchFamily="18" charset="0"/>
+              <a:cs typeface="Times New Roman" pitchFamily="18" charset="0"/>
+            </a:endParaRPr>
+          </a:p>
+          <a:p>
+            <a:endParaRPr lang="en-US" b="1" noProof="1" smtClean="0">
+              <a:latin typeface="Times New Roman" pitchFamily="18" charset="0"/>
+              <a:cs typeface="Times New Roman" pitchFamily="18" charset="0"/>
+            </a:endParaRPr>
+          </a:p>
+          <a:p>
+            <a:endParaRPr lang="en-US" b="1" noProof="1" smtClean="0">
+              <a:latin typeface="Times New Roman" pitchFamily="18" charset="0"/>
+              <a:cs typeface="Times New Roman" pitchFamily="18" charset="0"/>
+            </a:endParaRPr>
+          </a:p>
+          <a:p>
             <a:r>
               <a:rPr lang="en-US" sz="2400" b="1" noProof="1" smtClean="0">
                 <a:latin typeface="Times New Roman" pitchFamily="18" charset="0"/>
                 <a:cs typeface="Times New Roman" pitchFamily="18" charset="0"/>
               </a:rPr>
-              <a:t>componente</a:t>
-            </a:r>
-          </a:p>
-          <a:p>
-            <a:endParaRPr lang="en-US" b="1" noProof="1" smtClean="0">
-              <a:latin typeface="Times New Roman" pitchFamily="18" charset="0"/>
-              <a:cs typeface="Times New Roman" pitchFamily="18" charset="0"/>
-            </a:endParaRPr>
-          </a:p>
-          <a:p>
-            <a:endParaRPr lang="en-US" b="1" noProof="1" smtClean="0">
-              <a:latin typeface="Times New Roman" pitchFamily="18" charset="0"/>
-              <a:cs typeface="Times New Roman" pitchFamily="18" charset="0"/>
-            </a:endParaRPr>
-          </a:p>
-          <a:p>
-            <a:endParaRPr lang="en-US" b="1" noProof="1" smtClean="0">
-              <a:latin typeface="Times New Roman" pitchFamily="18" charset="0"/>
-              <a:cs typeface="Times New Roman" pitchFamily="18" charset="0"/>
-            </a:endParaRPr>
-          </a:p>
-          <a:p>
-            <a:r>
-              <a:rPr lang="en-US" sz="2400" b="1" noProof="1" smtClean="0">
-                <a:latin typeface="Times New Roman" pitchFamily="18" charset="0"/>
-                <a:cs typeface="Times New Roman" pitchFamily="18" charset="0"/>
-              </a:rPr>
               <a:t>Folosirea tehnicii Double Buffering</a:t>
             </a:r>
             <a:endParaRPr lang="ro-RO" sz="2400" b="1" noProof="1">
@@ -4318,33 +4413,33 @@
             <p:ph type="title"/>
           </p:nvPr>
         </p:nvSpPr>
-        <p:spPr/>
-        <p:txBody>
-          <a:bodyPr/>
-          <a:lstStyle/>
-          <a:p>
-            <a:r>
-              <a:rPr lang="ro-RO" b="1" noProof="1" smtClean="0">
-                <a:latin typeface="Times New Roman" pitchFamily="18" charset="0"/>
-                <a:cs typeface="Times New Roman" pitchFamily="18" charset="0"/>
-              </a:rPr>
-              <a:t>Interfata</a:t>
-            </a:r>
-            <a:r>
-              <a:rPr lang="ro-RO" b="1" noProof="1" smtClean="0">
-                <a:latin typeface="Times New Roman" pitchFamily="18" charset="0"/>
-                <a:cs typeface="Times New Roman" pitchFamily="18" charset="0"/>
-              </a:rPr>
-              <a:t> grafica cu utilizatorul </a:t>
-            </a:r>
-            <a:r>
-              <a:rPr lang="ro-RO" b="1" noProof="1" smtClean="0">
-                <a:latin typeface="Times New Roman" pitchFamily="18" charset="0"/>
-                <a:cs typeface="Times New Roman" pitchFamily="18" charset="0"/>
-              </a:rPr>
-              <a:t>(2)</a:t>
-            </a:r>
-            <a:endParaRPr lang="ro-RO" b="1" noProof="1">
+        <p:spPr>
+          <a:xfrm>
+            <a:off x="2286000" y="914400"/>
+            <a:ext cx="7315200" cy="685800"/>
+          </a:xfrm>
+        </p:spPr>
+        <p:txBody>
+          <a:bodyPr>
+            <a:normAutofit/>
+          </a:bodyPr>
+          <a:lstStyle/>
+          <a:p>
+            <a:pPr algn="ctr"/>
+            <a:r>
+              <a:rPr lang="ro-RO" sz="3200" b="1" noProof="1" smtClean="0">
+                <a:solidFill>
+                  <a:schemeClr val="bg1"/>
+                </a:solidFill>
+                <a:latin typeface="Times New Roman" pitchFamily="18" charset="0"/>
+                <a:cs typeface="Times New Roman" pitchFamily="18" charset="0"/>
+              </a:rPr>
+              <a:t>Interfata grafica cu utilizatorul (2)</a:t>
+            </a:r>
+            <a:endParaRPr lang="ro-RO" sz="3200" b="1" noProof="1">
+              <a:solidFill>
+                <a:schemeClr val="bg1"/>
+              </a:solidFill>
               <a:latin typeface="Times New Roman" pitchFamily="18" charset="0"/>
               <a:cs typeface="Times New Roman" pitchFamily="18" charset="0"/>
             </a:endParaRPr>
@@ -4358,7 +4453,7 @@
           <p:nvPr/>
         </p:nvPicPr>
         <p:blipFill>
-          <a:blip r:embed="rId2"/>
+          <a:blip r:embed="rId3"/>
           <a:srcRect/>
           <a:stretch>
             <a:fillRect/>
@@ -4366,7 +4461,7 @@
         </p:blipFill>
         <p:spPr bwMode="auto">
           <a:xfrm>
-            <a:off x="6477000" y="1676400"/>
+            <a:off x="6400800" y="2133600"/>
             <a:ext cx="2305050" cy="4148138"/>
           </a:xfrm>
           <a:prstGeom prst="rect">
@@ -4389,12 +4484,33 @@
   <p:transition>
     <p:fade thruBlk="1"/>
   </p:transition>
+  <p:timing>
+    <p:tnLst>
+      <p:par>
+        <p:cTn id="1" dur="indefinite" restart="never" nodeType="tmRoot"/>
+      </p:par>
+    </p:tnLst>
+  </p:timing>
 </p:sld>
 </file>
 
 <file path=ppt/slides/slide19.xml><?xml version="1.0" encoding="utf-8"?>
-<p:sld xmlns:a="http://schemas.openxmlformats.org/drawingml/2006/main" xmlns:r="http://schemas.openxmlformats.org/officeDocument/2006/relationships" xmlns:p="http://schemas.openxmlformats.org/presentationml/2006/main">
+<p:sld xmlns:a="http://schemas.openxmlformats.org/drawingml/2006/main" xmlns:r="http://schemas.openxmlformats.org/officeDocument/2006/relationships" xmlns:p="http://schemas.openxmlformats.org/presentationml/2006/main" showMasterSp="0">
   <p:cSld>
+    <p:bg>
+      <p:bgPr>
+        <a:blipFill dpi="0" rotWithShape="1">
+          <a:blip r:embed="rId2">
+            <a:lum/>
+          </a:blip>
+          <a:srcRect/>
+          <a:stretch>
+            <a:fillRect/>
+          </a:stretch>
+        </a:blipFill>
+        <a:effectLst/>
+      </p:bgPr>
+    </p:bg>
     <p:spTree>
       <p:nvGrpSpPr>
         <p:cNvPr id="1" name=""/>
@@ -4421,8 +4537,8 @@
         </p:nvSpPr>
         <p:spPr>
           <a:xfrm>
-            <a:off x="457200" y="1219200"/>
-            <a:ext cx="8229600" cy="4906963"/>
+            <a:off x="457200" y="1981200"/>
+            <a:ext cx="8229600" cy="4876800"/>
           </a:xfrm>
         </p:spPr>
         <p:txBody>
@@ -4436,12 +4552,6 @@
               </a:rPr>
               <a:t>Componenta a aplicatiei parte a functionarii automate</a:t>
             </a:r>
-          </a:p>
-          <a:p>
-            <a:endParaRPr lang="en-US" sz="2400" b="1" noProof="1" smtClean="0">
-              <a:latin typeface="Times New Roman" pitchFamily="18" charset="0"/>
-              <a:cs typeface="Times New Roman" pitchFamily="18" charset="0"/>
-            </a:endParaRPr>
           </a:p>
           <a:p>
             <a:r>
@@ -4472,11 +4582,7 @@
             <a:pPr lvl="1"/>
             <a:r>
               <a:rPr lang="ro-RO" sz="2200" dirty="0" smtClean="0"/>
-              <a:t>Scenarii pentru testarea unor functionalitati specifice ale </a:t>
-            </a:r>
-            <a:r>
-              <a:rPr lang="ro-RO" sz="2200" dirty="0" smtClean="0"/>
-              <a:t>indicatoarelor</a:t>
+              <a:t>Scenarii pentru testarea unor functionalitati specifice ale indicatoarelor</a:t>
             </a:r>
             <a:endParaRPr lang="en-US" sz="2200" b="1" noProof="1" smtClean="0">
               <a:latin typeface="Times New Roman" pitchFamily="18" charset="0"/>
@@ -4516,36 +4622,31 @@
         </p:nvSpPr>
         <p:spPr>
           <a:xfrm>
-            <a:off x="457200" y="359465"/>
-            <a:ext cx="8229600" cy="783535"/>
-          </a:xfrm>
-        </p:spPr>
-        <p:txBody>
-          <a:bodyPr/>
-          <a:lstStyle/>
-          <a:p>
-            <a:r>
-              <a:rPr lang="ro-RO" b="1" noProof="1" smtClean="0">
-                <a:latin typeface="Times New Roman" pitchFamily="18" charset="0"/>
-                <a:cs typeface="Times New Roman" pitchFamily="18" charset="0"/>
-              </a:rPr>
-              <a:t>Modulul</a:t>
-            </a:r>
-            <a:r>
-              <a:rPr lang="ro-RO" b="1" noProof="1" smtClean="0">
-                <a:latin typeface="Times New Roman" pitchFamily="18" charset="0"/>
-                <a:cs typeface="Times New Roman" pitchFamily="18" charset="0"/>
-              </a:rPr>
-              <a:t> de </a:t>
-            </a:r>
-            <a:r>
-              <a:rPr lang="ro-RO" b="1" noProof="1" smtClean="0">
-                <a:latin typeface="Times New Roman" pitchFamily="18" charset="0"/>
-                <a:cs typeface="Times New Roman" pitchFamily="18" charset="0"/>
-              </a:rPr>
-              <a:t>testare</a:t>
-            </a:r>
-            <a:endParaRPr lang="ro-RO" b="1" noProof="1">
+            <a:off x="3733800" y="990600"/>
+            <a:ext cx="4724400" cy="685800"/>
+          </a:xfrm>
+        </p:spPr>
+        <p:txBody>
+          <a:bodyPr>
+            <a:normAutofit/>
+          </a:bodyPr>
+          <a:lstStyle/>
+          <a:p>
+            <a:pPr algn="ctr"/>
+            <a:r>
+              <a:rPr lang="ro-RO" sz="3200" b="1" noProof="1" smtClean="0">
+                <a:solidFill>
+                  <a:schemeClr val="bg1"/>
+                </a:solidFill>
+                <a:latin typeface="Times New Roman" pitchFamily="18" charset="0"/>
+                <a:cs typeface="Times New Roman" pitchFamily="18" charset="0"/>
+              </a:rPr>
+              <a:t>Modulul de testare</a:t>
+            </a:r>
+            <a:endParaRPr lang="ro-RO" sz="3200" b="1" noProof="1">
+              <a:solidFill>
+                <a:schemeClr val="bg1"/>
+              </a:solidFill>
               <a:latin typeface="Times New Roman" pitchFamily="18" charset="0"/>
               <a:cs typeface="Times New Roman" pitchFamily="18" charset="0"/>
             </a:endParaRPr>
@@ -4559,7 +4660,7 @@
           <p:nvPr/>
         </p:nvPicPr>
         <p:blipFill>
-          <a:blip r:embed="rId2"/>
+          <a:blip r:embed="rId3"/>
           <a:srcRect/>
           <a:stretch>
             <a:fillRect/>
@@ -4567,7 +4668,7 @@
         </p:blipFill>
         <p:spPr bwMode="auto">
           <a:xfrm>
-            <a:off x="1524000" y="4876800"/>
+            <a:off x="1524000" y="5257800"/>
             <a:ext cx="5934075" cy="1285875"/>
           </a:xfrm>
           <a:prstGeom prst="rect">
@@ -4590,12 +4691,33 @@
   <p:transition>
     <p:fade thruBlk="1"/>
   </p:transition>
+  <p:timing>
+    <p:tnLst>
+      <p:par>
+        <p:cTn id="1" dur="indefinite" restart="never" nodeType="tmRoot"/>
+      </p:par>
+    </p:tnLst>
+  </p:timing>
 </p:sld>
 </file>
 
 <file path=ppt/slides/slide2.xml><?xml version="1.0" encoding="utf-8"?>
-<p:sld xmlns:a="http://schemas.openxmlformats.org/drawingml/2006/main" xmlns:r="http://schemas.openxmlformats.org/officeDocument/2006/relationships" xmlns:p="http://schemas.openxmlformats.org/presentationml/2006/main">
+<p:sld xmlns:a="http://schemas.openxmlformats.org/drawingml/2006/main" xmlns:r="http://schemas.openxmlformats.org/officeDocument/2006/relationships" xmlns:p="http://schemas.openxmlformats.org/presentationml/2006/main" showMasterSp="0">
   <p:cSld>
+    <p:bg>
+      <p:bgPr>
+        <a:blipFill dpi="0" rotWithShape="1">
+          <a:blip r:embed="rId2">
+            <a:lum/>
+          </a:blip>
+          <a:srcRect/>
+          <a:stretch>
+            <a:fillRect/>
+          </a:stretch>
+        </a:blipFill>
+        <a:effectLst/>
+      </p:bgPr>
+    </p:bg>
     <p:spTree>
       <p:nvGrpSpPr>
         <p:cNvPr id="1" name=""/>
@@ -4620,7 +4742,12 @@
             <p:ph type="body" idx="1"/>
           </p:nvPr>
         </p:nvSpPr>
-        <p:spPr/>
+        <p:spPr>
+          <a:xfrm>
+            <a:off x="457200" y="1981200"/>
+            <a:ext cx="8229600" cy="4495800"/>
+          </a:xfrm>
+        </p:spPr>
         <p:txBody>
           <a:bodyPr>
             <a:normAutofit lnSpcReduction="10000"/>
@@ -4633,11 +4760,17 @@
               </a:buClr>
             </a:pPr>
             <a:r>
-              <a:rPr lang="en-US" b="1" noProof="1" smtClean="0"/>
+              <a:rPr lang="en-US" b="1" noProof="1" smtClean="0">
+                <a:latin typeface="Times New Roman" pitchFamily="18" charset="0"/>
+                <a:cs typeface="Times New Roman" pitchFamily="18" charset="0"/>
+              </a:rPr>
               <a:t>Context : </a:t>
             </a:r>
             <a:r>
-              <a:rPr lang="ro-RO" b="1" noProof="1" smtClean="0"/>
+              <a:rPr lang="ro-RO" b="1" noProof="1" smtClean="0">
+                <a:latin typeface="Times New Roman" pitchFamily="18" charset="0"/>
+                <a:cs typeface="Times New Roman" pitchFamily="18" charset="0"/>
+              </a:rPr>
               <a:t>Software pentru sisteme embedded</a:t>
             </a:r>
           </a:p>
@@ -4648,7 +4781,10 @@
               </a:buClr>
             </a:pPr>
             <a:r>
-              <a:rPr lang="ro-RO" b="1" noProof="1" smtClean="0"/>
+              <a:rPr lang="ro-RO" b="1" noProof="1" smtClean="0">
+                <a:latin typeface="Times New Roman" pitchFamily="18" charset="0"/>
+                <a:cs typeface="Times New Roman" pitchFamily="18" charset="0"/>
+              </a:rPr>
               <a:t>Tehnologii folosite</a:t>
             </a:r>
           </a:p>
@@ -4659,7 +4795,10 @@
               </a:buClr>
             </a:pPr>
             <a:r>
-              <a:rPr lang="en-US" noProof="1" smtClean="0"/>
+              <a:rPr lang="en-US" noProof="1" smtClean="0">
+                <a:latin typeface="Times New Roman" pitchFamily="18" charset="0"/>
+                <a:cs typeface="Times New Roman" pitchFamily="18" charset="0"/>
+              </a:rPr>
               <a:t>Baze de date</a:t>
             </a:r>
           </a:p>
@@ -4670,7 +4809,10 @@
               </a:buClr>
             </a:pPr>
             <a:r>
-              <a:rPr lang="en-US" noProof="1" smtClean="0"/>
+              <a:rPr lang="en-US" noProof="1" smtClean="0">
+                <a:latin typeface="Times New Roman" pitchFamily="18" charset="0"/>
+                <a:cs typeface="Times New Roman" pitchFamily="18" charset="0"/>
+              </a:rPr>
               <a:t>Programare orientata pe obiecte</a:t>
             </a:r>
           </a:p>
@@ -4681,7 +4823,10 @@
               </a:buClr>
             </a:pPr>
             <a:r>
-              <a:rPr lang="en-US" noProof="1" smtClean="0"/>
+              <a:rPr lang="en-US" noProof="1" smtClean="0">
+                <a:latin typeface="Times New Roman" pitchFamily="18" charset="0"/>
+                <a:cs typeface="Times New Roman" pitchFamily="18" charset="0"/>
+              </a:rPr>
               <a:t>Modelare UML</a:t>
             </a:r>
           </a:p>
@@ -4692,7 +4837,10 @@
               </a:buClr>
             </a:pPr>
             <a:r>
-              <a:rPr lang="en-US" noProof="1" smtClean="0"/>
+              <a:rPr lang="en-US" noProof="1" smtClean="0">
+                <a:latin typeface="Times New Roman" pitchFamily="18" charset="0"/>
+                <a:cs typeface="Times New Roman" pitchFamily="18" charset="0"/>
+              </a:rPr>
               <a:t>Platforma Netbeans</a:t>
             </a:r>
           </a:p>
@@ -4703,7 +4851,10 @@
               </a:buClr>
             </a:pPr>
             <a:r>
-              <a:rPr lang="en-US" noProof="1" smtClean="0"/>
+              <a:rPr lang="en-US" noProof="1" smtClean="0">
+                <a:latin typeface="Times New Roman" pitchFamily="18" charset="0"/>
+                <a:cs typeface="Times New Roman" pitchFamily="18" charset="0"/>
+              </a:rPr>
               <a:t>Java Swing</a:t>
             </a:r>
           </a:p>
@@ -4714,7 +4865,10 @@
               </a:buClr>
             </a:pPr>
             <a:r>
-              <a:rPr lang="en-US" b="1" noProof="1" smtClean="0"/>
+              <a:rPr lang="en-US" b="1" noProof="1" smtClean="0">
+                <a:latin typeface="Times New Roman" pitchFamily="18" charset="0"/>
+                <a:cs typeface="Times New Roman" pitchFamily="18" charset="0"/>
+              </a:rPr>
               <a:t>Descrierea proiectului</a:t>
             </a:r>
           </a:p>
@@ -4725,7 +4879,10 @@
               </a:buClr>
             </a:pPr>
             <a:r>
-              <a:rPr lang="en-US" noProof="1" smtClean="0"/>
+              <a:rPr lang="en-US" noProof="1" smtClean="0">
+                <a:latin typeface="Times New Roman" pitchFamily="18" charset="0"/>
+                <a:cs typeface="Times New Roman" pitchFamily="18" charset="0"/>
+              </a:rPr>
               <a:t>Simulator</a:t>
             </a:r>
           </a:p>
@@ -4736,7 +4893,10 @@
               </a:buClr>
             </a:pPr>
             <a:r>
-              <a:rPr lang="en-US" noProof="1" smtClean="0"/>
+              <a:rPr lang="en-US" noProof="1" smtClean="0">
+                <a:latin typeface="Times New Roman" pitchFamily="18" charset="0"/>
+                <a:cs typeface="Times New Roman" pitchFamily="18" charset="0"/>
+              </a:rPr>
               <a:t>Interfata grafica cu utilizatorul</a:t>
             </a:r>
           </a:p>
@@ -4747,7 +4907,10 @@
               </a:buClr>
             </a:pPr>
             <a:r>
-              <a:rPr lang="en-US" noProof="1" smtClean="0"/>
+              <a:rPr lang="en-US" noProof="1" smtClean="0">
+                <a:latin typeface="Times New Roman" pitchFamily="18" charset="0"/>
+                <a:cs typeface="Times New Roman" pitchFamily="18" charset="0"/>
+              </a:rPr>
               <a:t>Modul de testare</a:t>
             </a:r>
           </a:p>
@@ -4758,16 +4921,22 @@
               </a:buClr>
             </a:pPr>
             <a:r>
-              <a:rPr lang="en-US" b="1" noProof="1" smtClean="0"/>
+              <a:rPr lang="en-US" b="1" noProof="1" smtClean="0">
+                <a:latin typeface="Times New Roman" pitchFamily="18" charset="0"/>
+                <a:cs typeface="Times New Roman" pitchFamily="18" charset="0"/>
+              </a:rPr>
               <a:t>Concluzii</a:t>
             </a:r>
-            <a:endParaRPr lang="ro-RO" b="1" noProof="1"/>
-          </a:p>
-        </p:txBody>
-      </p:sp>
-      <p:sp>
-        <p:nvSpPr>
-          <p:cNvPr id="3" name="Title 2"/>
+            <a:endParaRPr lang="ro-RO" b="1" noProof="1">
+              <a:latin typeface="Times New Roman" pitchFamily="18" charset="0"/>
+              <a:cs typeface="Times New Roman" pitchFamily="18" charset="0"/>
+            </a:endParaRPr>
+          </a:p>
+        </p:txBody>
+      </p:sp>
+      <p:sp>
+        <p:nvSpPr>
+          <p:cNvPr id="5" name="Title 2"/>
           <p:cNvSpPr>
             <a:spLocks noGrp="1"/>
           </p:cNvSpPr>
@@ -4775,21 +4944,32 @@
             <p:ph type="title"/>
           </p:nvPr>
         </p:nvSpPr>
-        <p:spPr/>
+        <p:spPr>
+          <a:xfrm>
+            <a:off x="5334000" y="990599"/>
+            <a:ext cx="3505200" cy="609601"/>
+          </a:xfrm>
+        </p:spPr>
         <p:txBody>
           <a:bodyPr>
-            <a:normAutofit/>
+            <a:normAutofit fontScale="90000"/>
           </a:bodyPr>
           <a:lstStyle/>
           <a:p>
             <a:r>
               <a:rPr lang="ro-RO" sz="4000" b="1" noProof="1" smtClean="0">
+                <a:solidFill>
+                  <a:schemeClr val="bg1"/>
+                </a:solidFill>
                 <a:latin typeface="Times New Roman" pitchFamily="18" charset="0"/>
                 <a:cs typeface="Times New Roman" pitchFamily="18" charset="0"/>
               </a:rPr>
               <a:t>Cuprins</a:t>
             </a:r>
             <a:endParaRPr lang="ro-RO" sz="4000" b="1" noProof="1">
+              <a:solidFill>
+                <a:schemeClr val="bg1"/>
+              </a:solidFill>
               <a:latin typeface="Times New Roman" pitchFamily="18" charset="0"/>
               <a:cs typeface="Times New Roman" pitchFamily="18" charset="0"/>
             </a:endParaRPr>
@@ -4815,8 +4995,22 @@
 </file>
 
 <file path=ppt/slides/slide20.xml><?xml version="1.0" encoding="utf-8"?>
-<p:sld xmlns:a="http://schemas.openxmlformats.org/drawingml/2006/main" xmlns:r="http://schemas.openxmlformats.org/officeDocument/2006/relationships" xmlns:p="http://schemas.openxmlformats.org/presentationml/2006/main">
+<p:sld xmlns:a="http://schemas.openxmlformats.org/drawingml/2006/main" xmlns:r="http://schemas.openxmlformats.org/officeDocument/2006/relationships" xmlns:p="http://schemas.openxmlformats.org/presentationml/2006/main" showMasterSp="0">
   <p:cSld>
+    <p:bg>
+      <p:bgPr>
+        <a:blipFill dpi="0" rotWithShape="1">
+          <a:blip r:embed="rId2">
+            <a:lum/>
+          </a:blip>
+          <a:srcRect/>
+          <a:stretch>
+            <a:fillRect/>
+          </a:stretch>
+        </a:blipFill>
+        <a:effectLst/>
+      </p:bgPr>
+    </p:bg>
     <p:spTree>
       <p:nvGrpSpPr>
         <p:cNvPr id="1" name=""/>
@@ -4942,19 +5136,33 @@
             <p:ph type="title"/>
           </p:nvPr>
         </p:nvSpPr>
-        <p:spPr/>
-        <p:txBody>
-          <a:bodyPr/>
-          <a:lstStyle/>
-          <a:p>
-            <a:r>
-              <a:rPr lang="ro-RO" b="1" noProof="1" smtClean="0">
+        <p:spPr>
+          <a:xfrm>
+            <a:off x="3581400" y="990600"/>
+            <a:ext cx="4800600" cy="664265"/>
+          </a:xfrm>
+        </p:spPr>
+        <p:txBody>
+          <a:bodyPr>
+            <a:normAutofit/>
+          </a:bodyPr>
+          <a:lstStyle/>
+          <a:p>
+            <a:pPr algn="ctr"/>
+            <a:r>
+              <a:rPr lang="ro-RO" sz="3200" b="1" noProof="1" smtClean="0">
+                <a:solidFill>
+                  <a:schemeClr val="bg1"/>
+                </a:solidFill>
                 <a:latin typeface="Times New Roman" pitchFamily="18" charset="0"/>
                 <a:cs typeface="Times New Roman" pitchFamily="18" charset="0"/>
               </a:rPr>
               <a:t>Concluzii</a:t>
             </a:r>
-            <a:endParaRPr lang="ro-RO" b="1" noProof="1">
+            <a:endParaRPr lang="ro-RO" sz="3200" b="1" noProof="1">
+              <a:solidFill>
+                <a:schemeClr val="bg1"/>
+              </a:solidFill>
               <a:latin typeface="Times New Roman" pitchFamily="18" charset="0"/>
               <a:cs typeface="Times New Roman" pitchFamily="18" charset="0"/>
             </a:endParaRPr>
@@ -4969,12 +5177,33 @@
   <p:transition>
     <p:fade thruBlk="1"/>
   </p:transition>
+  <p:timing>
+    <p:tnLst>
+      <p:par>
+        <p:cTn id="1" dur="indefinite" restart="never" nodeType="tmRoot"/>
+      </p:par>
+    </p:tnLst>
+  </p:timing>
 </p:sld>
 </file>
 
 <file path=ppt/slides/slide3.xml><?xml version="1.0" encoding="utf-8"?>
-<p:sld xmlns:a="http://schemas.openxmlformats.org/drawingml/2006/main" xmlns:r="http://schemas.openxmlformats.org/officeDocument/2006/relationships" xmlns:p="http://schemas.openxmlformats.org/presentationml/2006/main">
+<p:sld xmlns:a="http://schemas.openxmlformats.org/drawingml/2006/main" xmlns:r="http://schemas.openxmlformats.org/officeDocument/2006/relationships" xmlns:p="http://schemas.openxmlformats.org/presentationml/2006/main" showMasterSp="0">
   <p:cSld>
+    <p:bg>
+      <p:bgPr>
+        <a:blipFill dpi="0" rotWithShape="1">
+          <a:blip r:embed="rId2">
+            <a:lum/>
+          </a:blip>
+          <a:srcRect/>
+          <a:stretch>
+            <a:fillRect/>
+          </a:stretch>
+        </a:blipFill>
+        <a:effectLst/>
+      </p:bgPr>
+    </p:bg>
     <p:spTree>
       <p:nvGrpSpPr>
         <p:cNvPr id="1" name=""/>
@@ -4999,7 +5228,12 @@
             <p:ph type="body" idx="1"/>
           </p:nvPr>
         </p:nvSpPr>
-        <p:spPr/>
+        <p:spPr>
+          <a:xfrm>
+            <a:off x="457200" y="1981200"/>
+            <a:ext cx="8229600" cy="4724400"/>
+          </a:xfrm>
+        </p:spPr>
         <p:txBody>
           <a:bodyPr>
             <a:normAutofit lnSpcReduction="10000"/>
@@ -5081,19 +5315,33 @@
             <p:ph type="title"/>
           </p:nvPr>
         </p:nvSpPr>
-        <p:spPr/>
-        <p:txBody>
-          <a:bodyPr/>
-          <a:lstStyle/>
-          <a:p>
-            <a:r>
-              <a:rPr lang="ro-RO" b="1" noProof="1" smtClean="0">
+        <p:spPr>
+          <a:xfrm>
+            <a:off x="3200400" y="381000"/>
+            <a:ext cx="5638800" cy="1447800"/>
+          </a:xfrm>
+        </p:spPr>
+        <p:txBody>
+          <a:bodyPr>
+            <a:normAutofit/>
+          </a:bodyPr>
+          <a:lstStyle/>
+          <a:p>
+            <a:pPr algn="ctr"/>
+            <a:r>
+              <a:rPr lang="ro-RO" sz="3200" b="1" noProof="1" smtClean="0">
+                <a:solidFill>
+                  <a:schemeClr val="bg1"/>
+                </a:solidFill>
                 <a:latin typeface="Times New Roman" pitchFamily="18" charset="0"/>
                 <a:cs typeface="Times New Roman" pitchFamily="18" charset="0"/>
               </a:rPr>
               <a:t>Software pentru sisteme embedded</a:t>
             </a:r>
-            <a:endParaRPr lang="ro-RO" b="1" noProof="1">
+            <a:endParaRPr lang="ro-RO" sz="3200" b="1" noProof="1">
+              <a:solidFill>
+                <a:schemeClr val="bg1"/>
+              </a:solidFill>
               <a:latin typeface="Times New Roman" pitchFamily="18" charset="0"/>
               <a:cs typeface="Times New Roman" pitchFamily="18" charset="0"/>
             </a:endParaRPr>
@@ -5119,8 +5367,22 @@
 </file>
 
 <file path=ppt/slides/slide4.xml><?xml version="1.0" encoding="utf-8"?>
-<p:sld xmlns:a="http://schemas.openxmlformats.org/drawingml/2006/main" xmlns:r="http://schemas.openxmlformats.org/officeDocument/2006/relationships" xmlns:p="http://schemas.openxmlformats.org/presentationml/2006/main">
+<p:sld xmlns:a="http://schemas.openxmlformats.org/drawingml/2006/main" xmlns:r="http://schemas.openxmlformats.org/officeDocument/2006/relationships" xmlns:p="http://schemas.openxmlformats.org/presentationml/2006/main" showMasterSp="0">
   <p:cSld>
+    <p:bg>
+      <p:bgPr>
+        <a:blipFill dpi="0" rotWithShape="1">
+          <a:blip r:embed="rId2">
+            <a:lum/>
+          </a:blip>
+          <a:srcRect/>
+          <a:stretch>
+            <a:fillRect/>
+          </a:stretch>
+        </a:blipFill>
+        <a:effectLst/>
+      </p:bgPr>
+    </p:bg>
     <p:spTree>
       <p:nvGrpSpPr>
         <p:cNvPr id="1" name=""/>
@@ -5145,7 +5407,12 @@
             <p:ph type="body" idx="1"/>
           </p:nvPr>
         </p:nvSpPr>
-        <p:spPr/>
+        <p:spPr>
+          <a:xfrm>
+            <a:off x="457200" y="1981200"/>
+            <a:ext cx="8229600" cy="4648200"/>
+          </a:xfrm>
+        </p:spPr>
         <p:txBody>
           <a:bodyPr>
             <a:normAutofit/>
@@ -5265,7 +5532,7 @@
       </p:sp>
       <p:sp>
         <p:nvSpPr>
-          <p:cNvPr id="3" name="Title 2"/>
+          <p:cNvPr id="5" name="Title 2"/>
           <p:cNvSpPr>
             <a:spLocks noGrp="1"/>
           </p:cNvSpPr>
@@ -5273,19 +5540,33 @@
             <p:ph type="title"/>
           </p:nvPr>
         </p:nvSpPr>
-        <p:spPr/>
-        <p:txBody>
-          <a:bodyPr/>
-          <a:lstStyle/>
-          <a:p>
-            <a:r>
-              <a:rPr lang="ro-RO" b="1" noProof="1" smtClean="0">
+        <p:spPr>
+          <a:xfrm>
+            <a:off x="3048000" y="533400"/>
+            <a:ext cx="5486400" cy="1295400"/>
+          </a:xfrm>
+        </p:spPr>
+        <p:txBody>
+          <a:bodyPr>
+            <a:normAutofit/>
+          </a:bodyPr>
+          <a:lstStyle/>
+          <a:p>
+            <a:pPr algn="ctr"/>
+            <a:r>
+              <a:rPr lang="ro-RO" sz="3200" b="1" noProof="1" smtClean="0">
+                <a:solidFill>
+                  <a:schemeClr val="bg1"/>
+                </a:solidFill>
                 <a:latin typeface="Times New Roman" pitchFamily="18" charset="0"/>
                 <a:cs typeface="Times New Roman" pitchFamily="18" charset="0"/>
               </a:rPr>
               <a:t>Software pentru sisteme embedded (2)</a:t>
             </a:r>
-            <a:endParaRPr lang="ro-RO" b="1" noProof="1">
+            <a:endParaRPr lang="ro-RO" sz="3200" b="1" noProof="1">
+              <a:solidFill>
+                <a:schemeClr val="bg1"/>
+              </a:solidFill>
               <a:latin typeface="Times New Roman" pitchFamily="18" charset="0"/>
               <a:cs typeface="Times New Roman" pitchFamily="18" charset="0"/>
             </a:endParaRPr>
@@ -5311,8 +5592,22 @@
 </file>
 
 <file path=ppt/slides/slide5.xml><?xml version="1.0" encoding="utf-8"?>
-<p:sld xmlns:a="http://schemas.openxmlformats.org/drawingml/2006/main" xmlns:r="http://schemas.openxmlformats.org/officeDocument/2006/relationships" xmlns:p="http://schemas.openxmlformats.org/presentationml/2006/main">
+<p:sld xmlns:a="http://schemas.openxmlformats.org/drawingml/2006/main" xmlns:r="http://schemas.openxmlformats.org/officeDocument/2006/relationships" xmlns:p="http://schemas.openxmlformats.org/presentationml/2006/main" showMasterSp="0">
   <p:cSld>
+    <p:bg>
+      <p:bgPr>
+        <a:blipFill dpi="0" rotWithShape="1">
+          <a:blip r:embed="rId2">
+            <a:lum/>
+          </a:blip>
+          <a:srcRect/>
+          <a:stretch>
+            <a:fillRect/>
+          </a:stretch>
+        </a:blipFill>
+        <a:effectLst/>
+      </p:bgPr>
+    </p:bg>
     <p:spTree>
       <p:nvGrpSpPr>
         <p:cNvPr id="1" name=""/>
@@ -5337,7 +5632,12 @@
             <p:ph type="body" idx="1"/>
           </p:nvPr>
         </p:nvSpPr>
-        <p:spPr/>
+        <p:spPr>
+          <a:xfrm>
+            <a:off x="457200" y="1981200"/>
+            <a:ext cx="8229600" cy="4495800"/>
+          </a:xfrm>
+        </p:spPr>
         <p:txBody>
           <a:bodyPr/>
           <a:lstStyle/>
@@ -5417,7 +5717,7 @@
       </p:sp>
       <p:sp>
         <p:nvSpPr>
-          <p:cNvPr id="3" name="Title 2"/>
+          <p:cNvPr id="5" name="Title 2"/>
           <p:cNvSpPr>
             <a:spLocks noGrp="1"/>
           </p:cNvSpPr>
@@ -5425,19 +5725,35 @@
             <p:ph type="title"/>
           </p:nvPr>
         </p:nvSpPr>
-        <p:spPr/>
-        <p:txBody>
-          <a:bodyPr/>
+        <p:spPr>
+          <a:xfrm>
+            <a:off x="4038600" y="762000"/>
+            <a:ext cx="4724400" cy="859735"/>
+          </a:xfrm>
+        </p:spPr>
+        <p:txBody>
+          <a:bodyPr>
+            <a:normAutofit/>
+          </a:bodyPr>
           <a:lstStyle/>
           <a:p>
             <a:r>
               <a:rPr lang="ro-RO" b="1" noProof="1" smtClean="0">
+                <a:solidFill>
+                  <a:schemeClr val="bg1"/>
+                </a:solidFill>
                 <a:latin typeface="Times New Roman" pitchFamily="18" charset="0"/>
                 <a:cs typeface="Times New Roman" pitchFamily="18" charset="0"/>
               </a:rPr>
               <a:t>Tehnologii folosite</a:t>
             </a:r>
-            <a:endParaRPr lang="ro-RO" dirty="0"/>
+            <a:endParaRPr lang="ro-RO" b="1" noProof="1">
+              <a:solidFill>
+                <a:schemeClr val="bg1"/>
+              </a:solidFill>
+              <a:latin typeface="Times New Roman" pitchFamily="18" charset="0"/>
+              <a:cs typeface="Times New Roman" pitchFamily="18" charset="0"/>
+            </a:endParaRPr>
           </a:p>
         </p:txBody>
       </p:sp>
@@ -5460,8 +5776,22 @@
 </file>
 
 <file path=ppt/slides/slide6.xml><?xml version="1.0" encoding="utf-8"?>
-<p:sld xmlns:a="http://schemas.openxmlformats.org/drawingml/2006/main" xmlns:r="http://schemas.openxmlformats.org/officeDocument/2006/relationships" xmlns:p="http://schemas.openxmlformats.org/presentationml/2006/main">
+<p:sld xmlns:a="http://schemas.openxmlformats.org/drawingml/2006/main" xmlns:r="http://schemas.openxmlformats.org/officeDocument/2006/relationships" xmlns:p="http://schemas.openxmlformats.org/presentationml/2006/main" showMasterSp="0">
   <p:cSld>
+    <p:bg>
+      <p:bgPr>
+        <a:blipFill dpi="0" rotWithShape="1">
+          <a:blip r:embed="rId2">
+            <a:lum/>
+          </a:blip>
+          <a:srcRect/>
+          <a:stretch>
+            <a:fillRect/>
+          </a:stretch>
+        </a:blipFill>
+        <a:effectLst/>
+      </p:bgPr>
+    </p:bg>
     <p:spTree>
       <p:nvGrpSpPr>
         <p:cNvPr id="1" name=""/>
@@ -5486,7 +5816,12 @@
             <p:ph type="body" idx="1"/>
           </p:nvPr>
         </p:nvSpPr>
-        <p:spPr/>
+        <p:spPr>
+          <a:xfrm>
+            <a:off x="457200" y="2057400"/>
+            <a:ext cx="8229600" cy="4648200"/>
+          </a:xfrm>
+        </p:spPr>
         <p:txBody>
           <a:bodyPr>
             <a:normAutofit lnSpcReduction="10000"/>
@@ -5505,48 +5840,20 @@
                 <a:latin typeface="Times New Roman" pitchFamily="18" charset="0"/>
                 <a:cs typeface="Times New Roman" pitchFamily="18" charset="0"/>
               </a:rPr>
-              <a:t>(POO, uneori </a:t>
+              <a:t>(POO, uneori şi Programarea orientată obiect) este o paradigma de programare. Termenul englez corespunzător este </a:t>
+            </a:r>
+            <a:r>
+              <a:rPr lang="ro-RO" i="1" noProof="1" smtClean="0">
+                <a:latin typeface="Times New Roman" pitchFamily="18" charset="0"/>
+                <a:cs typeface="Times New Roman" pitchFamily="18" charset="0"/>
+              </a:rPr>
+              <a:t>Object Oriented Programming (OOP)</a:t>
             </a:r>
             <a:r>
               <a:rPr lang="ro-RO" noProof="1" smtClean="0">
                 <a:latin typeface="Times New Roman" pitchFamily="18" charset="0"/>
                 <a:cs typeface="Times New Roman" pitchFamily="18" charset="0"/>
               </a:rPr>
-              <a:t>şi Programarea orientată obiect) </a:t>
-            </a:r>
-            <a:r>
-              <a:rPr lang="ro-RO" noProof="1" smtClean="0">
-                <a:latin typeface="Times New Roman" pitchFamily="18" charset="0"/>
-                <a:cs typeface="Times New Roman" pitchFamily="18" charset="0"/>
-              </a:rPr>
-              <a:t>este o paradigma de programare. Termenul </a:t>
-            </a:r>
-            <a:r>
-              <a:rPr lang="ro-RO" noProof="1" smtClean="0">
-                <a:latin typeface="Times New Roman" pitchFamily="18" charset="0"/>
-                <a:cs typeface="Times New Roman" pitchFamily="18" charset="0"/>
-              </a:rPr>
-              <a:t>englez </a:t>
-            </a:r>
-            <a:r>
-              <a:rPr lang="ro-RO" noProof="1" smtClean="0">
-                <a:latin typeface="Times New Roman" pitchFamily="18" charset="0"/>
-                <a:cs typeface="Times New Roman" pitchFamily="18" charset="0"/>
-              </a:rPr>
-              <a:t>corespunzător este </a:t>
-            </a:r>
-            <a:r>
-              <a:rPr lang="ro-RO" i="1" noProof="1" smtClean="0">
-                <a:latin typeface="Times New Roman" pitchFamily="18" charset="0"/>
-                <a:cs typeface="Times New Roman" pitchFamily="18" charset="0"/>
-              </a:rPr>
-              <a:t>Object Oriented Programming (OOP)</a:t>
-            </a:r>
-            <a:r>
-              <a:rPr lang="ro-RO" noProof="1" smtClean="0">
-                <a:latin typeface="Times New Roman" pitchFamily="18" charset="0"/>
-                <a:cs typeface="Times New Roman" pitchFamily="18" charset="0"/>
-              </a:rPr>
               <a:t>.</a:t>
             </a:r>
           </a:p>
@@ -5634,7 +5941,7 @@
       </p:sp>
       <p:sp>
         <p:nvSpPr>
-          <p:cNvPr id="3" name="Title 2"/>
+          <p:cNvPr id="5" name="Title 2"/>
           <p:cNvSpPr>
             <a:spLocks noGrp="1"/>
           </p:cNvSpPr>
@@ -5642,19 +5949,33 @@
             <p:ph type="title"/>
           </p:nvPr>
         </p:nvSpPr>
-        <p:spPr/>
-        <p:txBody>
-          <a:bodyPr/>
-          <a:lstStyle/>
-          <a:p>
+        <p:spPr>
+          <a:xfrm>
+            <a:off x="3276600" y="685800"/>
+            <a:ext cx="5410200" cy="1143001"/>
+          </a:xfrm>
+        </p:spPr>
+        <p:txBody>
+          <a:bodyPr>
+            <a:normAutofit fontScale="90000"/>
+          </a:bodyPr>
+          <a:lstStyle/>
+          <a:p>
+            <a:pPr algn="ctr"/>
             <a:r>
               <a:rPr lang="ro-RO" b="1" noProof="1" smtClean="0">
+                <a:solidFill>
+                  <a:schemeClr val="bg1"/>
+                </a:solidFill>
                 <a:latin typeface="Times New Roman" pitchFamily="18" charset="0"/>
                 <a:cs typeface="Times New Roman" pitchFamily="18" charset="0"/>
               </a:rPr>
               <a:t>Programarea orientata pe obiecte</a:t>
             </a:r>
             <a:endParaRPr lang="ro-RO" b="1" noProof="1">
+              <a:solidFill>
+                <a:schemeClr val="bg1"/>
+              </a:solidFill>
               <a:latin typeface="Times New Roman" pitchFamily="18" charset="0"/>
               <a:cs typeface="Times New Roman" pitchFamily="18" charset="0"/>
             </a:endParaRPr>
@@ -5680,8 +6001,22 @@
 </file>
 
 <file path=ppt/slides/slide7.xml><?xml version="1.0" encoding="utf-8"?>
-<p:sld xmlns:a="http://schemas.openxmlformats.org/drawingml/2006/main" xmlns:r="http://schemas.openxmlformats.org/officeDocument/2006/relationships" xmlns:p="http://schemas.openxmlformats.org/presentationml/2006/main">
+<p:sld xmlns:a="http://schemas.openxmlformats.org/drawingml/2006/main" xmlns:r="http://schemas.openxmlformats.org/officeDocument/2006/relationships" xmlns:p="http://schemas.openxmlformats.org/presentationml/2006/main" showMasterSp="0">
   <p:cSld>
+    <p:bg>
+      <p:bgPr>
+        <a:blipFill dpi="0" rotWithShape="1">
+          <a:blip r:embed="rId2">
+            <a:lum/>
+          </a:blip>
+          <a:srcRect/>
+          <a:stretch>
+            <a:fillRect/>
+          </a:stretch>
+        </a:blipFill>
+        <a:effectLst/>
+      </p:bgPr>
+    </p:bg>
     <p:spTree>
       <p:nvGrpSpPr>
         <p:cNvPr id="1" name=""/>
@@ -5706,7 +6041,12 @@
             <p:ph type="body" idx="1"/>
           </p:nvPr>
         </p:nvSpPr>
-        <p:spPr/>
+        <p:spPr>
+          <a:xfrm>
+            <a:off x="457200" y="2057400"/>
+            <a:ext cx="8229600" cy="4648200"/>
+          </a:xfrm>
+        </p:spPr>
         <p:txBody>
           <a:bodyPr/>
           <a:lstStyle/>
@@ -5805,35 +6145,6 @@
               <a:t>Comparatie cu alte baze de date integrate SQL</a:t>
             </a:r>
             <a:endParaRPr lang="ro-RO" noProof="1">
-              <a:latin typeface="Times New Roman" pitchFamily="18" charset="0"/>
-              <a:cs typeface="Times New Roman" pitchFamily="18" charset="0"/>
-            </a:endParaRPr>
-          </a:p>
-        </p:txBody>
-      </p:sp>
-      <p:sp>
-        <p:nvSpPr>
-          <p:cNvPr id="3" name="Title 2"/>
-          <p:cNvSpPr>
-            <a:spLocks noGrp="1"/>
-          </p:cNvSpPr>
-          <p:nvPr>
-            <p:ph type="title"/>
-          </p:nvPr>
-        </p:nvSpPr>
-        <p:spPr/>
-        <p:txBody>
-          <a:bodyPr/>
-          <a:lstStyle/>
-          <a:p>
-            <a:r>
-              <a:rPr lang="ro-RO" b="1" noProof="1" smtClean="0">
-                <a:latin typeface="Times New Roman" pitchFamily="18" charset="0"/>
-                <a:cs typeface="Times New Roman" pitchFamily="18" charset="0"/>
-              </a:rPr>
-              <a:t>Baze de date</a:t>
-            </a:r>
-            <a:endParaRPr lang="ro-RO" b="1" noProof="1">
               <a:latin typeface="Times New Roman" pitchFamily="18" charset="0"/>
               <a:cs typeface="Times New Roman" pitchFamily="18" charset="0"/>
             </a:endParaRPr>
@@ -5847,7 +6158,7 @@
           <p:nvPr/>
         </p:nvPicPr>
         <p:blipFill>
-          <a:blip r:embed="rId2"/>
+          <a:blip r:embed="rId3"/>
           <a:srcRect/>
           <a:stretch>
             <a:fillRect/>
@@ -5855,7 +6166,7 @@
         </p:blipFill>
         <p:spPr bwMode="auto">
           <a:xfrm>
-            <a:off x="5867400" y="4191000"/>
+            <a:off x="6172200" y="4800600"/>
             <a:ext cx="2438400" cy="762000"/>
           </a:xfrm>
           <a:prstGeom prst="rect">
@@ -5870,6 +6181,49 @@
           </a:ln>
         </p:spPr>
       </p:pic>
+      <p:sp>
+        <p:nvSpPr>
+          <p:cNvPr id="6" name="Title 2"/>
+          <p:cNvSpPr>
+            <a:spLocks noGrp="1"/>
+          </p:cNvSpPr>
+          <p:nvPr>
+            <p:ph type="title"/>
+          </p:nvPr>
+        </p:nvSpPr>
+        <p:spPr>
+          <a:xfrm>
+            <a:off x="3276600" y="914400"/>
+            <a:ext cx="5410200" cy="740465"/>
+          </a:xfrm>
+        </p:spPr>
+        <p:txBody>
+          <a:bodyPr>
+            <a:normAutofit/>
+          </a:bodyPr>
+          <a:lstStyle/>
+          <a:p>
+            <a:pPr algn="ctr"/>
+            <a:r>
+              <a:rPr lang="ro-RO" sz="3200" b="1" noProof="1" smtClean="0">
+                <a:solidFill>
+                  <a:schemeClr val="bg1"/>
+                </a:solidFill>
+                <a:latin typeface="Times New Roman" pitchFamily="18" charset="0"/>
+                <a:cs typeface="Times New Roman" pitchFamily="18" charset="0"/>
+              </a:rPr>
+              <a:t>Baze de date</a:t>
+            </a:r>
+            <a:endParaRPr lang="ro-RO" sz="3200" b="1" noProof="1">
+              <a:solidFill>
+                <a:schemeClr val="bg1"/>
+              </a:solidFill>
+              <a:latin typeface="Times New Roman" pitchFamily="18" charset="0"/>
+              <a:cs typeface="Times New Roman" pitchFamily="18" charset="0"/>
+            </a:endParaRPr>
+          </a:p>
+        </p:txBody>
+      </p:sp>
     </p:spTree>
   </p:cSld>
   <p:clrMapOvr>
@@ -5889,8 +6243,22 @@
 </file>
 
 <file path=ppt/slides/slide8.xml><?xml version="1.0" encoding="utf-8"?>
-<p:sld xmlns:a="http://schemas.openxmlformats.org/drawingml/2006/main" xmlns:r="http://schemas.openxmlformats.org/officeDocument/2006/relationships" xmlns:p="http://schemas.openxmlformats.org/presentationml/2006/main">
+<p:sld xmlns:a="http://schemas.openxmlformats.org/drawingml/2006/main" xmlns:r="http://schemas.openxmlformats.org/officeDocument/2006/relationships" xmlns:p="http://schemas.openxmlformats.org/presentationml/2006/main" showMasterSp="0">
   <p:cSld>
+    <p:bg>
+      <p:bgPr>
+        <a:blipFill dpi="0" rotWithShape="1">
+          <a:blip r:embed="rId2">
+            <a:lum/>
+          </a:blip>
+          <a:srcRect/>
+          <a:stretch>
+            <a:fillRect/>
+          </a:stretch>
+        </a:blipFill>
+        <a:effectLst/>
+      </p:bgPr>
+    </p:bg>
     <p:spTree>
       <p:nvGrpSpPr>
         <p:cNvPr id="1" name=""/>
@@ -5915,7 +6283,12 @@
             <p:ph type="body" idx="1"/>
           </p:nvPr>
         </p:nvSpPr>
-        <p:spPr/>
+        <p:spPr>
+          <a:xfrm>
+            <a:off x="457200" y="1981200"/>
+            <a:ext cx="8229600" cy="4648200"/>
+          </a:xfrm>
+        </p:spPr>
         <p:txBody>
           <a:bodyPr>
             <a:normAutofit fontScale="92500" lnSpcReduction="10000"/>
@@ -6030,7 +6403,7 @@
       </p:sp>
       <p:sp>
         <p:nvSpPr>
-          <p:cNvPr id="3" name="Title 2"/>
+          <p:cNvPr id="5" name="Title 2"/>
           <p:cNvSpPr>
             <a:spLocks noGrp="1"/>
           </p:cNvSpPr>
@@ -6038,19 +6411,33 @@
             <p:ph type="title"/>
           </p:nvPr>
         </p:nvSpPr>
-        <p:spPr/>
-        <p:txBody>
-          <a:bodyPr/>
-          <a:lstStyle/>
-          <a:p>
-            <a:r>
-              <a:rPr lang="en-US" b="1" noProof="1" smtClean="0">
+        <p:spPr>
+          <a:xfrm>
+            <a:off x="3429000" y="914400"/>
+            <a:ext cx="5257800" cy="740465"/>
+          </a:xfrm>
+        </p:spPr>
+        <p:txBody>
+          <a:bodyPr>
+            <a:normAutofit/>
+          </a:bodyPr>
+          <a:lstStyle/>
+          <a:p>
+            <a:pPr algn="ctr"/>
+            <a:r>
+              <a:rPr lang="en-US" sz="3200" b="1" noProof="1" smtClean="0">
+                <a:solidFill>
+                  <a:schemeClr val="bg1"/>
+                </a:solidFill>
                 <a:latin typeface="Times New Roman" pitchFamily="18" charset="0"/>
                 <a:cs typeface="Times New Roman" pitchFamily="18" charset="0"/>
               </a:rPr>
               <a:t>Modelare UML</a:t>
             </a:r>
-            <a:endParaRPr lang="ro-RO" b="1" noProof="1">
+            <a:endParaRPr lang="ro-RO" sz="3200" b="1" noProof="1">
+              <a:solidFill>
+                <a:schemeClr val="bg1"/>
+              </a:solidFill>
               <a:latin typeface="Times New Roman" pitchFamily="18" charset="0"/>
               <a:cs typeface="Times New Roman" pitchFamily="18" charset="0"/>
             </a:endParaRPr>
@@ -6076,8 +6463,22 @@
 </file>
 
 <file path=ppt/slides/slide9.xml><?xml version="1.0" encoding="utf-8"?>
-<p:sld xmlns:a="http://schemas.openxmlformats.org/drawingml/2006/main" xmlns:r="http://schemas.openxmlformats.org/officeDocument/2006/relationships" xmlns:p="http://schemas.openxmlformats.org/presentationml/2006/main">
+<p:sld xmlns:a="http://schemas.openxmlformats.org/drawingml/2006/main" xmlns:r="http://schemas.openxmlformats.org/officeDocument/2006/relationships" xmlns:p="http://schemas.openxmlformats.org/presentationml/2006/main" showMasterSp="0">
   <p:cSld>
+    <p:bg>
+      <p:bgPr>
+        <a:blipFill dpi="0" rotWithShape="1">
+          <a:blip r:embed="rId2">
+            <a:lum/>
+          </a:blip>
+          <a:srcRect/>
+          <a:stretch>
+            <a:fillRect/>
+          </a:stretch>
+        </a:blipFill>
+        <a:effectLst/>
+      </p:bgPr>
+    </p:bg>
     <p:spTree>
       <p:nvGrpSpPr>
         <p:cNvPr id="1" name=""/>
@@ -6128,16 +6529,31 @@
             <p:ph type="title"/>
           </p:nvPr>
         </p:nvSpPr>
-        <p:spPr/>
-        <p:txBody>
-          <a:bodyPr/>
-          <a:lstStyle/>
-          <a:p>
-            <a:r>
-              <a:rPr lang="ro-RO" b="1" noProof="1" smtClean="0"/>
+        <p:spPr>
+          <a:xfrm>
+            <a:off x="2971800" y="914400"/>
+            <a:ext cx="6172200" cy="740465"/>
+          </a:xfrm>
+        </p:spPr>
+        <p:txBody>
+          <a:bodyPr>
+            <a:normAutofit/>
+          </a:bodyPr>
+          <a:lstStyle/>
+          <a:p>
+            <a:r>
+              <a:rPr lang="ro-RO" sz="3200" b="1" noProof="1" smtClean="0">
+                <a:solidFill>
+                  <a:schemeClr val="bg1"/>
+                </a:solidFill>
+              </a:rPr>
               <a:t>Privire de ansamblu a diagramelor</a:t>
             </a:r>
-            <a:endParaRPr lang="ro-RO" b="1" noProof="1"/>
+            <a:endParaRPr lang="ro-RO" sz="3200" b="1" noProof="1">
+              <a:solidFill>
+                <a:schemeClr val="bg1"/>
+              </a:solidFill>
+            </a:endParaRPr>
           </a:p>
         </p:txBody>
       </p:sp>
@@ -6148,7 +6564,7 @@
           <p:nvPr/>
         </p:nvPicPr>
         <p:blipFill>
-          <a:blip r:embed="rId2"/>
+          <a:blip r:embed="rId3"/>
           <a:srcRect/>
           <a:stretch>
             <a:fillRect/>
@@ -6156,7 +6572,7 @@
         </p:blipFill>
         <p:spPr bwMode="auto">
           <a:xfrm>
-            <a:off x="762000" y="1600200"/>
+            <a:off x="762000" y="2057400"/>
             <a:ext cx="7924800" cy="4648200"/>
           </a:xfrm>
           <a:prstGeom prst="rect">
